--- a/using-azure-vm-over-internet/figures.pptx
+++ b/using-azure-vm-over-internet/figures.pptx
@@ -4,8 +4,16 @@
   <p:sldMasterIdLst>
     <p:sldMasterId id="2147483648" r:id="rId1"/>
   </p:sldMasterIdLst>
+  <p:notesMasterIdLst>
+    <p:notesMasterId r:id="rId8"/>
+  </p:notesMasterIdLst>
   <p:sldIdLst>
     <p:sldId id="256" r:id="rId2"/>
+    <p:sldId id="257" r:id="rId3"/>
+    <p:sldId id="258" r:id="rId4"/>
+    <p:sldId id="259" r:id="rId5"/>
+    <p:sldId id="260" r:id="rId6"/>
+    <p:sldId id="261" r:id="rId7"/>
   </p:sldIdLst>
   <p:sldSz cx="12192000" cy="6858000"/>
   <p:notesSz cx="6858000" cy="9144000"/>
@@ -104,7 +112,477 @@
       </a:defRPr>
     </a:lvl9pPr>
   </p:defaultTextStyle>
+  <p:extLst>
+    <p:ext uri="{EFAFB233-063F-42B5-8137-9DF3F51BA10A}">
+      <p15:sldGuideLst xmlns:p15="http://schemas.microsoft.com/office/powerpoint/2012/main"/>
+    </p:ext>
+  </p:extLst>
 </p:presentation>
+</file>
+
+<file path=ppt/notesMasters/notesMaster1.xml><?xml version="1.0" encoding="utf-8"?>
+<p:notesMaster xmlns:a="http://schemas.openxmlformats.org/drawingml/2006/main" xmlns:r="http://schemas.openxmlformats.org/officeDocument/2006/relationships" xmlns:p="http://schemas.openxmlformats.org/presentationml/2006/main">
+  <p:cSld>
+    <p:bg>
+      <p:bgRef idx="1001">
+        <a:schemeClr val="bg1"/>
+      </p:bgRef>
+    </p:bg>
+    <p:spTree>
+      <p:nvGrpSpPr>
+        <p:cNvPr id="1" name=""/>
+        <p:cNvGrpSpPr/>
+        <p:nvPr/>
+      </p:nvGrpSpPr>
+      <p:grpSpPr>
+        <a:xfrm>
+          <a:off x="0" y="0"/>
+          <a:ext cx="0" cy="0"/>
+          <a:chOff x="0" y="0"/>
+          <a:chExt cx="0" cy="0"/>
+        </a:xfrm>
+      </p:grpSpPr>
+      <p:sp>
+        <p:nvSpPr>
+          <p:cNvPr id="2" name="ヘッダー プレースホルダー 1"/>
+          <p:cNvSpPr>
+            <a:spLocks noGrp="1"/>
+          </p:cNvSpPr>
+          <p:nvPr>
+            <p:ph type="hdr" sz="quarter"/>
+          </p:nvPr>
+        </p:nvSpPr>
+        <p:spPr>
+          <a:xfrm>
+            <a:off x="0" y="0"/>
+            <a:ext cx="2971800" cy="458788"/>
+          </a:xfrm>
+          <a:prstGeom prst="rect">
+            <a:avLst/>
+          </a:prstGeom>
+        </p:spPr>
+        <p:txBody>
+          <a:bodyPr vert="horz" lIns="91440" tIns="45720" rIns="91440" bIns="45720" rtlCol="0"/>
+          <a:lstStyle>
+            <a:lvl1pPr algn="l">
+              <a:defRPr sz="1200"/>
+            </a:lvl1pPr>
+          </a:lstStyle>
+          <a:p>
+            <a:endParaRPr kumimoji="1" lang="ja-JP" altLang="en-US"/>
+          </a:p>
+        </p:txBody>
+      </p:sp>
+      <p:sp>
+        <p:nvSpPr>
+          <p:cNvPr id="3" name="日付プレースホルダー 2"/>
+          <p:cNvSpPr>
+            <a:spLocks noGrp="1"/>
+          </p:cNvSpPr>
+          <p:nvPr>
+            <p:ph type="dt" idx="1"/>
+          </p:nvPr>
+        </p:nvSpPr>
+        <p:spPr>
+          <a:xfrm>
+            <a:off x="3884613" y="0"/>
+            <a:ext cx="2971800" cy="458788"/>
+          </a:xfrm>
+          <a:prstGeom prst="rect">
+            <a:avLst/>
+          </a:prstGeom>
+        </p:spPr>
+        <p:txBody>
+          <a:bodyPr vert="horz" lIns="91440" tIns="45720" rIns="91440" bIns="45720" rtlCol="0"/>
+          <a:lstStyle>
+            <a:lvl1pPr algn="r">
+              <a:defRPr sz="1200"/>
+            </a:lvl1pPr>
+          </a:lstStyle>
+          <a:p>
+            <a:fld id="{6381530B-0500-41DE-BD93-13268011408D}" type="datetimeFigureOut">
+              <a:rPr kumimoji="1" lang="ja-JP" altLang="en-US" smtClean="0"/>
+              <a:t>2018/11/13</a:t>
+            </a:fld>
+            <a:endParaRPr kumimoji="1" lang="ja-JP" altLang="en-US"/>
+          </a:p>
+        </p:txBody>
+      </p:sp>
+      <p:sp>
+        <p:nvSpPr>
+          <p:cNvPr id="4" name="スライド イメージ プレースホルダー 3"/>
+          <p:cNvSpPr>
+            <a:spLocks noGrp="1" noRot="1" noChangeAspect="1"/>
+          </p:cNvSpPr>
+          <p:nvPr>
+            <p:ph type="sldImg" idx="2"/>
+          </p:nvPr>
+        </p:nvSpPr>
+        <p:spPr>
+          <a:xfrm>
+            <a:off x="685800" y="1143000"/>
+            <a:ext cx="5486400" cy="3086100"/>
+          </a:xfrm>
+          <a:prstGeom prst="rect">
+            <a:avLst/>
+          </a:prstGeom>
+          <a:noFill/>
+          <a:ln w="12700">
+            <a:solidFill>
+              <a:prstClr val="black"/>
+            </a:solidFill>
+          </a:ln>
+        </p:spPr>
+        <p:txBody>
+          <a:bodyPr vert="horz" lIns="91440" tIns="45720" rIns="91440" bIns="45720" rtlCol="0" anchor="ctr"/>
+          <a:lstStyle/>
+          <a:p>
+            <a:endParaRPr lang="ja-JP" altLang="en-US"/>
+          </a:p>
+        </p:txBody>
+      </p:sp>
+      <p:sp>
+        <p:nvSpPr>
+          <p:cNvPr id="5" name="ノート プレースホルダー 4"/>
+          <p:cNvSpPr>
+            <a:spLocks noGrp="1"/>
+          </p:cNvSpPr>
+          <p:nvPr>
+            <p:ph type="body" sz="quarter" idx="3"/>
+          </p:nvPr>
+        </p:nvSpPr>
+        <p:spPr>
+          <a:xfrm>
+            <a:off x="685800" y="4400550"/>
+            <a:ext cx="5486400" cy="3600450"/>
+          </a:xfrm>
+          <a:prstGeom prst="rect">
+            <a:avLst/>
+          </a:prstGeom>
+        </p:spPr>
+        <p:txBody>
+          <a:bodyPr vert="horz" lIns="91440" tIns="45720" rIns="91440" bIns="45720" rtlCol="0"/>
+          <a:lstStyle/>
+          <a:p>
+            <a:pPr lvl="0"/>
+            <a:r>
+              <a:rPr kumimoji="1" lang="ja-JP" altLang="en-US"/>
+              <a:t>マスター テキストの書式設定</a:t>
+            </a:r>
+          </a:p>
+          <a:p>
+            <a:pPr lvl="1"/>
+            <a:r>
+              <a:rPr kumimoji="1" lang="ja-JP" altLang="en-US"/>
+              <a:t>第 </a:t>
+            </a:r>
+            <a:r>
+              <a:rPr kumimoji="1" lang="en-US" altLang="ja-JP"/>
+              <a:t>2 </a:t>
+            </a:r>
+            <a:r>
+              <a:rPr kumimoji="1" lang="ja-JP" altLang="en-US"/>
+              <a:t>レベル</a:t>
+            </a:r>
+          </a:p>
+          <a:p>
+            <a:pPr lvl="2"/>
+            <a:r>
+              <a:rPr kumimoji="1" lang="ja-JP" altLang="en-US"/>
+              <a:t>第 </a:t>
+            </a:r>
+            <a:r>
+              <a:rPr kumimoji="1" lang="en-US" altLang="ja-JP"/>
+              <a:t>3 </a:t>
+            </a:r>
+            <a:r>
+              <a:rPr kumimoji="1" lang="ja-JP" altLang="en-US"/>
+              <a:t>レベル</a:t>
+            </a:r>
+          </a:p>
+          <a:p>
+            <a:pPr lvl="3"/>
+            <a:r>
+              <a:rPr kumimoji="1" lang="ja-JP" altLang="en-US"/>
+              <a:t>第 </a:t>
+            </a:r>
+            <a:r>
+              <a:rPr kumimoji="1" lang="en-US" altLang="ja-JP"/>
+              <a:t>4 </a:t>
+            </a:r>
+            <a:r>
+              <a:rPr kumimoji="1" lang="ja-JP" altLang="en-US"/>
+              <a:t>レベル</a:t>
+            </a:r>
+          </a:p>
+          <a:p>
+            <a:pPr lvl="4"/>
+            <a:r>
+              <a:rPr kumimoji="1" lang="ja-JP" altLang="en-US"/>
+              <a:t>第 </a:t>
+            </a:r>
+            <a:r>
+              <a:rPr kumimoji="1" lang="en-US" altLang="ja-JP"/>
+              <a:t>5 </a:t>
+            </a:r>
+            <a:r>
+              <a:rPr kumimoji="1" lang="ja-JP" altLang="en-US"/>
+              <a:t>レベル</a:t>
+            </a:r>
+          </a:p>
+        </p:txBody>
+      </p:sp>
+      <p:sp>
+        <p:nvSpPr>
+          <p:cNvPr id="6" name="フッター プレースホルダー 5"/>
+          <p:cNvSpPr>
+            <a:spLocks noGrp="1"/>
+          </p:cNvSpPr>
+          <p:nvPr>
+            <p:ph type="ftr" sz="quarter" idx="4"/>
+          </p:nvPr>
+        </p:nvSpPr>
+        <p:spPr>
+          <a:xfrm>
+            <a:off x="0" y="8685213"/>
+            <a:ext cx="2971800" cy="458787"/>
+          </a:xfrm>
+          <a:prstGeom prst="rect">
+            <a:avLst/>
+          </a:prstGeom>
+        </p:spPr>
+        <p:txBody>
+          <a:bodyPr vert="horz" lIns="91440" tIns="45720" rIns="91440" bIns="45720" rtlCol="0" anchor="b"/>
+          <a:lstStyle>
+            <a:lvl1pPr algn="l">
+              <a:defRPr sz="1200"/>
+            </a:lvl1pPr>
+          </a:lstStyle>
+          <a:p>
+            <a:endParaRPr kumimoji="1" lang="ja-JP" altLang="en-US"/>
+          </a:p>
+        </p:txBody>
+      </p:sp>
+      <p:sp>
+        <p:nvSpPr>
+          <p:cNvPr id="7" name="スライド番号プレースホルダー 6"/>
+          <p:cNvSpPr>
+            <a:spLocks noGrp="1"/>
+          </p:cNvSpPr>
+          <p:nvPr>
+            <p:ph type="sldNum" sz="quarter" idx="5"/>
+          </p:nvPr>
+        </p:nvSpPr>
+        <p:spPr>
+          <a:xfrm>
+            <a:off x="3884613" y="8685213"/>
+            <a:ext cx="2971800" cy="458787"/>
+          </a:xfrm>
+          <a:prstGeom prst="rect">
+            <a:avLst/>
+          </a:prstGeom>
+        </p:spPr>
+        <p:txBody>
+          <a:bodyPr vert="horz" lIns="91440" tIns="45720" rIns="91440" bIns="45720" rtlCol="0" anchor="b"/>
+          <a:lstStyle>
+            <a:lvl1pPr algn="r">
+              <a:defRPr sz="1200"/>
+            </a:lvl1pPr>
+          </a:lstStyle>
+          <a:p>
+            <a:fld id="{58249FF2-8B5E-46D6-888F-B2EDB99C281B}" type="slidenum">
+              <a:rPr kumimoji="1" lang="ja-JP" altLang="en-US" smtClean="0"/>
+              <a:t>‹#›</a:t>
+            </a:fld>
+            <a:endParaRPr kumimoji="1" lang="ja-JP" altLang="en-US"/>
+          </a:p>
+        </p:txBody>
+      </p:sp>
+    </p:spTree>
+    <p:extLst>
+      <p:ext uri="{BB962C8B-B14F-4D97-AF65-F5344CB8AC3E}">
+        <p14:creationId xmlns:p14="http://schemas.microsoft.com/office/powerpoint/2010/main" val="1389003010"/>
+      </p:ext>
+    </p:extLst>
+  </p:cSld>
+  <p:clrMap bg1="lt1" tx1="dk1" bg2="lt2" tx2="dk2" accent1="accent1" accent2="accent2" accent3="accent3" accent4="accent4" accent5="accent5" accent6="accent6" hlink="hlink" folHlink="folHlink"/>
+  <p:notesStyle>
+    <a:lvl1pPr marL="0" algn="l" defTabSz="914400" rtl="0" eaLnBrk="1" latinLnBrk="0" hangingPunct="1">
+      <a:defRPr kumimoji="1" sz="1200" kern="1200">
+        <a:solidFill>
+          <a:schemeClr val="tx1"/>
+        </a:solidFill>
+        <a:latin typeface="+mn-lt"/>
+        <a:ea typeface="+mn-ea"/>
+        <a:cs typeface="+mn-cs"/>
+      </a:defRPr>
+    </a:lvl1pPr>
+    <a:lvl2pPr marL="457200" algn="l" defTabSz="914400" rtl="0" eaLnBrk="1" latinLnBrk="0" hangingPunct="1">
+      <a:defRPr kumimoji="1" sz="1200" kern="1200">
+        <a:solidFill>
+          <a:schemeClr val="tx1"/>
+        </a:solidFill>
+        <a:latin typeface="+mn-lt"/>
+        <a:ea typeface="+mn-ea"/>
+        <a:cs typeface="+mn-cs"/>
+      </a:defRPr>
+    </a:lvl2pPr>
+    <a:lvl3pPr marL="914400" algn="l" defTabSz="914400" rtl="0" eaLnBrk="1" latinLnBrk="0" hangingPunct="1">
+      <a:defRPr kumimoji="1" sz="1200" kern="1200">
+        <a:solidFill>
+          <a:schemeClr val="tx1"/>
+        </a:solidFill>
+        <a:latin typeface="+mn-lt"/>
+        <a:ea typeface="+mn-ea"/>
+        <a:cs typeface="+mn-cs"/>
+      </a:defRPr>
+    </a:lvl3pPr>
+    <a:lvl4pPr marL="1371600" algn="l" defTabSz="914400" rtl="0" eaLnBrk="1" latinLnBrk="0" hangingPunct="1">
+      <a:defRPr kumimoji="1" sz="1200" kern="1200">
+        <a:solidFill>
+          <a:schemeClr val="tx1"/>
+        </a:solidFill>
+        <a:latin typeface="+mn-lt"/>
+        <a:ea typeface="+mn-ea"/>
+        <a:cs typeface="+mn-cs"/>
+      </a:defRPr>
+    </a:lvl4pPr>
+    <a:lvl5pPr marL="1828800" algn="l" defTabSz="914400" rtl="0" eaLnBrk="1" latinLnBrk="0" hangingPunct="1">
+      <a:defRPr kumimoji="1" sz="1200" kern="1200">
+        <a:solidFill>
+          <a:schemeClr val="tx1"/>
+        </a:solidFill>
+        <a:latin typeface="+mn-lt"/>
+        <a:ea typeface="+mn-ea"/>
+        <a:cs typeface="+mn-cs"/>
+      </a:defRPr>
+    </a:lvl5pPr>
+    <a:lvl6pPr marL="2286000" algn="l" defTabSz="914400" rtl="0" eaLnBrk="1" latinLnBrk="0" hangingPunct="1">
+      <a:defRPr kumimoji="1" sz="1200" kern="1200">
+        <a:solidFill>
+          <a:schemeClr val="tx1"/>
+        </a:solidFill>
+        <a:latin typeface="+mn-lt"/>
+        <a:ea typeface="+mn-ea"/>
+        <a:cs typeface="+mn-cs"/>
+      </a:defRPr>
+    </a:lvl6pPr>
+    <a:lvl7pPr marL="2743200" algn="l" defTabSz="914400" rtl="0" eaLnBrk="1" latinLnBrk="0" hangingPunct="1">
+      <a:defRPr kumimoji="1" sz="1200" kern="1200">
+        <a:solidFill>
+          <a:schemeClr val="tx1"/>
+        </a:solidFill>
+        <a:latin typeface="+mn-lt"/>
+        <a:ea typeface="+mn-ea"/>
+        <a:cs typeface="+mn-cs"/>
+      </a:defRPr>
+    </a:lvl7pPr>
+    <a:lvl8pPr marL="3200400" algn="l" defTabSz="914400" rtl="0" eaLnBrk="1" latinLnBrk="0" hangingPunct="1">
+      <a:defRPr kumimoji="1" sz="1200" kern="1200">
+        <a:solidFill>
+          <a:schemeClr val="tx1"/>
+        </a:solidFill>
+        <a:latin typeface="+mn-lt"/>
+        <a:ea typeface="+mn-ea"/>
+        <a:cs typeface="+mn-cs"/>
+      </a:defRPr>
+    </a:lvl8pPr>
+    <a:lvl9pPr marL="3657600" algn="l" defTabSz="914400" rtl="0" eaLnBrk="1" latinLnBrk="0" hangingPunct="1">
+      <a:defRPr kumimoji="1" sz="1200" kern="1200">
+        <a:solidFill>
+          <a:schemeClr val="tx1"/>
+        </a:solidFill>
+        <a:latin typeface="+mn-lt"/>
+        <a:ea typeface="+mn-ea"/>
+        <a:cs typeface="+mn-cs"/>
+      </a:defRPr>
+    </a:lvl9pPr>
+  </p:notesStyle>
+</p:notesMaster>
+</file>
+
+<file path=ppt/notesSlides/notesSlide1.xml><?xml version="1.0" encoding="utf-8"?>
+<p:notes xmlns:a="http://schemas.openxmlformats.org/drawingml/2006/main" xmlns:r="http://schemas.openxmlformats.org/officeDocument/2006/relationships" xmlns:p="http://schemas.openxmlformats.org/presentationml/2006/main">
+  <p:cSld>
+    <p:spTree>
+      <p:nvGrpSpPr>
+        <p:cNvPr id="1" name=""/>
+        <p:cNvGrpSpPr/>
+        <p:nvPr/>
+      </p:nvGrpSpPr>
+      <p:grpSpPr>
+        <a:xfrm>
+          <a:off x="0" y="0"/>
+          <a:ext cx="0" cy="0"/>
+          <a:chOff x="0" y="0"/>
+          <a:chExt cx="0" cy="0"/>
+        </a:xfrm>
+      </p:grpSpPr>
+      <p:sp>
+        <p:nvSpPr>
+          <p:cNvPr id="2" name="スライド イメージ プレースホルダー 1"/>
+          <p:cNvSpPr>
+            <a:spLocks noGrp="1" noRot="1" noChangeAspect="1"/>
+          </p:cNvSpPr>
+          <p:nvPr>
+            <p:ph type="sldImg"/>
+          </p:nvPr>
+        </p:nvSpPr>
+        <p:spPr/>
+      </p:sp>
+      <p:sp>
+        <p:nvSpPr>
+          <p:cNvPr id="3" name="ノート プレースホルダー 2"/>
+          <p:cNvSpPr>
+            <a:spLocks noGrp="1"/>
+          </p:cNvSpPr>
+          <p:nvPr>
+            <p:ph type="body" idx="1"/>
+          </p:nvPr>
+        </p:nvSpPr>
+        <p:spPr/>
+        <p:txBody>
+          <a:bodyPr/>
+          <a:lstStyle/>
+          <a:p>
+            <a:endParaRPr kumimoji="1" lang="ja-JP" altLang="en-US" dirty="0"/>
+          </a:p>
+        </p:txBody>
+      </p:sp>
+      <p:sp>
+        <p:nvSpPr>
+          <p:cNvPr id="4" name="スライド番号プレースホルダー 3"/>
+          <p:cNvSpPr>
+            <a:spLocks noGrp="1"/>
+          </p:cNvSpPr>
+          <p:nvPr>
+            <p:ph type="sldNum" sz="quarter" idx="5"/>
+          </p:nvPr>
+        </p:nvSpPr>
+        <p:spPr/>
+        <p:txBody>
+          <a:bodyPr/>
+          <a:lstStyle/>
+          <a:p>
+            <a:fld id="{58249FF2-8B5E-46D6-888F-B2EDB99C281B}" type="slidenum">
+              <a:rPr kumimoji="1" lang="ja-JP" altLang="en-US" smtClean="0"/>
+              <a:t>1</a:t>
+            </a:fld>
+            <a:endParaRPr kumimoji="1" lang="ja-JP" altLang="en-US"/>
+          </a:p>
+        </p:txBody>
+      </p:sp>
+    </p:spTree>
+    <p:extLst>
+      <p:ext uri="{BB962C8B-B14F-4D97-AF65-F5344CB8AC3E}">
+        <p14:creationId xmlns:p14="http://schemas.microsoft.com/office/powerpoint/2010/main" val="2477972569"/>
+      </p:ext>
+    </p:extLst>
+  </p:cSld>
+  <p:clrMapOvr>
+    <a:masterClrMapping/>
+  </p:clrMapOvr>
+</p:notes>
 </file>
 
 <file path=ppt/slideLayouts/slideLayout1.xml><?xml version="1.0" encoding="utf-8"?>
@@ -254,7 +732,7 @@
           <a:p>
             <a:fld id="{6F131D96-864F-4F59-B74D-87FDD9254C75}" type="datetimeFigureOut">
               <a:rPr kumimoji="1" lang="ja-JP" altLang="en-US" smtClean="0"/>
-              <a:t>2018/11/11</a:t>
+              <a:t>2018/11/13</a:t>
             </a:fld>
             <a:endParaRPr kumimoji="1" lang="ja-JP" altLang="en-US"/>
           </a:p>
@@ -484,7 +962,7 @@
           <a:p>
             <a:fld id="{6F131D96-864F-4F59-B74D-87FDD9254C75}" type="datetimeFigureOut">
               <a:rPr kumimoji="1" lang="ja-JP" altLang="en-US" smtClean="0"/>
-              <a:t>2018/11/11</a:t>
+              <a:t>2018/11/13</a:t>
             </a:fld>
             <a:endParaRPr kumimoji="1" lang="ja-JP" altLang="en-US"/>
           </a:p>
@@ -724,7 +1202,7 @@
           <a:p>
             <a:fld id="{6F131D96-864F-4F59-B74D-87FDD9254C75}" type="datetimeFigureOut">
               <a:rPr kumimoji="1" lang="ja-JP" altLang="en-US" smtClean="0"/>
-              <a:t>2018/11/11</a:t>
+              <a:t>2018/11/13</a:t>
             </a:fld>
             <a:endParaRPr kumimoji="1" lang="ja-JP" altLang="en-US"/>
           </a:p>
@@ -954,7 +1432,7 @@
           <a:p>
             <a:fld id="{6F131D96-864F-4F59-B74D-87FDD9254C75}" type="datetimeFigureOut">
               <a:rPr kumimoji="1" lang="ja-JP" altLang="en-US" smtClean="0"/>
-              <a:t>2018/11/11</a:t>
+              <a:t>2018/11/13</a:t>
             </a:fld>
             <a:endParaRPr kumimoji="1" lang="ja-JP" altLang="en-US"/>
           </a:p>
@@ -1229,7 +1707,7 @@
           <a:p>
             <a:fld id="{6F131D96-864F-4F59-B74D-87FDD9254C75}" type="datetimeFigureOut">
               <a:rPr kumimoji="1" lang="ja-JP" altLang="en-US" smtClean="0"/>
-              <a:t>2018/11/11</a:t>
+              <a:t>2018/11/13</a:t>
             </a:fld>
             <a:endParaRPr kumimoji="1" lang="ja-JP" altLang="en-US"/>
           </a:p>
@@ -1558,7 +2036,7 @@
           <a:p>
             <a:fld id="{6F131D96-864F-4F59-B74D-87FDD9254C75}" type="datetimeFigureOut">
               <a:rPr kumimoji="1" lang="ja-JP" altLang="en-US" smtClean="0"/>
-              <a:t>2018/11/11</a:t>
+              <a:t>2018/11/13</a:t>
             </a:fld>
             <a:endParaRPr kumimoji="1" lang="ja-JP" altLang="en-US"/>
           </a:p>
@@ -2034,7 +2512,7 @@
           <a:p>
             <a:fld id="{6F131D96-864F-4F59-B74D-87FDD9254C75}" type="datetimeFigureOut">
               <a:rPr kumimoji="1" lang="ja-JP" altLang="en-US" smtClean="0"/>
-              <a:t>2018/11/11</a:t>
+              <a:t>2018/11/13</a:t>
             </a:fld>
             <a:endParaRPr kumimoji="1" lang="ja-JP" altLang="en-US"/>
           </a:p>
@@ -2175,7 +2653,7 @@
           <a:p>
             <a:fld id="{6F131D96-864F-4F59-B74D-87FDD9254C75}" type="datetimeFigureOut">
               <a:rPr kumimoji="1" lang="ja-JP" altLang="en-US" smtClean="0"/>
-              <a:t>2018/11/11</a:t>
+              <a:t>2018/11/13</a:t>
             </a:fld>
             <a:endParaRPr kumimoji="1" lang="ja-JP" altLang="en-US"/>
           </a:p>
@@ -2288,7 +2766,7 @@
           <a:p>
             <a:fld id="{6F131D96-864F-4F59-B74D-87FDD9254C75}" type="datetimeFigureOut">
               <a:rPr kumimoji="1" lang="ja-JP" altLang="en-US" smtClean="0"/>
-              <a:t>2018/11/11</a:t>
+              <a:t>2018/11/13</a:t>
             </a:fld>
             <a:endParaRPr kumimoji="1" lang="ja-JP" altLang="en-US"/>
           </a:p>
@@ -2631,7 +3109,7 @@
           <a:p>
             <a:fld id="{6F131D96-864F-4F59-B74D-87FDD9254C75}" type="datetimeFigureOut">
               <a:rPr kumimoji="1" lang="ja-JP" altLang="en-US" smtClean="0"/>
-              <a:t>2018/11/11</a:t>
+              <a:t>2018/11/13</a:t>
             </a:fld>
             <a:endParaRPr kumimoji="1" lang="ja-JP" altLang="en-US"/>
           </a:p>
@@ -2919,7 +3397,7 @@
           <a:p>
             <a:fld id="{6F131D96-864F-4F59-B74D-87FDD9254C75}" type="datetimeFigureOut">
               <a:rPr kumimoji="1" lang="ja-JP" altLang="en-US" smtClean="0"/>
-              <a:t>2018/11/11</a:t>
+              <a:t>2018/11/13</a:t>
             </a:fld>
             <a:endParaRPr kumimoji="1" lang="ja-JP" altLang="en-US"/>
           </a:p>
@@ -3192,7 +3670,7 @@
           <a:p>
             <a:fld id="{6F131D96-864F-4F59-B74D-87FDD9254C75}" type="datetimeFigureOut">
               <a:rPr kumimoji="1" lang="ja-JP" altLang="en-US" smtClean="0"/>
-              <a:t>2018/11/11</a:t>
+              <a:t>2018/11/13</a:t>
             </a:fld>
             <a:endParaRPr kumimoji="1" lang="ja-JP" altLang="en-US"/>
           </a:p>
@@ -3609,10 +4087,4434 @@
           <a:chExt cx="0" cy="0"/>
         </a:xfrm>
       </p:grpSpPr>
+      <p:sp>
+        <p:nvSpPr>
+          <p:cNvPr id="4" name="正方形/長方形 3">
+            <a:extLst>
+              <a:ext uri="{FF2B5EF4-FFF2-40B4-BE49-F238E27FC236}">
+                <a16:creationId xmlns:a16="http://schemas.microsoft.com/office/drawing/2014/main" id="{26F247F6-C576-499D-BB12-3C17FD54F868}"/>
+              </a:ext>
+            </a:extLst>
+          </p:cNvPr>
+          <p:cNvSpPr/>
+          <p:nvPr/>
+        </p:nvSpPr>
+        <p:spPr bwMode="auto">
+          <a:xfrm>
+            <a:off x="1265887" y="1694024"/>
+            <a:ext cx="2740337" cy="2144684"/>
+          </a:xfrm>
+          <a:prstGeom prst="rect">
+            <a:avLst/>
+          </a:prstGeom>
+          <a:ln>
+            <a:headEnd type="none" w="med" len="med"/>
+            <a:tailEnd type="none" w="med" len="med"/>
+          </a:ln>
+        </p:spPr>
+        <p:style>
+          <a:lnRef idx="2">
+            <a:schemeClr val="accent1"/>
+          </a:lnRef>
+          <a:fillRef idx="1">
+            <a:schemeClr val="lt1"/>
+          </a:fillRef>
+          <a:effectRef idx="0">
+            <a:schemeClr val="accent1"/>
+          </a:effectRef>
+          <a:fontRef idx="minor">
+            <a:schemeClr val="dk1"/>
+          </a:fontRef>
+        </p:style>
+        <p:txBody>
+          <a:bodyPr rot="0" spcFirstLastPara="0" vertOverflow="overflow" horzOverflow="overflow" vert="horz" wrap="square" lIns="182880" tIns="146304" rIns="182880" bIns="146304" numCol="1" spcCol="0" rtlCol="0" fromWordArt="0" anchor="ctr" anchorCtr="0" forceAA="0" compatLnSpc="1">
+            <a:prstTxWarp prst="textNoShape">
+              <a:avLst/>
+            </a:prstTxWarp>
+            <a:noAutofit/>
+          </a:bodyPr>
+          <a:lstStyle/>
+          <a:p>
+            <a:pPr algn="ctr" defTabSz="932472" fontAlgn="base">
+              <a:lnSpc>
+                <a:spcPct val="90000"/>
+              </a:lnSpc>
+              <a:spcBef>
+                <a:spcPct val="0"/>
+              </a:spcBef>
+              <a:spcAft>
+                <a:spcPct val="0"/>
+              </a:spcAft>
+            </a:pPr>
+            <a:endParaRPr kumimoji="1" lang="ja-JP" altLang="en-US" dirty="0">
+              <a:solidFill>
+                <a:schemeClr val="tx2"/>
+              </a:solidFill>
+              <a:cs typeface="Segoe UI" pitchFamily="34" charset="0"/>
+            </a:endParaRPr>
+          </a:p>
+        </p:txBody>
+      </p:sp>
+      <p:sp>
+        <p:nvSpPr>
+          <p:cNvPr id="7" name="四角形: 角を丸くする 6">
+            <a:extLst>
+              <a:ext uri="{FF2B5EF4-FFF2-40B4-BE49-F238E27FC236}">
+                <a16:creationId xmlns:a16="http://schemas.microsoft.com/office/drawing/2014/main" id="{0E1B16D6-C06F-466A-B9F2-6D985A8CE02E}"/>
+              </a:ext>
+            </a:extLst>
+          </p:cNvPr>
+          <p:cNvSpPr/>
+          <p:nvPr/>
+        </p:nvSpPr>
+        <p:spPr bwMode="auto">
+          <a:xfrm>
+            <a:off x="1418283" y="2978340"/>
+            <a:ext cx="2438400" cy="709355"/>
+          </a:xfrm>
+          <a:prstGeom prst="roundRect">
+            <a:avLst/>
+          </a:prstGeom>
+          <a:ln>
+            <a:headEnd type="none" w="med" len="med"/>
+            <a:tailEnd type="none" w="med" len="med"/>
+          </a:ln>
+        </p:spPr>
+        <p:style>
+          <a:lnRef idx="1">
+            <a:schemeClr val="accent1"/>
+          </a:lnRef>
+          <a:fillRef idx="2">
+            <a:schemeClr val="accent1"/>
+          </a:fillRef>
+          <a:effectRef idx="1">
+            <a:schemeClr val="accent1"/>
+          </a:effectRef>
+          <a:fontRef idx="minor">
+            <a:schemeClr val="dk1"/>
+          </a:fontRef>
+        </p:style>
+        <p:txBody>
+          <a:bodyPr rot="0" spcFirstLastPara="0" vertOverflow="overflow" horzOverflow="overflow" vert="horz" wrap="square" lIns="182880" tIns="146304" rIns="182880" bIns="146304" numCol="1" spcCol="0" rtlCol="0" fromWordArt="0" anchor="ctr" anchorCtr="0" forceAA="0" compatLnSpc="1">
+            <a:prstTxWarp prst="textNoShape">
+              <a:avLst/>
+            </a:prstTxWarp>
+            <a:noAutofit/>
+          </a:bodyPr>
+          <a:lstStyle/>
+          <a:p>
+            <a:pPr algn="ctr" defTabSz="932472" fontAlgn="base">
+              <a:lnSpc>
+                <a:spcPct val="90000"/>
+              </a:lnSpc>
+              <a:spcBef>
+                <a:spcPct val="0"/>
+              </a:spcBef>
+              <a:spcAft>
+                <a:spcPct val="0"/>
+              </a:spcAft>
+            </a:pPr>
+            <a:r>
+              <a:rPr kumimoji="1" lang="en-US" altLang="ja-JP" dirty="0">
+                <a:solidFill>
+                  <a:schemeClr val="tx2"/>
+                </a:solidFill>
+                <a:cs typeface="Segoe UI" pitchFamily="34" charset="0"/>
+              </a:rPr>
+              <a:t>Web</a:t>
+            </a:r>
+            <a:r>
+              <a:rPr kumimoji="1" lang="ja-JP" altLang="en-US" dirty="0">
+                <a:solidFill>
+                  <a:schemeClr val="tx2"/>
+                </a:solidFill>
+                <a:cs typeface="Segoe UI" pitchFamily="34" charset="0"/>
+              </a:rPr>
+              <a:t> ブラウザ</a:t>
+            </a:r>
+          </a:p>
+        </p:txBody>
+      </p:sp>
+      <p:sp>
+        <p:nvSpPr>
+          <p:cNvPr id="8" name="四角形: 角を丸くする 7">
+            <a:extLst>
+              <a:ext uri="{FF2B5EF4-FFF2-40B4-BE49-F238E27FC236}">
+                <a16:creationId xmlns:a16="http://schemas.microsoft.com/office/drawing/2014/main" id="{EA0214F1-2369-4542-9C4A-821203A9F92F}"/>
+              </a:ext>
+            </a:extLst>
+          </p:cNvPr>
+          <p:cNvSpPr/>
+          <p:nvPr/>
+        </p:nvSpPr>
+        <p:spPr bwMode="auto">
+          <a:xfrm>
+            <a:off x="1418283" y="1892381"/>
+            <a:ext cx="2438400" cy="709355"/>
+          </a:xfrm>
+          <a:prstGeom prst="roundRect">
+            <a:avLst/>
+          </a:prstGeom>
+          <a:ln>
+            <a:headEnd type="none" w="med" len="med"/>
+            <a:tailEnd type="none" w="med" len="med"/>
+          </a:ln>
+        </p:spPr>
+        <p:style>
+          <a:lnRef idx="1">
+            <a:schemeClr val="accent1"/>
+          </a:lnRef>
+          <a:fillRef idx="2">
+            <a:schemeClr val="accent1"/>
+          </a:fillRef>
+          <a:effectRef idx="1">
+            <a:schemeClr val="accent1"/>
+          </a:effectRef>
+          <a:fontRef idx="minor">
+            <a:schemeClr val="dk1"/>
+          </a:fontRef>
+        </p:style>
+        <p:txBody>
+          <a:bodyPr rot="0" spcFirstLastPara="0" vertOverflow="overflow" horzOverflow="overflow" vert="horz" wrap="square" lIns="182880" tIns="146304" rIns="182880" bIns="146304" numCol="1" spcCol="0" rtlCol="0" fromWordArt="0" anchor="ctr" anchorCtr="0" forceAA="0" compatLnSpc="1">
+            <a:prstTxWarp prst="textNoShape">
+              <a:avLst/>
+            </a:prstTxWarp>
+            <a:noAutofit/>
+          </a:bodyPr>
+          <a:lstStyle/>
+          <a:p>
+            <a:pPr algn="ctr" defTabSz="932472" fontAlgn="base">
+              <a:lnSpc>
+                <a:spcPct val="90000"/>
+              </a:lnSpc>
+              <a:spcBef>
+                <a:spcPct val="0"/>
+              </a:spcBef>
+              <a:spcAft>
+                <a:spcPct val="0"/>
+              </a:spcAft>
+            </a:pPr>
+            <a:r>
+              <a:rPr lang="ja-JP" altLang="en-US" dirty="0">
+                <a:solidFill>
+                  <a:schemeClr val="tx2"/>
+                </a:solidFill>
+                <a:cs typeface="Segoe UI" pitchFamily="34" charset="0"/>
+              </a:rPr>
+              <a:t>リモート</a:t>
+            </a:r>
+            <a:endParaRPr lang="en-US" altLang="ja-JP" dirty="0">
+              <a:solidFill>
+                <a:schemeClr val="tx2"/>
+              </a:solidFill>
+              <a:cs typeface="Segoe UI" pitchFamily="34" charset="0"/>
+            </a:endParaRPr>
+          </a:p>
+          <a:p>
+            <a:pPr algn="ctr" defTabSz="932472" fontAlgn="base">
+              <a:lnSpc>
+                <a:spcPct val="90000"/>
+              </a:lnSpc>
+              <a:spcBef>
+                <a:spcPct val="0"/>
+              </a:spcBef>
+              <a:spcAft>
+                <a:spcPct val="0"/>
+              </a:spcAft>
+            </a:pPr>
+            <a:r>
+              <a:rPr lang="ja-JP" altLang="en-US" dirty="0">
+                <a:solidFill>
+                  <a:schemeClr val="tx2"/>
+                </a:solidFill>
+                <a:cs typeface="Segoe UI" pitchFamily="34" charset="0"/>
+              </a:rPr>
+              <a:t>デスクトップ</a:t>
+            </a:r>
+            <a:endParaRPr kumimoji="1" lang="ja-JP" altLang="en-US" dirty="0">
+              <a:solidFill>
+                <a:schemeClr val="tx2"/>
+              </a:solidFill>
+              <a:cs typeface="Segoe UI" pitchFamily="34" charset="0"/>
+            </a:endParaRPr>
+          </a:p>
+        </p:txBody>
+      </p:sp>
+      <p:sp>
+        <p:nvSpPr>
+          <p:cNvPr id="9" name="テキスト ボックス 8">
+            <a:extLst>
+              <a:ext uri="{FF2B5EF4-FFF2-40B4-BE49-F238E27FC236}">
+                <a16:creationId xmlns:a16="http://schemas.microsoft.com/office/drawing/2014/main" id="{772FBEED-4853-4A24-A3B3-59E9F593FF5B}"/>
+              </a:ext>
+            </a:extLst>
+          </p:cNvPr>
+          <p:cNvSpPr txBox="1"/>
+          <p:nvPr/>
+        </p:nvSpPr>
+        <p:spPr>
+          <a:xfrm>
+            <a:off x="1138425" y="1263911"/>
+            <a:ext cx="1995055" cy="547458"/>
+          </a:xfrm>
+          <a:prstGeom prst="rect">
+            <a:avLst/>
+          </a:prstGeom>
+          <a:noFill/>
+        </p:spPr>
+        <p:txBody>
+          <a:bodyPr wrap="square" lIns="182880" tIns="146304" rIns="182880" bIns="146304" rtlCol="0">
+            <a:spAutoFit/>
+          </a:bodyPr>
+          <a:lstStyle/>
+          <a:p>
+            <a:pPr algn="l">
+              <a:lnSpc>
+                <a:spcPct val="90000"/>
+              </a:lnSpc>
+              <a:spcAft>
+                <a:spcPts val="600"/>
+              </a:spcAft>
+            </a:pPr>
+            <a:r>
+              <a:rPr kumimoji="1" lang="ja-JP" altLang="en-US" dirty="0">
+                <a:gradFill>
+                  <a:gsLst>
+                    <a:gs pos="2917">
+                      <a:schemeClr val="tx1"/>
+                    </a:gs>
+                    <a:gs pos="30000">
+                      <a:schemeClr val="tx1"/>
+                    </a:gs>
+                  </a:gsLst>
+                  <a:lin ang="5400000" scaled="0"/>
+                </a:gradFill>
+              </a:rPr>
+              <a:t>作業端末</a:t>
+            </a:r>
+          </a:p>
+        </p:txBody>
+      </p:sp>
+      <p:cxnSp>
+        <p:nvCxnSpPr>
+          <p:cNvPr id="11" name="直線矢印コネクタ 10">
+            <a:extLst>
+              <a:ext uri="{FF2B5EF4-FFF2-40B4-BE49-F238E27FC236}">
+                <a16:creationId xmlns:a16="http://schemas.microsoft.com/office/drawing/2014/main" id="{33895145-94CF-435A-B976-F16BC4584E0C}"/>
+              </a:ext>
+            </a:extLst>
+          </p:cNvPr>
+          <p:cNvCxnSpPr>
+            <a:cxnSpLocks/>
+            <a:stCxn id="8" idx="3"/>
+            <a:endCxn id="12" idx="2"/>
+          </p:cNvCxnSpPr>
+          <p:nvPr/>
+        </p:nvCxnSpPr>
+        <p:spPr>
+          <a:xfrm flipV="1">
+            <a:off x="3856683" y="2236278"/>
+            <a:ext cx="1227675" cy="10781"/>
+          </a:xfrm>
+          <a:prstGeom prst="straightConnector1">
+            <a:avLst/>
+          </a:prstGeom>
+          <a:noFill/>
+          <a:ln w="38100">
+            <a:solidFill>
+              <a:srgbClr val="FF0000"/>
+            </a:solidFill>
+            <a:headEnd type="none" w="med" len="med"/>
+            <a:tailEnd type="arrow" w="med" len="med"/>
+          </a:ln>
+        </p:spPr>
+        <p:style>
+          <a:lnRef idx="2">
+            <a:schemeClr val="accent1">
+              <a:shade val="50000"/>
+            </a:schemeClr>
+          </a:lnRef>
+          <a:fillRef idx="1">
+            <a:schemeClr val="accent1"/>
+          </a:fillRef>
+          <a:effectRef idx="0">
+            <a:schemeClr val="accent1"/>
+          </a:effectRef>
+          <a:fontRef idx="minor">
+            <a:schemeClr val="lt1"/>
+          </a:fontRef>
+        </p:style>
+      </p:cxnSp>
+      <p:sp>
+        <p:nvSpPr>
+          <p:cNvPr id="12" name="&quot;禁止&quot;マーク 11">
+            <a:extLst>
+              <a:ext uri="{FF2B5EF4-FFF2-40B4-BE49-F238E27FC236}">
+                <a16:creationId xmlns:a16="http://schemas.microsoft.com/office/drawing/2014/main" id="{85AF1582-3E9E-49D2-BEC9-FE110236B39B}"/>
+              </a:ext>
+            </a:extLst>
+          </p:cNvPr>
+          <p:cNvSpPr/>
+          <p:nvPr/>
+        </p:nvSpPr>
+        <p:spPr bwMode="auto">
+          <a:xfrm>
+            <a:off x="5084358" y="1919535"/>
+            <a:ext cx="709353" cy="633485"/>
+          </a:xfrm>
+          <a:prstGeom prst="noSmoking">
+            <a:avLst>
+              <a:gd name="adj" fmla="val 13423"/>
+            </a:avLst>
+          </a:prstGeom>
+          <a:solidFill>
+            <a:srgbClr val="FF0000"/>
+          </a:solidFill>
+          <a:ln>
+            <a:noFill/>
+            <a:headEnd type="none" w="med" len="med"/>
+            <a:tailEnd type="none" w="med" len="med"/>
+          </a:ln>
+        </p:spPr>
+        <p:style>
+          <a:lnRef idx="2">
+            <a:schemeClr val="accent1"/>
+          </a:lnRef>
+          <a:fillRef idx="1">
+            <a:schemeClr val="lt1"/>
+          </a:fillRef>
+          <a:effectRef idx="0">
+            <a:schemeClr val="accent1"/>
+          </a:effectRef>
+          <a:fontRef idx="minor">
+            <a:schemeClr val="dk1"/>
+          </a:fontRef>
+        </p:style>
+        <p:txBody>
+          <a:bodyPr rot="0" spcFirstLastPara="0" vertOverflow="overflow" horzOverflow="overflow" vert="horz" wrap="square" lIns="182880" tIns="146304" rIns="182880" bIns="146304" numCol="1" spcCol="0" rtlCol="0" fromWordArt="0" anchor="ctr" anchorCtr="0" forceAA="0" compatLnSpc="1">
+            <a:prstTxWarp prst="textNoShape">
+              <a:avLst/>
+            </a:prstTxWarp>
+            <a:noAutofit/>
+          </a:bodyPr>
+          <a:lstStyle/>
+          <a:p>
+            <a:pPr algn="ctr" defTabSz="932472" fontAlgn="base">
+              <a:lnSpc>
+                <a:spcPct val="90000"/>
+              </a:lnSpc>
+              <a:spcBef>
+                <a:spcPct val="0"/>
+              </a:spcBef>
+              <a:spcAft>
+                <a:spcPct val="0"/>
+              </a:spcAft>
+            </a:pPr>
+            <a:endParaRPr kumimoji="1" lang="ja-JP" altLang="en-US" dirty="0">
+              <a:solidFill>
+                <a:schemeClr val="tx2"/>
+              </a:solidFill>
+              <a:cs typeface="Segoe UI" pitchFamily="34" charset="0"/>
+            </a:endParaRPr>
+          </a:p>
+        </p:txBody>
+      </p:sp>
+      <p:cxnSp>
+        <p:nvCxnSpPr>
+          <p:cNvPr id="13" name="直線矢印コネクタ 12">
+            <a:extLst>
+              <a:ext uri="{FF2B5EF4-FFF2-40B4-BE49-F238E27FC236}">
+                <a16:creationId xmlns:a16="http://schemas.microsoft.com/office/drawing/2014/main" id="{AD308C82-E563-4D2B-9839-163A09880996}"/>
+              </a:ext>
+            </a:extLst>
+          </p:cNvPr>
+          <p:cNvCxnSpPr>
+            <a:cxnSpLocks/>
+            <a:stCxn id="7" idx="3"/>
+            <a:endCxn id="61" idx="1"/>
+          </p:cNvCxnSpPr>
+          <p:nvPr/>
+        </p:nvCxnSpPr>
+        <p:spPr>
+          <a:xfrm flipV="1">
+            <a:off x="3856683" y="3333017"/>
+            <a:ext cx="4975385" cy="1"/>
+          </a:xfrm>
+          <a:prstGeom prst="straightConnector1">
+            <a:avLst/>
+          </a:prstGeom>
+          <a:noFill/>
+          <a:ln w="38100">
+            <a:solidFill>
+              <a:srgbClr val="00B050"/>
+            </a:solidFill>
+            <a:headEnd type="none" w="med" len="med"/>
+            <a:tailEnd type="arrow" w="med" len="med"/>
+          </a:ln>
+        </p:spPr>
+        <p:style>
+          <a:lnRef idx="2">
+            <a:schemeClr val="accent1">
+              <a:shade val="50000"/>
+            </a:schemeClr>
+          </a:lnRef>
+          <a:fillRef idx="1">
+            <a:schemeClr val="accent1"/>
+          </a:fillRef>
+          <a:effectRef idx="0">
+            <a:schemeClr val="accent1"/>
+          </a:effectRef>
+          <a:fontRef idx="minor">
+            <a:schemeClr val="lt1"/>
+          </a:fontRef>
+        </p:style>
+      </p:cxnSp>
+      <p:pic>
+        <p:nvPicPr>
+          <p:cNvPr id="14" name="図 13" descr="シルエット が含まれている画像&#10;&#10;高い精度で生成された説明">
+            <a:extLst>
+              <a:ext uri="{FF2B5EF4-FFF2-40B4-BE49-F238E27FC236}">
+                <a16:creationId xmlns:a16="http://schemas.microsoft.com/office/drawing/2014/main" id="{DF4384EF-22B1-486E-AB0A-2F3F44445212}"/>
+              </a:ext>
+            </a:extLst>
+          </p:cNvPr>
+          <p:cNvPicPr>
+            <a:picLocks noChangeAspect="1"/>
+          </p:cNvPicPr>
+          <p:nvPr/>
+        </p:nvPicPr>
+        <p:blipFill>
+          <a:blip r:embed="rId3"/>
+          <a:stretch>
+            <a:fillRect/>
+          </a:stretch>
+        </p:blipFill>
+        <p:spPr>
+          <a:xfrm>
+            <a:off x="6613951" y="2915734"/>
+            <a:ext cx="780290" cy="780290"/>
+          </a:xfrm>
+          <a:prstGeom prst="rect">
+            <a:avLst/>
+          </a:prstGeom>
+        </p:spPr>
+      </p:pic>
+      <p:sp>
+        <p:nvSpPr>
+          <p:cNvPr id="15" name="テキスト ボックス 14">
+            <a:extLst>
+              <a:ext uri="{FF2B5EF4-FFF2-40B4-BE49-F238E27FC236}">
+                <a16:creationId xmlns:a16="http://schemas.microsoft.com/office/drawing/2014/main" id="{561BB353-E0CC-47EB-9BD0-924419E5B6FB}"/>
+              </a:ext>
+            </a:extLst>
+          </p:cNvPr>
+          <p:cNvSpPr txBox="1"/>
+          <p:nvPr/>
+        </p:nvSpPr>
+        <p:spPr>
+          <a:xfrm>
+            <a:off x="6419178" y="2654875"/>
+            <a:ext cx="1209305" cy="547458"/>
+          </a:xfrm>
+          <a:prstGeom prst="rect">
+            <a:avLst/>
+          </a:prstGeom>
+          <a:noFill/>
+        </p:spPr>
+        <p:txBody>
+          <a:bodyPr wrap="none" lIns="182880" tIns="146304" rIns="182880" bIns="146304" rtlCol="0">
+            <a:spAutoFit/>
+          </a:bodyPr>
+          <a:lstStyle/>
+          <a:p>
+            <a:pPr>
+              <a:lnSpc>
+                <a:spcPct val="90000"/>
+              </a:lnSpc>
+              <a:spcAft>
+                <a:spcPts val="600"/>
+              </a:spcAft>
+            </a:pPr>
+            <a:r>
+              <a:rPr kumimoji="1" lang="en-US" altLang="ja-JP" dirty="0">
+                <a:gradFill>
+                  <a:gsLst>
+                    <a:gs pos="2917">
+                      <a:schemeClr val="tx1"/>
+                    </a:gs>
+                    <a:gs pos="30000">
+                      <a:schemeClr val="tx1"/>
+                    </a:gs>
+                  </a:gsLst>
+                  <a:lin ang="5400000" scaled="0"/>
+                </a:gradFill>
+              </a:rPr>
+              <a:t>Internet</a:t>
+            </a:r>
+            <a:endParaRPr kumimoji="1" lang="ja-JP" altLang="en-US" dirty="0">
+              <a:gradFill>
+                <a:gsLst>
+                  <a:gs pos="2917">
+                    <a:schemeClr val="tx1"/>
+                  </a:gs>
+                  <a:gs pos="30000">
+                    <a:schemeClr val="tx1"/>
+                  </a:gs>
+                </a:gsLst>
+                <a:lin ang="5400000" scaled="0"/>
+              </a:gradFill>
+            </a:endParaRPr>
+          </a:p>
+        </p:txBody>
+      </p:sp>
+      <p:pic>
+        <p:nvPicPr>
+          <p:cNvPr id="16" name="図 15" descr="電子機器, ディスプレイ が含まれている画像&#10;&#10;非常に高い精度で生成された説明">
+            <a:extLst>
+              <a:ext uri="{FF2B5EF4-FFF2-40B4-BE49-F238E27FC236}">
+                <a16:creationId xmlns:a16="http://schemas.microsoft.com/office/drawing/2014/main" id="{DB53C4DD-744A-4CF4-BB3B-904924CD1ABF}"/>
+              </a:ext>
+            </a:extLst>
+          </p:cNvPr>
+          <p:cNvPicPr>
+            <a:picLocks noChangeAspect="1"/>
+          </p:cNvPicPr>
+          <p:nvPr/>
+        </p:nvPicPr>
+        <p:blipFill>
+          <a:blip r:embed="rId4"/>
+          <a:stretch>
+            <a:fillRect/>
+          </a:stretch>
+        </p:blipFill>
+        <p:spPr>
+          <a:xfrm>
+            <a:off x="9065647" y="1838108"/>
+            <a:ext cx="586244" cy="586244"/>
+          </a:xfrm>
+          <a:prstGeom prst="rect">
+            <a:avLst/>
+          </a:prstGeom>
+        </p:spPr>
+      </p:pic>
+      <p:sp>
+        <p:nvSpPr>
+          <p:cNvPr id="17" name="テキスト ボックス 16">
+            <a:extLst>
+              <a:ext uri="{FF2B5EF4-FFF2-40B4-BE49-F238E27FC236}">
+                <a16:creationId xmlns:a16="http://schemas.microsoft.com/office/drawing/2014/main" id="{36DA3712-3541-4C17-B946-8269C0763ABE}"/>
+              </a:ext>
+            </a:extLst>
+          </p:cNvPr>
+          <p:cNvSpPr txBox="1"/>
+          <p:nvPr/>
+        </p:nvSpPr>
+        <p:spPr>
+          <a:xfrm>
+            <a:off x="8664284" y="1469087"/>
+            <a:ext cx="1339149" cy="547458"/>
+          </a:xfrm>
+          <a:prstGeom prst="rect">
+            <a:avLst/>
+          </a:prstGeom>
+          <a:noFill/>
+        </p:spPr>
+        <p:txBody>
+          <a:bodyPr wrap="none" lIns="182880" tIns="146304" rIns="182880" bIns="146304" rtlCol="0">
+            <a:spAutoFit/>
+          </a:bodyPr>
+          <a:lstStyle/>
+          <a:p>
+            <a:pPr>
+              <a:lnSpc>
+                <a:spcPct val="90000"/>
+              </a:lnSpc>
+              <a:spcAft>
+                <a:spcPts val="600"/>
+              </a:spcAft>
+            </a:pPr>
+            <a:r>
+              <a:rPr kumimoji="1" lang="en-US" altLang="ja-JP" dirty="0">
+                <a:gradFill>
+                  <a:gsLst>
+                    <a:gs pos="2917">
+                      <a:schemeClr val="tx1"/>
+                    </a:gs>
+                    <a:gs pos="30000">
+                      <a:schemeClr val="tx1"/>
+                    </a:gs>
+                  </a:gsLst>
+                  <a:lin ang="5400000" scaled="0"/>
+                </a:gradFill>
+              </a:rPr>
+              <a:t>Windows</a:t>
+            </a:r>
+            <a:endParaRPr kumimoji="1" lang="ja-JP" altLang="en-US" dirty="0">
+              <a:gradFill>
+                <a:gsLst>
+                  <a:gs pos="2917">
+                    <a:schemeClr val="tx1"/>
+                  </a:gs>
+                  <a:gs pos="30000">
+                    <a:schemeClr val="tx1"/>
+                  </a:gs>
+                </a:gsLst>
+                <a:lin ang="5400000" scaled="0"/>
+              </a:gradFill>
+            </a:endParaRPr>
+          </a:p>
+        </p:txBody>
+      </p:sp>
+      <p:sp>
+        <p:nvSpPr>
+          <p:cNvPr id="18" name="テキスト ボックス 17">
+            <a:extLst>
+              <a:ext uri="{FF2B5EF4-FFF2-40B4-BE49-F238E27FC236}">
+                <a16:creationId xmlns:a16="http://schemas.microsoft.com/office/drawing/2014/main" id="{71C6781D-1104-40AC-B62F-0CB2E7DAA4E9}"/>
+              </a:ext>
+            </a:extLst>
+          </p:cNvPr>
+          <p:cNvSpPr txBox="1"/>
+          <p:nvPr/>
+        </p:nvSpPr>
+        <p:spPr>
+          <a:xfrm>
+            <a:off x="9619486" y="2990879"/>
+            <a:ext cx="1292662" cy="873701"/>
+          </a:xfrm>
+          <a:prstGeom prst="rect">
+            <a:avLst/>
+          </a:prstGeom>
+          <a:noFill/>
+        </p:spPr>
+        <p:txBody>
+          <a:bodyPr wrap="none" lIns="182880" tIns="146304" rIns="182880" bIns="146304" rtlCol="0">
+            <a:spAutoFit/>
+          </a:bodyPr>
+          <a:lstStyle/>
+          <a:p>
+            <a:pPr>
+              <a:lnSpc>
+                <a:spcPct val="90000"/>
+              </a:lnSpc>
+              <a:spcAft>
+                <a:spcPts val="600"/>
+              </a:spcAft>
+            </a:pPr>
+            <a:r>
+              <a:rPr kumimoji="1" lang="en-US" altLang="ja-JP" dirty="0">
+                <a:gradFill>
+                  <a:gsLst>
+                    <a:gs pos="2917">
+                      <a:schemeClr val="tx1"/>
+                    </a:gs>
+                    <a:gs pos="30000">
+                      <a:schemeClr val="tx1"/>
+                    </a:gs>
+                  </a:gsLst>
+                  <a:lin ang="5400000" scaled="0"/>
+                </a:gradFill>
+              </a:rPr>
+              <a:t>Azure</a:t>
+            </a:r>
+            <a:endParaRPr lang="en-US" altLang="ja-JP" dirty="0">
+              <a:gradFill>
+                <a:gsLst>
+                  <a:gs pos="2917">
+                    <a:schemeClr val="tx1"/>
+                  </a:gs>
+                  <a:gs pos="30000">
+                    <a:schemeClr val="tx1"/>
+                  </a:gs>
+                </a:gsLst>
+                <a:lin ang="5400000" scaled="0"/>
+              </a:gradFill>
+            </a:endParaRPr>
+          </a:p>
+          <a:p>
+            <a:pPr>
+              <a:lnSpc>
+                <a:spcPct val="90000"/>
+              </a:lnSpc>
+              <a:spcAft>
+                <a:spcPts val="600"/>
+              </a:spcAft>
+            </a:pPr>
+            <a:r>
+              <a:rPr kumimoji="1" lang="ja-JP" altLang="en-US" dirty="0">
+                <a:gradFill>
+                  <a:gsLst>
+                    <a:gs pos="2917">
+                      <a:schemeClr val="tx1"/>
+                    </a:gs>
+                    <a:gs pos="30000">
+                      <a:schemeClr val="tx1"/>
+                    </a:gs>
+                  </a:gsLst>
+                  <a:lin ang="5400000" scaled="0"/>
+                </a:gradFill>
+              </a:rPr>
+              <a:t>ポータル</a:t>
+            </a:r>
+          </a:p>
+        </p:txBody>
+      </p:sp>
+      <p:pic>
+        <p:nvPicPr>
+          <p:cNvPr id="19" name="図 18">
+            <a:extLst>
+              <a:ext uri="{FF2B5EF4-FFF2-40B4-BE49-F238E27FC236}">
+                <a16:creationId xmlns:a16="http://schemas.microsoft.com/office/drawing/2014/main" id="{47AE21DE-BD7C-4439-99EE-0343080A4B0A}"/>
+              </a:ext>
+            </a:extLst>
+          </p:cNvPr>
+          <p:cNvPicPr>
+            <a:picLocks noChangeAspect="1"/>
+          </p:cNvPicPr>
+          <p:nvPr/>
+        </p:nvPicPr>
+        <p:blipFill>
+          <a:blip r:embed="rId5"/>
+          <a:stretch>
+            <a:fillRect/>
+          </a:stretch>
+        </p:blipFill>
+        <p:spPr>
+          <a:xfrm>
+            <a:off x="9979172" y="1169396"/>
+            <a:ext cx="484499" cy="484499"/>
+          </a:xfrm>
+          <a:prstGeom prst="rect">
+            <a:avLst/>
+          </a:prstGeom>
+        </p:spPr>
+      </p:pic>
+      <p:sp>
+        <p:nvSpPr>
+          <p:cNvPr id="20" name="四角形: 角を丸くする 19">
+            <a:extLst>
+              <a:ext uri="{FF2B5EF4-FFF2-40B4-BE49-F238E27FC236}">
+                <a16:creationId xmlns:a16="http://schemas.microsoft.com/office/drawing/2014/main" id="{308CC353-A486-46CA-9662-E980C9E6DE7D}"/>
+              </a:ext>
+            </a:extLst>
+          </p:cNvPr>
+          <p:cNvSpPr/>
+          <p:nvPr/>
+        </p:nvSpPr>
+        <p:spPr bwMode="auto">
+          <a:xfrm>
+            <a:off x="8452001" y="1177241"/>
+            <a:ext cx="2131440" cy="1522174"/>
+          </a:xfrm>
+          <a:prstGeom prst="roundRect">
+            <a:avLst>
+              <a:gd name="adj" fmla="val 3326"/>
+            </a:avLst>
+          </a:prstGeom>
+          <a:noFill/>
+          <a:ln>
+            <a:solidFill>
+              <a:schemeClr val="accent1"/>
+            </a:solidFill>
+            <a:headEnd type="none" w="med" len="med"/>
+            <a:tailEnd type="none" w="med" len="med"/>
+          </a:ln>
+        </p:spPr>
+        <p:style>
+          <a:lnRef idx="1">
+            <a:schemeClr val="accent2"/>
+          </a:lnRef>
+          <a:fillRef idx="2">
+            <a:schemeClr val="accent2"/>
+          </a:fillRef>
+          <a:effectRef idx="1">
+            <a:schemeClr val="accent2"/>
+          </a:effectRef>
+          <a:fontRef idx="minor">
+            <a:schemeClr val="dk1"/>
+          </a:fontRef>
+        </p:style>
+        <p:txBody>
+          <a:bodyPr rot="0" spcFirstLastPara="0" vertOverflow="overflow" horzOverflow="overflow" vert="horz" wrap="square" lIns="182880" tIns="146304" rIns="182880" bIns="146304" numCol="1" spcCol="0" rtlCol="0" fromWordArt="0" anchor="ctr" anchorCtr="0" forceAA="0" compatLnSpc="1">
+            <a:prstTxWarp prst="textNoShape">
+              <a:avLst/>
+            </a:prstTxWarp>
+            <a:noAutofit/>
+          </a:bodyPr>
+          <a:lstStyle/>
+          <a:p>
+            <a:pPr algn="ctr" defTabSz="932472" fontAlgn="base">
+              <a:lnSpc>
+                <a:spcPct val="90000"/>
+              </a:lnSpc>
+              <a:spcBef>
+                <a:spcPct val="0"/>
+              </a:spcBef>
+              <a:spcAft>
+                <a:spcPct val="0"/>
+              </a:spcAft>
+            </a:pPr>
+            <a:endParaRPr kumimoji="1" lang="ja-JP" altLang="en-US" sz="1400" dirty="0">
+              <a:solidFill>
+                <a:schemeClr val="tx2"/>
+              </a:solidFill>
+              <a:cs typeface="Segoe UI" pitchFamily="34" charset="0"/>
+            </a:endParaRPr>
+          </a:p>
+        </p:txBody>
+      </p:sp>
+      <p:sp>
+        <p:nvSpPr>
+          <p:cNvPr id="21" name="テキスト ボックス 20">
+            <a:extLst>
+              <a:ext uri="{FF2B5EF4-FFF2-40B4-BE49-F238E27FC236}">
+                <a16:creationId xmlns:a16="http://schemas.microsoft.com/office/drawing/2014/main" id="{472EFF6E-1FA3-4322-A2A8-42A923FB27BA}"/>
+              </a:ext>
+            </a:extLst>
+          </p:cNvPr>
+          <p:cNvSpPr txBox="1"/>
+          <p:nvPr/>
+        </p:nvSpPr>
+        <p:spPr>
+          <a:xfrm>
+            <a:off x="7964255" y="645230"/>
+            <a:ext cx="2882840" cy="547458"/>
+          </a:xfrm>
+          <a:prstGeom prst="rect">
+            <a:avLst/>
+          </a:prstGeom>
+          <a:noFill/>
+        </p:spPr>
+        <p:txBody>
+          <a:bodyPr wrap="none" lIns="182880" tIns="146304" rIns="182880" bIns="146304" rtlCol="0">
+            <a:spAutoFit/>
+          </a:bodyPr>
+          <a:lstStyle/>
+          <a:p>
+            <a:pPr>
+              <a:lnSpc>
+                <a:spcPct val="90000"/>
+              </a:lnSpc>
+              <a:spcAft>
+                <a:spcPts val="600"/>
+              </a:spcAft>
+            </a:pPr>
+            <a:r>
+              <a:rPr kumimoji="1" lang="en-US" altLang="ja-JP" dirty="0">
+                <a:gradFill>
+                  <a:gsLst>
+                    <a:gs pos="2917">
+                      <a:schemeClr val="tx1"/>
+                    </a:gs>
+                    <a:gs pos="30000">
+                      <a:schemeClr val="tx1"/>
+                    </a:gs>
+                  </a:gsLst>
+                  <a:lin ang="5400000" scaled="0"/>
+                </a:gradFill>
+              </a:rPr>
+              <a:t>Azure </a:t>
+            </a:r>
+            <a:r>
+              <a:rPr kumimoji="1" lang="ja-JP" altLang="en-US" dirty="0">
+                <a:gradFill>
+                  <a:gsLst>
+                    <a:gs pos="2917">
+                      <a:schemeClr val="tx1"/>
+                    </a:gs>
+                    <a:gs pos="30000">
+                      <a:schemeClr val="tx1"/>
+                    </a:gs>
+                  </a:gsLst>
+                  <a:lin ang="5400000" scaled="0"/>
+                </a:gradFill>
+              </a:rPr>
+              <a:t>仮想ネットワーク</a:t>
+            </a:r>
+          </a:p>
+        </p:txBody>
+      </p:sp>
+      <p:pic>
+        <p:nvPicPr>
+          <p:cNvPr id="23" name="図 22">
+            <a:extLst>
+              <a:ext uri="{FF2B5EF4-FFF2-40B4-BE49-F238E27FC236}">
+                <a16:creationId xmlns:a16="http://schemas.microsoft.com/office/drawing/2014/main" id="{061EC1E0-AEE6-40FA-B91D-E56B466AA899}"/>
+              </a:ext>
+            </a:extLst>
+          </p:cNvPr>
+          <p:cNvPicPr>
+            <a:picLocks noChangeAspect="1"/>
+          </p:cNvPicPr>
+          <p:nvPr/>
+        </p:nvPicPr>
+        <p:blipFill>
+          <a:blip r:embed="rId6"/>
+          <a:stretch>
+            <a:fillRect/>
+          </a:stretch>
+        </p:blipFill>
+        <p:spPr>
+          <a:xfrm>
+            <a:off x="8027081" y="1587651"/>
+            <a:ext cx="1038566" cy="1038566"/>
+          </a:xfrm>
+          <a:prstGeom prst="rect">
+            <a:avLst/>
+          </a:prstGeom>
+        </p:spPr>
+      </p:pic>
+      <p:sp>
+        <p:nvSpPr>
+          <p:cNvPr id="25" name="テキスト ボックス 24">
+            <a:extLst>
+              <a:ext uri="{FF2B5EF4-FFF2-40B4-BE49-F238E27FC236}">
+                <a16:creationId xmlns:a16="http://schemas.microsoft.com/office/drawing/2014/main" id="{1090BA59-3D7F-47ED-8E8B-C90EED862203}"/>
+              </a:ext>
+            </a:extLst>
+          </p:cNvPr>
+          <p:cNvSpPr txBox="1"/>
+          <p:nvPr/>
+        </p:nvSpPr>
+        <p:spPr>
+          <a:xfrm>
+            <a:off x="7135974" y="1490986"/>
+            <a:ext cx="1343429" cy="547458"/>
+          </a:xfrm>
+          <a:prstGeom prst="rect">
+            <a:avLst/>
+          </a:prstGeom>
+          <a:noFill/>
+        </p:spPr>
+        <p:txBody>
+          <a:bodyPr wrap="square" lIns="182880" tIns="146304" rIns="182880" bIns="146304" rtlCol="0">
+            <a:spAutoFit/>
+          </a:bodyPr>
+          <a:lstStyle/>
+          <a:p>
+            <a:pPr algn="l">
+              <a:lnSpc>
+                <a:spcPct val="90000"/>
+              </a:lnSpc>
+              <a:spcAft>
+                <a:spcPts val="600"/>
+              </a:spcAft>
+            </a:pPr>
+            <a:r>
+              <a:rPr kumimoji="1" lang="en-US" altLang="ja-JP" dirty="0">
+                <a:gradFill>
+                  <a:gsLst>
+                    <a:gs pos="2917">
+                      <a:schemeClr val="tx1"/>
+                    </a:gs>
+                    <a:gs pos="30000">
+                      <a:schemeClr val="tx1"/>
+                    </a:gs>
+                  </a:gsLst>
+                  <a:lin ang="5400000" scaled="0"/>
+                </a:gradFill>
+              </a:rPr>
+              <a:t>Public IP</a:t>
+            </a:r>
+            <a:endParaRPr kumimoji="1" lang="ja-JP" altLang="en-US" dirty="0">
+              <a:gradFill>
+                <a:gsLst>
+                  <a:gs pos="2917">
+                    <a:schemeClr val="tx1"/>
+                  </a:gs>
+                  <a:gs pos="30000">
+                    <a:schemeClr val="tx1"/>
+                  </a:gs>
+                </a:gsLst>
+                <a:lin ang="5400000" scaled="0"/>
+              </a:gradFill>
+            </a:endParaRPr>
+          </a:p>
+        </p:txBody>
+      </p:sp>
+      <p:sp>
+        <p:nvSpPr>
+          <p:cNvPr id="27" name="テキスト ボックス 26">
+            <a:extLst>
+              <a:ext uri="{FF2B5EF4-FFF2-40B4-BE49-F238E27FC236}">
+                <a16:creationId xmlns:a16="http://schemas.microsoft.com/office/drawing/2014/main" id="{05FF1BA0-36A7-4CB5-9B79-501C7AD037FF}"/>
+              </a:ext>
+            </a:extLst>
+          </p:cNvPr>
+          <p:cNvSpPr txBox="1"/>
+          <p:nvPr/>
+        </p:nvSpPr>
+        <p:spPr>
+          <a:xfrm>
+            <a:off x="4015065" y="1805082"/>
+            <a:ext cx="847027" cy="547458"/>
+          </a:xfrm>
+          <a:prstGeom prst="rect">
+            <a:avLst/>
+          </a:prstGeom>
+          <a:noFill/>
+        </p:spPr>
+        <p:txBody>
+          <a:bodyPr wrap="none" lIns="182880" tIns="146304" rIns="182880" bIns="146304" rtlCol="0">
+            <a:spAutoFit/>
+          </a:bodyPr>
+          <a:lstStyle/>
+          <a:p>
+            <a:pPr>
+              <a:lnSpc>
+                <a:spcPct val="90000"/>
+              </a:lnSpc>
+              <a:spcAft>
+                <a:spcPts val="600"/>
+              </a:spcAft>
+            </a:pPr>
+            <a:r>
+              <a:rPr kumimoji="1" lang="en-US" altLang="ja-JP" dirty="0">
+                <a:gradFill>
+                  <a:gsLst>
+                    <a:gs pos="2917">
+                      <a:schemeClr val="tx1"/>
+                    </a:gs>
+                    <a:gs pos="30000">
+                      <a:schemeClr val="tx1"/>
+                    </a:gs>
+                  </a:gsLst>
+                  <a:lin ang="5400000" scaled="0"/>
+                </a:gradFill>
+              </a:rPr>
+              <a:t>RDP</a:t>
+            </a:r>
+            <a:endParaRPr kumimoji="1" lang="ja-JP" altLang="en-US" dirty="0">
+              <a:gradFill>
+                <a:gsLst>
+                  <a:gs pos="2917">
+                    <a:schemeClr val="tx1"/>
+                  </a:gs>
+                  <a:gs pos="30000">
+                    <a:schemeClr val="tx1"/>
+                  </a:gs>
+                </a:gsLst>
+                <a:lin ang="5400000" scaled="0"/>
+              </a:gradFill>
+            </a:endParaRPr>
+          </a:p>
+        </p:txBody>
+      </p:sp>
+      <p:sp>
+        <p:nvSpPr>
+          <p:cNvPr id="28" name="テキスト ボックス 27">
+            <a:extLst>
+              <a:ext uri="{FF2B5EF4-FFF2-40B4-BE49-F238E27FC236}">
+                <a16:creationId xmlns:a16="http://schemas.microsoft.com/office/drawing/2014/main" id="{1351C8D6-0665-4431-B65A-08A04EE4D9C4}"/>
+              </a:ext>
+            </a:extLst>
+          </p:cNvPr>
+          <p:cNvSpPr txBox="1"/>
+          <p:nvPr/>
+        </p:nvSpPr>
+        <p:spPr>
+          <a:xfrm>
+            <a:off x="4032561" y="2806389"/>
+            <a:ext cx="1129155" cy="547458"/>
+          </a:xfrm>
+          <a:prstGeom prst="rect">
+            <a:avLst/>
+          </a:prstGeom>
+          <a:noFill/>
+        </p:spPr>
+        <p:txBody>
+          <a:bodyPr wrap="none" lIns="182880" tIns="146304" rIns="182880" bIns="146304" rtlCol="0">
+            <a:spAutoFit/>
+          </a:bodyPr>
+          <a:lstStyle/>
+          <a:p>
+            <a:pPr>
+              <a:lnSpc>
+                <a:spcPct val="90000"/>
+              </a:lnSpc>
+              <a:spcAft>
+                <a:spcPts val="600"/>
+              </a:spcAft>
+            </a:pPr>
+            <a:r>
+              <a:rPr kumimoji="1" lang="en-US" altLang="ja-JP" dirty="0">
+                <a:gradFill>
+                  <a:gsLst>
+                    <a:gs pos="2917">
+                      <a:schemeClr val="tx1"/>
+                    </a:gs>
+                    <a:gs pos="30000">
+                      <a:schemeClr val="tx1"/>
+                    </a:gs>
+                  </a:gsLst>
+                  <a:lin ang="5400000" scaled="0"/>
+                </a:gradFill>
+              </a:rPr>
+              <a:t>HTTPS</a:t>
+            </a:r>
+            <a:endParaRPr kumimoji="1" lang="ja-JP" altLang="en-US" dirty="0">
+              <a:gradFill>
+                <a:gsLst>
+                  <a:gs pos="2917">
+                    <a:schemeClr val="tx1"/>
+                  </a:gs>
+                  <a:gs pos="30000">
+                    <a:schemeClr val="tx1"/>
+                  </a:gs>
+                </a:gsLst>
+                <a:lin ang="5400000" scaled="0"/>
+              </a:gradFill>
+            </a:endParaRPr>
+          </a:p>
+        </p:txBody>
+      </p:sp>
+      <p:sp>
+        <p:nvSpPr>
+          <p:cNvPr id="29" name="四角形: 角を丸くする 28">
+            <a:extLst>
+              <a:ext uri="{FF2B5EF4-FFF2-40B4-BE49-F238E27FC236}">
+                <a16:creationId xmlns:a16="http://schemas.microsoft.com/office/drawing/2014/main" id="{82EDE683-6EAF-41AC-9C95-93E8E94C800F}"/>
+              </a:ext>
+            </a:extLst>
+          </p:cNvPr>
+          <p:cNvSpPr/>
+          <p:nvPr/>
+        </p:nvSpPr>
+        <p:spPr bwMode="auto">
+          <a:xfrm>
+            <a:off x="574919" y="1177240"/>
+            <a:ext cx="4780067" cy="3044345"/>
+          </a:xfrm>
+          <a:prstGeom prst="roundRect">
+            <a:avLst>
+              <a:gd name="adj" fmla="val 3326"/>
+            </a:avLst>
+          </a:prstGeom>
+          <a:noFill/>
+          <a:ln>
+            <a:solidFill>
+              <a:schemeClr val="accent1"/>
+            </a:solidFill>
+            <a:headEnd type="none" w="med" len="med"/>
+            <a:tailEnd type="none" w="med" len="med"/>
+          </a:ln>
+        </p:spPr>
+        <p:style>
+          <a:lnRef idx="1">
+            <a:schemeClr val="accent2"/>
+          </a:lnRef>
+          <a:fillRef idx="2">
+            <a:schemeClr val="accent2"/>
+          </a:fillRef>
+          <a:effectRef idx="1">
+            <a:schemeClr val="accent2"/>
+          </a:effectRef>
+          <a:fontRef idx="minor">
+            <a:schemeClr val="dk1"/>
+          </a:fontRef>
+        </p:style>
+        <p:txBody>
+          <a:bodyPr rot="0" spcFirstLastPara="0" vertOverflow="overflow" horzOverflow="overflow" vert="horz" wrap="square" lIns="182880" tIns="146304" rIns="182880" bIns="146304" numCol="1" spcCol="0" rtlCol="0" fromWordArt="0" anchor="ctr" anchorCtr="0" forceAA="0" compatLnSpc="1">
+            <a:prstTxWarp prst="textNoShape">
+              <a:avLst/>
+            </a:prstTxWarp>
+            <a:noAutofit/>
+          </a:bodyPr>
+          <a:lstStyle/>
+          <a:p>
+            <a:pPr algn="ctr" defTabSz="932472" fontAlgn="base">
+              <a:lnSpc>
+                <a:spcPct val="90000"/>
+              </a:lnSpc>
+              <a:spcBef>
+                <a:spcPct val="0"/>
+              </a:spcBef>
+              <a:spcAft>
+                <a:spcPct val="0"/>
+              </a:spcAft>
+            </a:pPr>
+            <a:endParaRPr kumimoji="1" lang="ja-JP" altLang="en-US" sz="1400" dirty="0">
+              <a:solidFill>
+                <a:schemeClr val="tx2"/>
+              </a:solidFill>
+              <a:cs typeface="Segoe UI" pitchFamily="34" charset="0"/>
+            </a:endParaRPr>
+          </a:p>
+        </p:txBody>
+      </p:sp>
+      <p:sp>
+        <p:nvSpPr>
+          <p:cNvPr id="30" name="テキスト ボックス 29">
+            <a:extLst>
+              <a:ext uri="{FF2B5EF4-FFF2-40B4-BE49-F238E27FC236}">
+                <a16:creationId xmlns:a16="http://schemas.microsoft.com/office/drawing/2014/main" id="{79D180E4-8A7B-4659-99D7-0D5C2C481E58}"/>
+              </a:ext>
+            </a:extLst>
+          </p:cNvPr>
+          <p:cNvSpPr txBox="1"/>
+          <p:nvPr/>
+        </p:nvSpPr>
+        <p:spPr>
+          <a:xfrm>
+            <a:off x="1547492" y="692717"/>
+            <a:ext cx="3049646" cy="547458"/>
+          </a:xfrm>
+          <a:prstGeom prst="rect">
+            <a:avLst/>
+          </a:prstGeom>
+          <a:noFill/>
+        </p:spPr>
+        <p:txBody>
+          <a:bodyPr wrap="square" lIns="182880" tIns="146304" rIns="182880" bIns="146304" rtlCol="0">
+            <a:spAutoFit/>
+          </a:bodyPr>
+          <a:lstStyle/>
+          <a:p>
+            <a:pPr algn="l">
+              <a:lnSpc>
+                <a:spcPct val="90000"/>
+              </a:lnSpc>
+              <a:spcAft>
+                <a:spcPts val="600"/>
+              </a:spcAft>
+            </a:pPr>
+            <a:r>
+              <a:rPr kumimoji="1" lang="ja-JP" altLang="en-US" dirty="0">
+                <a:gradFill>
+                  <a:gsLst>
+                    <a:gs pos="2917">
+                      <a:schemeClr val="tx1"/>
+                    </a:gs>
+                    <a:gs pos="30000">
+                      <a:schemeClr val="tx1"/>
+                    </a:gs>
+                  </a:gsLst>
+                  <a:lin ang="5400000" scaled="0"/>
+                </a:gradFill>
+              </a:rPr>
+              <a:t>作業環境のネットワーク</a:t>
+            </a:r>
+          </a:p>
+        </p:txBody>
+      </p:sp>
+      <p:pic>
+        <p:nvPicPr>
+          <p:cNvPr id="59" name="図 58">
+            <a:extLst>
+              <a:ext uri="{FF2B5EF4-FFF2-40B4-BE49-F238E27FC236}">
+                <a16:creationId xmlns:a16="http://schemas.microsoft.com/office/drawing/2014/main" id="{AC745450-20CB-4A26-AD0C-AD53C4347674}"/>
+              </a:ext>
+            </a:extLst>
+          </p:cNvPr>
+          <p:cNvPicPr>
+            <a:picLocks noChangeAspect="1"/>
+          </p:cNvPicPr>
+          <p:nvPr/>
+        </p:nvPicPr>
+        <p:blipFill>
+          <a:blip r:embed="rId7"/>
+          <a:stretch>
+            <a:fillRect/>
+          </a:stretch>
+        </p:blipFill>
+        <p:spPr>
+          <a:xfrm>
+            <a:off x="924897" y="3038480"/>
+            <a:ext cx="792000" cy="1070270"/>
+          </a:xfrm>
+          <a:prstGeom prst="rect">
+            <a:avLst/>
+          </a:prstGeom>
+        </p:spPr>
+      </p:pic>
+      <p:pic>
+        <p:nvPicPr>
+          <p:cNvPr id="61" name="図 60">
+            <a:extLst>
+              <a:ext uri="{FF2B5EF4-FFF2-40B4-BE49-F238E27FC236}">
+                <a16:creationId xmlns:a16="http://schemas.microsoft.com/office/drawing/2014/main" id="{17D9927D-48DB-463E-91D4-0A3982297F2D}"/>
+              </a:ext>
+            </a:extLst>
+          </p:cNvPr>
+          <p:cNvPicPr>
+            <a:picLocks noChangeAspect="1"/>
+          </p:cNvPicPr>
+          <p:nvPr/>
+        </p:nvPicPr>
+        <p:blipFill>
+          <a:blip r:embed="rId8"/>
+          <a:stretch>
+            <a:fillRect/>
+          </a:stretch>
+        </p:blipFill>
+        <p:spPr>
+          <a:xfrm>
+            <a:off x="8832068" y="2942872"/>
+            <a:ext cx="780290" cy="780290"/>
+          </a:xfrm>
+          <a:prstGeom prst="rect">
+            <a:avLst/>
+          </a:prstGeom>
+        </p:spPr>
+      </p:pic>
+      <p:sp>
+        <p:nvSpPr>
+          <p:cNvPr id="64" name="矢印: 左カーブ 63">
+            <a:extLst>
+              <a:ext uri="{FF2B5EF4-FFF2-40B4-BE49-F238E27FC236}">
+                <a16:creationId xmlns:a16="http://schemas.microsoft.com/office/drawing/2014/main" id="{9E0DA1E4-FEA9-4185-8E2B-2181B3FC5B48}"/>
+              </a:ext>
+            </a:extLst>
+          </p:cNvPr>
+          <p:cNvSpPr/>
+          <p:nvPr/>
+        </p:nvSpPr>
+        <p:spPr>
+          <a:xfrm flipV="1">
+            <a:off x="10535921" y="1919535"/>
+            <a:ext cx="558496" cy="1441596"/>
+          </a:xfrm>
+          <a:prstGeom prst="curvedLeftArrow">
+            <a:avLst/>
+          </a:prstGeom>
+        </p:spPr>
+        <p:style>
+          <a:lnRef idx="1">
+            <a:schemeClr val="accent1"/>
+          </a:lnRef>
+          <a:fillRef idx="2">
+            <a:schemeClr val="accent1"/>
+          </a:fillRef>
+          <a:effectRef idx="1">
+            <a:schemeClr val="accent1"/>
+          </a:effectRef>
+          <a:fontRef idx="minor">
+            <a:schemeClr val="dk1"/>
+          </a:fontRef>
+        </p:style>
+        <p:txBody>
+          <a:bodyPr rtlCol="0" anchor="ctr"/>
+          <a:lstStyle/>
+          <a:p>
+            <a:pPr algn="ctr"/>
+            <a:endParaRPr kumimoji="1" lang="ja-JP" altLang="en-US">
+              <a:solidFill>
+                <a:schemeClr val="tx1"/>
+              </a:solidFill>
+            </a:endParaRPr>
+          </a:p>
+        </p:txBody>
+      </p:sp>
+      <p:sp>
+        <p:nvSpPr>
+          <p:cNvPr id="65" name="テキスト ボックス 64">
+            <a:extLst>
+              <a:ext uri="{FF2B5EF4-FFF2-40B4-BE49-F238E27FC236}">
+                <a16:creationId xmlns:a16="http://schemas.microsoft.com/office/drawing/2014/main" id="{F22FB2A2-0A9F-4FEF-8EF6-7FA69A5627CE}"/>
+              </a:ext>
+            </a:extLst>
+          </p:cNvPr>
+          <p:cNvSpPr txBox="1"/>
+          <p:nvPr/>
+        </p:nvSpPr>
+        <p:spPr>
+          <a:xfrm>
+            <a:off x="11068471" y="2395414"/>
+            <a:ext cx="830997" cy="547458"/>
+          </a:xfrm>
+          <a:prstGeom prst="rect">
+            <a:avLst/>
+          </a:prstGeom>
+          <a:noFill/>
+        </p:spPr>
+        <p:txBody>
+          <a:bodyPr wrap="none" lIns="182880" tIns="146304" rIns="182880" bIns="146304" rtlCol="0">
+            <a:spAutoFit/>
+          </a:bodyPr>
+          <a:lstStyle/>
+          <a:p>
+            <a:pPr>
+              <a:lnSpc>
+                <a:spcPct val="90000"/>
+              </a:lnSpc>
+              <a:spcAft>
+                <a:spcPts val="600"/>
+              </a:spcAft>
+            </a:pPr>
+            <a:r>
+              <a:rPr kumimoji="1" lang="ja-JP" altLang="en-US" dirty="0">
+                <a:gradFill>
+                  <a:gsLst>
+                    <a:gs pos="2917">
+                      <a:schemeClr val="tx1"/>
+                    </a:gs>
+                    <a:gs pos="30000">
+                      <a:schemeClr val="tx1"/>
+                    </a:gs>
+                  </a:gsLst>
+                  <a:lin ang="5400000" scaled="0"/>
+                </a:gradFill>
+              </a:rPr>
+              <a:t>構築</a:t>
+            </a:r>
+          </a:p>
+        </p:txBody>
+      </p:sp>
     </p:spTree>
     <p:extLst>
       <p:ext uri="{BB962C8B-B14F-4D97-AF65-F5344CB8AC3E}">
         <p14:creationId xmlns:p14="http://schemas.microsoft.com/office/powerpoint/2010/main" val="3514749899"/>
+      </p:ext>
+    </p:extLst>
+  </p:cSld>
+  <p:clrMapOvr>
+    <a:masterClrMapping/>
+  </p:clrMapOvr>
+</p:sld>
+</file>
+
+<file path=ppt/slides/slide2.xml><?xml version="1.0" encoding="utf-8"?>
+<p:sld xmlns:a="http://schemas.openxmlformats.org/drawingml/2006/main" xmlns:r="http://schemas.openxmlformats.org/officeDocument/2006/relationships" xmlns:p="http://schemas.openxmlformats.org/presentationml/2006/main">
+  <p:cSld>
+    <p:spTree>
+      <p:nvGrpSpPr>
+        <p:cNvPr id="1" name=""/>
+        <p:cNvGrpSpPr/>
+        <p:nvPr/>
+      </p:nvGrpSpPr>
+      <p:grpSpPr>
+        <a:xfrm>
+          <a:off x="0" y="0"/>
+          <a:ext cx="0" cy="0"/>
+          <a:chOff x="0" y="0"/>
+          <a:chExt cx="0" cy="0"/>
+        </a:xfrm>
+      </p:grpSpPr>
+      <p:sp>
+        <p:nvSpPr>
+          <p:cNvPr id="2" name="正方形/長方形 1">
+            <a:extLst>
+              <a:ext uri="{FF2B5EF4-FFF2-40B4-BE49-F238E27FC236}">
+                <a16:creationId xmlns:a16="http://schemas.microsoft.com/office/drawing/2014/main" id="{6F2867FF-1A7B-41BB-92BE-8C87F7D68C33}"/>
+              </a:ext>
+            </a:extLst>
+          </p:cNvPr>
+          <p:cNvSpPr/>
+          <p:nvPr/>
+        </p:nvSpPr>
+        <p:spPr bwMode="auto">
+          <a:xfrm>
+            <a:off x="8303978" y="3849181"/>
+            <a:ext cx="2250322" cy="2821126"/>
+          </a:xfrm>
+          <a:prstGeom prst="rect">
+            <a:avLst/>
+          </a:prstGeom>
+          <a:ln>
+            <a:headEnd type="none" w="med" len="med"/>
+            <a:tailEnd type="none" w="med" len="med"/>
+          </a:ln>
+        </p:spPr>
+        <p:style>
+          <a:lnRef idx="2">
+            <a:schemeClr val="accent1"/>
+          </a:lnRef>
+          <a:fillRef idx="1">
+            <a:schemeClr val="lt1"/>
+          </a:fillRef>
+          <a:effectRef idx="0">
+            <a:schemeClr val="accent1"/>
+          </a:effectRef>
+          <a:fontRef idx="minor">
+            <a:schemeClr val="dk1"/>
+          </a:fontRef>
+        </p:style>
+        <p:txBody>
+          <a:bodyPr rot="0" spcFirstLastPara="0" vertOverflow="overflow" horzOverflow="overflow" vert="horz" wrap="none" lIns="182880" tIns="146304" rIns="182880" bIns="146304" numCol="1" spcCol="0" rtlCol="0" fromWordArt="0" anchor="ctr" anchorCtr="0" forceAA="0" compatLnSpc="1">
+            <a:prstTxWarp prst="textNoShape">
+              <a:avLst/>
+            </a:prstTxWarp>
+            <a:noAutofit/>
+          </a:bodyPr>
+          <a:lstStyle/>
+          <a:p>
+            <a:pPr algn="ctr" defTabSz="932472" fontAlgn="base">
+              <a:lnSpc>
+                <a:spcPct val="90000"/>
+              </a:lnSpc>
+              <a:spcBef>
+                <a:spcPct val="0"/>
+              </a:spcBef>
+              <a:spcAft>
+                <a:spcPct val="0"/>
+              </a:spcAft>
+            </a:pPr>
+            <a:endParaRPr kumimoji="1" lang="ja-JP" altLang="en-US" dirty="0">
+              <a:solidFill>
+                <a:schemeClr val="tx2"/>
+              </a:solidFill>
+              <a:cs typeface="Segoe UI" pitchFamily="34" charset="0"/>
+            </a:endParaRPr>
+          </a:p>
+        </p:txBody>
+      </p:sp>
+      <p:sp>
+        <p:nvSpPr>
+          <p:cNvPr id="3" name="四角形: 角を丸くする 2">
+            <a:extLst>
+              <a:ext uri="{FF2B5EF4-FFF2-40B4-BE49-F238E27FC236}">
+                <a16:creationId xmlns:a16="http://schemas.microsoft.com/office/drawing/2014/main" id="{5962B659-4B9A-4025-A837-8C0F43D864B2}"/>
+              </a:ext>
+            </a:extLst>
+          </p:cNvPr>
+          <p:cNvSpPr/>
+          <p:nvPr/>
+        </p:nvSpPr>
+        <p:spPr bwMode="auto">
+          <a:xfrm>
+            <a:off x="8472765" y="3929066"/>
+            <a:ext cx="1782118" cy="2664540"/>
+          </a:xfrm>
+          <a:prstGeom prst="roundRect">
+            <a:avLst>
+              <a:gd name="adj" fmla="val 5495"/>
+            </a:avLst>
+          </a:prstGeom>
+          <a:ln>
+            <a:headEnd type="none" w="med" len="med"/>
+            <a:tailEnd type="none" w="med" len="med"/>
+          </a:ln>
+        </p:spPr>
+        <p:style>
+          <a:lnRef idx="2">
+            <a:schemeClr val="accent1"/>
+          </a:lnRef>
+          <a:fillRef idx="1">
+            <a:schemeClr val="lt1"/>
+          </a:fillRef>
+          <a:effectRef idx="0">
+            <a:schemeClr val="accent1"/>
+          </a:effectRef>
+          <a:fontRef idx="minor">
+            <a:schemeClr val="dk1"/>
+          </a:fontRef>
+        </p:style>
+        <p:txBody>
+          <a:bodyPr rot="0" spcFirstLastPara="0" vertOverflow="overflow" horzOverflow="overflow" vert="horz" wrap="none" lIns="182880" tIns="146304" rIns="182880" bIns="146304" numCol="1" spcCol="0" rtlCol="0" fromWordArt="0" anchor="ctr" anchorCtr="0" forceAA="0" compatLnSpc="1">
+            <a:prstTxWarp prst="textNoShape">
+              <a:avLst/>
+            </a:prstTxWarp>
+            <a:noAutofit/>
+          </a:bodyPr>
+          <a:lstStyle/>
+          <a:p>
+            <a:pPr algn="ctr" defTabSz="932472" fontAlgn="base">
+              <a:lnSpc>
+                <a:spcPct val="90000"/>
+              </a:lnSpc>
+              <a:spcBef>
+                <a:spcPct val="0"/>
+              </a:spcBef>
+              <a:spcAft>
+                <a:spcPct val="0"/>
+              </a:spcAft>
+            </a:pPr>
+            <a:endParaRPr kumimoji="1" lang="ja-JP" altLang="en-US" dirty="0">
+              <a:solidFill>
+                <a:schemeClr val="tx2"/>
+              </a:solidFill>
+              <a:cs typeface="Segoe UI" pitchFamily="34" charset="0"/>
+            </a:endParaRPr>
+          </a:p>
+        </p:txBody>
+      </p:sp>
+      <p:pic>
+        <p:nvPicPr>
+          <p:cNvPr id="4" name="図 3">
+            <a:extLst>
+              <a:ext uri="{FF2B5EF4-FFF2-40B4-BE49-F238E27FC236}">
+                <a16:creationId xmlns:a16="http://schemas.microsoft.com/office/drawing/2014/main" id="{AD2B3965-30BD-43FE-A018-416FEC919F52}"/>
+              </a:ext>
+            </a:extLst>
+          </p:cNvPr>
+          <p:cNvPicPr>
+            <a:picLocks noChangeAspect="1"/>
+          </p:cNvPicPr>
+          <p:nvPr/>
+        </p:nvPicPr>
+        <p:blipFill>
+          <a:blip r:embed="rId2"/>
+          <a:stretch>
+            <a:fillRect/>
+          </a:stretch>
+        </p:blipFill>
+        <p:spPr>
+          <a:xfrm>
+            <a:off x="8709336" y="5673687"/>
+            <a:ext cx="628333" cy="628333"/>
+          </a:xfrm>
+          <a:prstGeom prst="rect">
+            <a:avLst/>
+          </a:prstGeom>
+        </p:spPr>
+      </p:pic>
+      <p:pic>
+        <p:nvPicPr>
+          <p:cNvPr id="5" name="図 4">
+            <a:extLst>
+              <a:ext uri="{FF2B5EF4-FFF2-40B4-BE49-F238E27FC236}">
+                <a16:creationId xmlns:a16="http://schemas.microsoft.com/office/drawing/2014/main" id="{EFB84D63-092C-4A81-A353-A83591241E3C}"/>
+              </a:ext>
+            </a:extLst>
+          </p:cNvPr>
+          <p:cNvPicPr>
+            <a:picLocks noChangeAspect="1"/>
+          </p:cNvPicPr>
+          <p:nvPr/>
+        </p:nvPicPr>
+        <p:blipFill>
+          <a:blip r:embed="rId3"/>
+          <a:stretch>
+            <a:fillRect/>
+          </a:stretch>
+        </p:blipFill>
+        <p:spPr>
+          <a:xfrm>
+            <a:off x="8534746" y="3896186"/>
+            <a:ext cx="364012" cy="364012"/>
+          </a:xfrm>
+          <a:prstGeom prst="rect">
+            <a:avLst/>
+          </a:prstGeom>
+        </p:spPr>
+      </p:pic>
+      <p:sp>
+        <p:nvSpPr>
+          <p:cNvPr id="6" name="テキスト ボックス 5">
+            <a:extLst>
+              <a:ext uri="{FF2B5EF4-FFF2-40B4-BE49-F238E27FC236}">
+                <a16:creationId xmlns:a16="http://schemas.microsoft.com/office/drawing/2014/main" id="{CB377C68-D017-4462-8876-F5FD71E39A11}"/>
+              </a:ext>
+            </a:extLst>
+          </p:cNvPr>
+          <p:cNvSpPr txBox="1"/>
+          <p:nvPr/>
+        </p:nvSpPr>
+        <p:spPr>
+          <a:xfrm>
+            <a:off x="8494787" y="6251292"/>
+            <a:ext cx="1348767" cy="463460"/>
+          </a:xfrm>
+          <a:prstGeom prst="rect">
+            <a:avLst/>
+          </a:prstGeom>
+          <a:noFill/>
+        </p:spPr>
+        <p:txBody>
+          <a:bodyPr wrap="none" lIns="182880" tIns="146304" rIns="182880" bIns="146304" rtlCol="0">
+            <a:spAutoFit/>
+          </a:bodyPr>
+          <a:lstStyle/>
+          <a:p>
+            <a:pPr>
+              <a:lnSpc>
+                <a:spcPct val="90000"/>
+              </a:lnSpc>
+              <a:spcAft>
+                <a:spcPts val="600"/>
+              </a:spcAft>
+            </a:pPr>
+            <a:r>
+              <a:rPr kumimoji="1" lang="en-US" altLang="ja-JP" sz="1200" dirty="0">
+                <a:gradFill>
+                  <a:gsLst>
+                    <a:gs pos="2917">
+                      <a:schemeClr val="tx1"/>
+                    </a:gs>
+                    <a:gs pos="30000">
+                      <a:schemeClr val="tx1"/>
+                    </a:gs>
+                  </a:gsLst>
+                  <a:lin ang="5400000" scaled="0"/>
+                </a:gradFill>
+              </a:rPr>
+              <a:t>VPN</a:t>
+            </a:r>
+            <a:r>
+              <a:rPr kumimoji="1" lang="ja-JP" altLang="en-US" sz="1200" dirty="0">
+                <a:gradFill>
+                  <a:gsLst>
+                    <a:gs pos="2917">
+                      <a:schemeClr val="tx1"/>
+                    </a:gs>
+                    <a:gs pos="30000">
+                      <a:schemeClr val="tx1"/>
+                    </a:gs>
+                  </a:gsLst>
+                  <a:lin ang="5400000" scaled="0"/>
+                </a:gradFill>
+              </a:rPr>
+              <a:t> </a:t>
+            </a:r>
+            <a:r>
+              <a:rPr kumimoji="1" lang="en-US" altLang="ja-JP" sz="1200" dirty="0">
+                <a:gradFill>
+                  <a:gsLst>
+                    <a:gs pos="2917">
+                      <a:schemeClr val="tx1"/>
+                    </a:gs>
+                    <a:gs pos="30000">
+                      <a:schemeClr val="tx1"/>
+                    </a:gs>
+                  </a:gsLst>
+                  <a:lin ang="5400000" scaled="0"/>
+                </a:gradFill>
+              </a:rPr>
+              <a:t>Gateway</a:t>
+            </a:r>
+          </a:p>
+        </p:txBody>
+      </p:sp>
+      <p:pic>
+        <p:nvPicPr>
+          <p:cNvPr id="7" name="図 6" descr="電子機器, ディスプレイ が含まれている画像&#10;&#10;非常に高い精度で生成された説明">
+            <a:extLst>
+              <a:ext uri="{FF2B5EF4-FFF2-40B4-BE49-F238E27FC236}">
+                <a16:creationId xmlns:a16="http://schemas.microsoft.com/office/drawing/2014/main" id="{3A74D7A1-EEE3-45BD-8A63-3780C1AFA596}"/>
+              </a:ext>
+            </a:extLst>
+          </p:cNvPr>
+          <p:cNvPicPr>
+            <a:picLocks noChangeAspect="1"/>
+          </p:cNvPicPr>
+          <p:nvPr/>
+        </p:nvPicPr>
+        <p:blipFill>
+          <a:blip r:embed="rId4"/>
+          <a:stretch>
+            <a:fillRect/>
+          </a:stretch>
+        </p:blipFill>
+        <p:spPr>
+          <a:xfrm>
+            <a:off x="8755252" y="4394701"/>
+            <a:ext cx="586244" cy="586244"/>
+          </a:xfrm>
+          <a:prstGeom prst="rect">
+            <a:avLst/>
+          </a:prstGeom>
+        </p:spPr>
+      </p:pic>
+      <p:sp>
+        <p:nvSpPr>
+          <p:cNvPr id="8" name="正方形/長方形 7">
+            <a:extLst>
+              <a:ext uri="{FF2B5EF4-FFF2-40B4-BE49-F238E27FC236}">
+                <a16:creationId xmlns:a16="http://schemas.microsoft.com/office/drawing/2014/main" id="{E367CF0C-E21A-4BBE-9BDA-4FAB123C4D54}"/>
+              </a:ext>
+            </a:extLst>
+          </p:cNvPr>
+          <p:cNvSpPr/>
+          <p:nvPr/>
+        </p:nvSpPr>
+        <p:spPr bwMode="auto">
+          <a:xfrm>
+            <a:off x="1698132" y="3984567"/>
+            <a:ext cx="4231032" cy="2682240"/>
+          </a:xfrm>
+          <a:prstGeom prst="rect">
+            <a:avLst/>
+          </a:prstGeom>
+          <a:ln>
+            <a:headEnd type="none" w="med" len="med"/>
+            <a:tailEnd type="none" w="med" len="med"/>
+          </a:ln>
+        </p:spPr>
+        <p:style>
+          <a:lnRef idx="2">
+            <a:schemeClr val="accent1"/>
+          </a:lnRef>
+          <a:fillRef idx="1">
+            <a:schemeClr val="lt1"/>
+          </a:fillRef>
+          <a:effectRef idx="0">
+            <a:schemeClr val="accent1"/>
+          </a:effectRef>
+          <a:fontRef idx="minor">
+            <a:schemeClr val="dk1"/>
+          </a:fontRef>
+        </p:style>
+        <p:txBody>
+          <a:bodyPr rot="0" spcFirstLastPara="0" vertOverflow="overflow" horzOverflow="overflow" vert="horz" wrap="none" lIns="182880" tIns="146304" rIns="182880" bIns="146304" numCol="1" spcCol="0" rtlCol="0" fromWordArt="0" anchor="ctr" anchorCtr="0" forceAA="0" compatLnSpc="1">
+            <a:prstTxWarp prst="textNoShape">
+              <a:avLst/>
+            </a:prstTxWarp>
+            <a:noAutofit/>
+          </a:bodyPr>
+          <a:lstStyle/>
+          <a:p>
+            <a:pPr algn="ctr" defTabSz="932472" fontAlgn="base">
+              <a:lnSpc>
+                <a:spcPct val="90000"/>
+              </a:lnSpc>
+              <a:spcBef>
+                <a:spcPct val="0"/>
+              </a:spcBef>
+              <a:spcAft>
+                <a:spcPct val="0"/>
+              </a:spcAft>
+            </a:pPr>
+            <a:endParaRPr kumimoji="1" lang="ja-JP" altLang="en-US" dirty="0">
+              <a:solidFill>
+                <a:schemeClr val="tx2"/>
+              </a:solidFill>
+              <a:cs typeface="Segoe UI" pitchFamily="34" charset="0"/>
+            </a:endParaRPr>
+          </a:p>
+        </p:txBody>
+      </p:sp>
+      <p:pic>
+        <p:nvPicPr>
+          <p:cNvPr id="11" name="図 10">
+            <a:extLst>
+              <a:ext uri="{FF2B5EF4-FFF2-40B4-BE49-F238E27FC236}">
+                <a16:creationId xmlns:a16="http://schemas.microsoft.com/office/drawing/2014/main" id="{33A5F263-F89A-4F45-B94D-731624BCBDD1}"/>
+              </a:ext>
+            </a:extLst>
+          </p:cNvPr>
+          <p:cNvPicPr>
+            <a:picLocks noChangeAspect="1"/>
+          </p:cNvPicPr>
+          <p:nvPr/>
+        </p:nvPicPr>
+        <p:blipFill>
+          <a:blip r:embed="rId5"/>
+          <a:stretch>
+            <a:fillRect/>
+          </a:stretch>
+        </p:blipFill>
+        <p:spPr>
+          <a:xfrm>
+            <a:off x="2448895" y="5080944"/>
+            <a:ext cx="532949" cy="532949"/>
+          </a:xfrm>
+          <a:prstGeom prst="rect">
+            <a:avLst/>
+          </a:prstGeom>
+        </p:spPr>
+      </p:pic>
+      <p:pic>
+        <p:nvPicPr>
+          <p:cNvPr id="12" name="図 11">
+            <a:extLst>
+              <a:ext uri="{FF2B5EF4-FFF2-40B4-BE49-F238E27FC236}">
+                <a16:creationId xmlns:a16="http://schemas.microsoft.com/office/drawing/2014/main" id="{7877816E-3490-4E20-ABBB-7C72EC9A042E}"/>
+              </a:ext>
+            </a:extLst>
+          </p:cNvPr>
+          <p:cNvPicPr>
+            <a:picLocks noChangeAspect="1"/>
+          </p:cNvPicPr>
+          <p:nvPr/>
+        </p:nvPicPr>
+        <p:blipFill>
+          <a:blip r:embed="rId5"/>
+          <a:stretch>
+            <a:fillRect/>
+          </a:stretch>
+        </p:blipFill>
+        <p:spPr>
+          <a:xfrm>
+            <a:off x="3415586" y="5067297"/>
+            <a:ext cx="532949" cy="532949"/>
+          </a:xfrm>
+          <a:prstGeom prst="rect">
+            <a:avLst/>
+          </a:prstGeom>
+        </p:spPr>
+      </p:pic>
+      <p:pic>
+        <p:nvPicPr>
+          <p:cNvPr id="13" name="図 12">
+            <a:extLst>
+              <a:ext uri="{FF2B5EF4-FFF2-40B4-BE49-F238E27FC236}">
+                <a16:creationId xmlns:a16="http://schemas.microsoft.com/office/drawing/2014/main" id="{3A12D103-53A1-45AA-8C58-444B0FE9A998}"/>
+              </a:ext>
+            </a:extLst>
+          </p:cNvPr>
+          <p:cNvPicPr>
+            <a:picLocks noChangeAspect="1"/>
+          </p:cNvPicPr>
+          <p:nvPr/>
+        </p:nvPicPr>
+        <p:blipFill>
+          <a:blip r:embed="rId6"/>
+          <a:stretch>
+            <a:fillRect/>
+          </a:stretch>
+        </p:blipFill>
+        <p:spPr>
+          <a:xfrm>
+            <a:off x="3110635" y="5048942"/>
+            <a:ext cx="452945" cy="607980"/>
+          </a:xfrm>
+          <a:prstGeom prst="rect">
+            <a:avLst/>
+          </a:prstGeom>
+        </p:spPr>
+      </p:pic>
+      <p:pic>
+        <p:nvPicPr>
+          <p:cNvPr id="14" name="図 13">
+            <a:extLst>
+              <a:ext uri="{FF2B5EF4-FFF2-40B4-BE49-F238E27FC236}">
+                <a16:creationId xmlns:a16="http://schemas.microsoft.com/office/drawing/2014/main" id="{3369C15F-2E42-4071-8911-01A7C8E56FA0}"/>
+              </a:ext>
+            </a:extLst>
+          </p:cNvPr>
+          <p:cNvPicPr>
+            <a:picLocks noChangeAspect="1"/>
+          </p:cNvPicPr>
+          <p:nvPr/>
+        </p:nvPicPr>
+        <p:blipFill>
+          <a:blip r:embed="rId7"/>
+          <a:stretch>
+            <a:fillRect/>
+          </a:stretch>
+        </p:blipFill>
+        <p:spPr>
+          <a:xfrm>
+            <a:off x="2131932" y="5040886"/>
+            <a:ext cx="452945" cy="607980"/>
+          </a:xfrm>
+          <a:prstGeom prst="rect">
+            <a:avLst/>
+          </a:prstGeom>
+        </p:spPr>
+      </p:pic>
+      <p:sp>
+        <p:nvSpPr>
+          <p:cNvPr id="15" name="四角形: 角を丸くする 14">
+            <a:extLst>
+              <a:ext uri="{FF2B5EF4-FFF2-40B4-BE49-F238E27FC236}">
+                <a16:creationId xmlns:a16="http://schemas.microsoft.com/office/drawing/2014/main" id="{A5C636EA-B29D-48CC-A115-6DB768AEEE23}"/>
+              </a:ext>
+            </a:extLst>
+          </p:cNvPr>
+          <p:cNvSpPr/>
+          <p:nvPr/>
+        </p:nvSpPr>
+        <p:spPr bwMode="auto">
+          <a:xfrm>
+            <a:off x="1876372" y="4707875"/>
+            <a:ext cx="2310876" cy="1345071"/>
+          </a:xfrm>
+          <a:prstGeom prst="roundRect">
+            <a:avLst>
+              <a:gd name="adj" fmla="val 5495"/>
+            </a:avLst>
+          </a:prstGeom>
+          <a:noFill/>
+          <a:ln>
+            <a:headEnd type="none" w="med" len="med"/>
+            <a:tailEnd type="none" w="med" len="med"/>
+          </a:ln>
+        </p:spPr>
+        <p:style>
+          <a:lnRef idx="2">
+            <a:schemeClr val="accent1"/>
+          </a:lnRef>
+          <a:fillRef idx="1">
+            <a:schemeClr val="lt1"/>
+          </a:fillRef>
+          <a:effectRef idx="0">
+            <a:schemeClr val="accent1"/>
+          </a:effectRef>
+          <a:fontRef idx="minor">
+            <a:schemeClr val="dk1"/>
+          </a:fontRef>
+        </p:style>
+        <p:txBody>
+          <a:bodyPr rot="0" spcFirstLastPara="0" vertOverflow="overflow" horzOverflow="overflow" vert="horz" wrap="none" lIns="182880" tIns="146304" rIns="182880" bIns="146304" numCol="1" spcCol="0" rtlCol="0" fromWordArt="0" anchor="ctr" anchorCtr="0" forceAA="0" compatLnSpc="1">
+            <a:prstTxWarp prst="textNoShape">
+              <a:avLst/>
+            </a:prstTxWarp>
+            <a:noAutofit/>
+          </a:bodyPr>
+          <a:lstStyle/>
+          <a:p>
+            <a:pPr algn="ctr" defTabSz="932472" fontAlgn="base">
+              <a:lnSpc>
+                <a:spcPct val="90000"/>
+              </a:lnSpc>
+              <a:spcBef>
+                <a:spcPct val="0"/>
+              </a:spcBef>
+              <a:spcAft>
+                <a:spcPct val="0"/>
+              </a:spcAft>
+            </a:pPr>
+            <a:endParaRPr kumimoji="1" lang="ja-JP" altLang="en-US" dirty="0">
+              <a:solidFill>
+                <a:schemeClr val="tx2"/>
+              </a:solidFill>
+              <a:cs typeface="Segoe UI" pitchFamily="34" charset="0"/>
+            </a:endParaRPr>
+          </a:p>
+        </p:txBody>
+      </p:sp>
+      <p:sp>
+        <p:nvSpPr>
+          <p:cNvPr id="16" name="テキスト ボックス 15">
+            <a:extLst>
+              <a:ext uri="{FF2B5EF4-FFF2-40B4-BE49-F238E27FC236}">
+                <a16:creationId xmlns:a16="http://schemas.microsoft.com/office/drawing/2014/main" id="{F0E8528B-0BA4-4AF6-97B3-D13A4908FBCC}"/>
+              </a:ext>
+            </a:extLst>
+          </p:cNvPr>
+          <p:cNvSpPr txBox="1"/>
+          <p:nvPr/>
+        </p:nvSpPr>
+        <p:spPr>
+          <a:xfrm>
+            <a:off x="2458504" y="4247593"/>
+            <a:ext cx="1292662" cy="547458"/>
+          </a:xfrm>
+          <a:prstGeom prst="rect">
+            <a:avLst/>
+          </a:prstGeom>
+          <a:noFill/>
+        </p:spPr>
+        <p:txBody>
+          <a:bodyPr wrap="none" lIns="182880" tIns="146304" rIns="182880" bIns="146304" rtlCol="0">
+            <a:spAutoFit/>
+          </a:bodyPr>
+          <a:lstStyle/>
+          <a:p>
+            <a:pPr>
+              <a:lnSpc>
+                <a:spcPct val="90000"/>
+              </a:lnSpc>
+              <a:spcAft>
+                <a:spcPts val="600"/>
+              </a:spcAft>
+            </a:pPr>
+            <a:r>
+              <a:rPr kumimoji="1" lang="ja-JP" altLang="en-US" dirty="0">
+                <a:gradFill>
+                  <a:gsLst>
+                    <a:gs pos="2917">
+                      <a:schemeClr val="tx1"/>
+                    </a:gs>
+                    <a:gs pos="30000">
+                      <a:schemeClr val="tx1"/>
+                    </a:gs>
+                  </a:gsLst>
+                  <a:lin ang="5400000" scaled="0"/>
+                </a:gradFill>
+              </a:rPr>
+              <a:t>利用環境</a:t>
+            </a:r>
+          </a:p>
+        </p:txBody>
+      </p:sp>
+      <p:pic>
+        <p:nvPicPr>
+          <p:cNvPr id="17" name="図 16">
+            <a:extLst>
+              <a:ext uri="{FF2B5EF4-FFF2-40B4-BE49-F238E27FC236}">
+                <a16:creationId xmlns:a16="http://schemas.microsoft.com/office/drawing/2014/main" id="{F6940EAE-526E-46DE-B2B3-7FBE39A72878}"/>
+              </a:ext>
+            </a:extLst>
+          </p:cNvPr>
+          <p:cNvPicPr>
+            <a:picLocks noChangeAspect="1"/>
+          </p:cNvPicPr>
+          <p:nvPr/>
+        </p:nvPicPr>
+        <p:blipFill>
+          <a:blip r:embed="rId8"/>
+          <a:stretch>
+            <a:fillRect/>
+          </a:stretch>
+        </p:blipFill>
+        <p:spPr>
+          <a:xfrm>
+            <a:off x="5004511" y="5588409"/>
+            <a:ext cx="780290" cy="780290"/>
+          </a:xfrm>
+          <a:prstGeom prst="rect">
+            <a:avLst/>
+          </a:prstGeom>
+        </p:spPr>
+      </p:pic>
+      <p:sp>
+        <p:nvSpPr>
+          <p:cNvPr id="18" name="テキスト ボックス 17">
+            <a:extLst>
+              <a:ext uri="{FF2B5EF4-FFF2-40B4-BE49-F238E27FC236}">
+                <a16:creationId xmlns:a16="http://schemas.microsoft.com/office/drawing/2014/main" id="{FFFA7C1E-36C0-4B6E-A24E-C0C42DA796BD}"/>
+              </a:ext>
+            </a:extLst>
+          </p:cNvPr>
+          <p:cNvSpPr txBox="1"/>
+          <p:nvPr/>
+        </p:nvSpPr>
+        <p:spPr>
+          <a:xfrm>
+            <a:off x="4406756" y="6229586"/>
+            <a:ext cx="1493037" cy="519501"/>
+          </a:xfrm>
+          <a:prstGeom prst="rect">
+            <a:avLst/>
+          </a:prstGeom>
+          <a:noFill/>
+        </p:spPr>
+        <p:txBody>
+          <a:bodyPr wrap="none" lIns="182880" tIns="146304" rIns="182880" bIns="146304" rtlCol="0">
+            <a:spAutoFit/>
+          </a:bodyPr>
+          <a:lstStyle/>
+          <a:p>
+            <a:pPr>
+              <a:lnSpc>
+                <a:spcPct val="90000"/>
+              </a:lnSpc>
+              <a:spcAft>
+                <a:spcPts val="600"/>
+              </a:spcAft>
+            </a:pPr>
+            <a:r>
+              <a:rPr kumimoji="1" lang="en-US" altLang="ja-JP" sz="1600" dirty="0">
+                <a:gradFill>
+                  <a:gsLst>
+                    <a:gs pos="2917">
+                      <a:schemeClr val="tx1"/>
+                    </a:gs>
+                    <a:gs pos="30000">
+                      <a:schemeClr val="tx1"/>
+                    </a:gs>
+                  </a:gsLst>
+                  <a:lin ang="5400000" scaled="0"/>
+                </a:gradFill>
+              </a:rPr>
+              <a:t>VPN</a:t>
+            </a:r>
+            <a:r>
+              <a:rPr kumimoji="1" lang="ja-JP" altLang="en-US" sz="1600" dirty="0">
+                <a:gradFill>
+                  <a:gsLst>
+                    <a:gs pos="2917">
+                      <a:schemeClr val="tx1"/>
+                    </a:gs>
+                    <a:gs pos="30000">
+                      <a:schemeClr val="tx1"/>
+                    </a:gs>
+                  </a:gsLst>
+                  <a:lin ang="5400000" scaled="0"/>
+                </a:gradFill>
+              </a:rPr>
+              <a:t> </a:t>
+            </a:r>
+            <a:r>
+              <a:rPr kumimoji="1" lang="en-US" altLang="ja-JP" sz="1600" dirty="0">
+                <a:gradFill>
+                  <a:gsLst>
+                    <a:gs pos="2917">
+                      <a:schemeClr val="tx1"/>
+                    </a:gs>
+                    <a:gs pos="30000">
+                      <a:schemeClr val="tx1"/>
+                    </a:gs>
+                  </a:gsLst>
+                  <a:lin ang="5400000" scaled="0"/>
+                </a:gradFill>
+              </a:rPr>
+              <a:t>Device</a:t>
+            </a:r>
+          </a:p>
+        </p:txBody>
+      </p:sp>
+      <p:pic>
+        <p:nvPicPr>
+          <p:cNvPr id="19" name="図 18">
+            <a:extLst>
+              <a:ext uri="{FF2B5EF4-FFF2-40B4-BE49-F238E27FC236}">
+                <a16:creationId xmlns:a16="http://schemas.microsoft.com/office/drawing/2014/main" id="{9356F35D-4870-4FCF-9FE6-8F99139DDFE6}"/>
+              </a:ext>
+            </a:extLst>
+          </p:cNvPr>
+          <p:cNvPicPr>
+            <a:picLocks noChangeAspect="1"/>
+          </p:cNvPicPr>
+          <p:nvPr/>
+        </p:nvPicPr>
+        <p:blipFill>
+          <a:blip r:embed="rId8"/>
+          <a:stretch>
+            <a:fillRect/>
+          </a:stretch>
+        </p:blipFill>
+        <p:spPr>
+          <a:xfrm>
+            <a:off x="5004511" y="4263442"/>
+            <a:ext cx="780290" cy="780290"/>
+          </a:xfrm>
+          <a:prstGeom prst="rect">
+            <a:avLst/>
+          </a:prstGeom>
+        </p:spPr>
+      </p:pic>
+      <p:sp>
+        <p:nvSpPr>
+          <p:cNvPr id="20" name="テキスト ボックス 19">
+            <a:extLst>
+              <a:ext uri="{FF2B5EF4-FFF2-40B4-BE49-F238E27FC236}">
+                <a16:creationId xmlns:a16="http://schemas.microsoft.com/office/drawing/2014/main" id="{E037C6E0-2B4D-4367-A2A7-8F5376EDC00A}"/>
+              </a:ext>
+            </a:extLst>
+          </p:cNvPr>
+          <p:cNvSpPr txBox="1"/>
+          <p:nvPr/>
+        </p:nvSpPr>
+        <p:spPr>
+          <a:xfrm>
+            <a:off x="4230425" y="3975604"/>
+            <a:ext cx="1643720" cy="519501"/>
+          </a:xfrm>
+          <a:prstGeom prst="rect">
+            <a:avLst/>
+          </a:prstGeom>
+          <a:noFill/>
+        </p:spPr>
+        <p:txBody>
+          <a:bodyPr wrap="none" lIns="182880" tIns="146304" rIns="182880" bIns="146304" rtlCol="0">
+            <a:spAutoFit/>
+          </a:bodyPr>
+          <a:lstStyle/>
+          <a:p>
+            <a:pPr>
+              <a:lnSpc>
+                <a:spcPct val="90000"/>
+              </a:lnSpc>
+              <a:spcAft>
+                <a:spcPts val="600"/>
+              </a:spcAft>
+            </a:pPr>
+            <a:r>
+              <a:rPr kumimoji="1" lang="en-US" altLang="ja-JP" sz="1600" dirty="0">
+                <a:gradFill>
+                  <a:gsLst>
+                    <a:gs pos="2917">
+                      <a:schemeClr val="tx1"/>
+                    </a:gs>
+                    <a:gs pos="30000">
+                      <a:schemeClr val="tx1"/>
+                    </a:gs>
+                  </a:gsLst>
+                  <a:lin ang="5400000" scaled="0"/>
+                </a:gradFill>
+              </a:rPr>
+              <a:t>Internet</a:t>
+            </a:r>
+            <a:r>
+              <a:rPr kumimoji="1" lang="ja-JP" altLang="en-US" sz="1600" dirty="0">
+                <a:gradFill>
+                  <a:gsLst>
+                    <a:gs pos="2917">
+                      <a:schemeClr val="tx1"/>
+                    </a:gs>
+                    <a:gs pos="30000">
+                      <a:schemeClr val="tx1"/>
+                    </a:gs>
+                  </a:gsLst>
+                  <a:lin ang="5400000" scaled="0"/>
+                </a:gradFill>
+              </a:rPr>
+              <a:t> </a:t>
+            </a:r>
+            <a:r>
+              <a:rPr kumimoji="1" lang="en-US" altLang="ja-JP" sz="1600" dirty="0">
+                <a:gradFill>
+                  <a:gsLst>
+                    <a:gs pos="2917">
+                      <a:schemeClr val="tx1"/>
+                    </a:gs>
+                    <a:gs pos="30000">
+                      <a:schemeClr val="tx1"/>
+                    </a:gs>
+                  </a:gsLst>
+                  <a:lin ang="5400000" scaled="0"/>
+                </a:gradFill>
+              </a:rPr>
+              <a:t>Edge</a:t>
+            </a:r>
+          </a:p>
+        </p:txBody>
+      </p:sp>
+      <p:cxnSp>
+        <p:nvCxnSpPr>
+          <p:cNvPr id="21" name="直線矢印コネクタ 20">
+            <a:extLst>
+              <a:ext uri="{FF2B5EF4-FFF2-40B4-BE49-F238E27FC236}">
+                <a16:creationId xmlns:a16="http://schemas.microsoft.com/office/drawing/2014/main" id="{2C4D7FFC-B2D2-4D6F-9F80-B0D01A5F0E3B}"/>
+              </a:ext>
+            </a:extLst>
+          </p:cNvPr>
+          <p:cNvCxnSpPr>
+            <a:cxnSpLocks/>
+            <a:stCxn id="15" idx="3"/>
+            <a:endCxn id="19" idx="1"/>
+          </p:cNvCxnSpPr>
+          <p:nvPr/>
+        </p:nvCxnSpPr>
+        <p:spPr>
+          <a:xfrm flipV="1">
+            <a:off x="4187248" y="4653587"/>
+            <a:ext cx="817263" cy="726824"/>
+          </a:xfrm>
+          <a:prstGeom prst="straightConnector1">
+            <a:avLst/>
+          </a:prstGeom>
+          <a:ln w="28575">
+            <a:solidFill>
+              <a:srgbClr val="68217A"/>
+            </a:solidFill>
+            <a:headEnd type="none" w="med" len="med"/>
+            <a:tailEnd type="arrow" w="med" len="med"/>
+          </a:ln>
+        </p:spPr>
+        <p:style>
+          <a:lnRef idx="1">
+            <a:schemeClr val="accent5"/>
+          </a:lnRef>
+          <a:fillRef idx="0">
+            <a:schemeClr val="accent5"/>
+          </a:fillRef>
+          <a:effectRef idx="0">
+            <a:schemeClr val="accent5"/>
+          </a:effectRef>
+          <a:fontRef idx="minor">
+            <a:schemeClr val="tx1"/>
+          </a:fontRef>
+        </p:style>
+      </p:cxnSp>
+      <p:cxnSp>
+        <p:nvCxnSpPr>
+          <p:cNvPr id="22" name="直線矢印コネクタ 21">
+            <a:extLst>
+              <a:ext uri="{FF2B5EF4-FFF2-40B4-BE49-F238E27FC236}">
+                <a16:creationId xmlns:a16="http://schemas.microsoft.com/office/drawing/2014/main" id="{AB783EBA-BA43-4D38-813D-FD3825AC63D8}"/>
+              </a:ext>
+            </a:extLst>
+          </p:cNvPr>
+          <p:cNvCxnSpPr>
+            <a:cxnSpLocks/>
+            <a:stCxn id="15" idx="3"/>
+            <a:endCxn id="17" idx="1"/>
+          </p:cNvCxnSpPr>
+          <p:nvPr/>
+        </p:nvCxnSpPr>
+        <p:spPr>
+          <a:xfrm>
+            <a:off x="4187248" y="5380411"/>
+            <a:ext cx="817263" cy="598143"/>
+          </a:xfrm>
+          <a:prstGeom prst="straightConnector1">
+            <a:avLst/>
+          </a:prstGeom>
+          <a:ln w="28575">
+            <a:solidFill>
+              <a:srgbClr val="00B050"/>
+            </a:solidFill>
+            <a:headEnd type="none" w="med" len="med"/>
+            <a:tailEnd type="arrow" w="med" len="med"/>
+          </a:ln>
+        </p:spPr>
+        <p:style>
+          <a:lnRef idx="1">
+            <a:schemeClr val="accent5"/>
+          </a:lnRef>
+          <a:fillRef idx="0">
+            <a:schemeClr val="accent5"/>
+          </a:fillRef>
+          <a:effectRef idx="0">
+            <a:schemeClr val="accent5"/>
+          </a:effectRef>
+          <a:fontRef idx="minor">
+            <a:schemeClr val="tx1"/>
+          </a:fontRef>
+        </p:style>
+      </p:cxnSp>
+      <p:sp>
+        <p:nvSpPr>
+          <p:cNvPr id="23" name="円柱 22">
+            <a:extLst>
+              <a:ext uri="{FF2B5EF4-FFF2-40B4-BE49-F238E27FC236}">
+                <a16:creationId xmlns:a16="http://schemas.microsoft.com/office/drawing/2014/main" id="{158B7EAB-C75C-4D0B-BF83-E5BD59F24C86}"/>
+              </a:ext>
+            </a:extLst>
+          </p:cNvPr>
+          <p:cNvSpPr/>
+          <p:nvPr/>
+        </p:nvSpPr>
+        <p:spPr bwMode="auto">
+          <a:xfrm rot="5400000">
+            <a:off x="7053171" y="4585325"/>
+            <a:ext cx="387795" cy="2850590"/>
+          </a:xfrm>
+          <a:prstGeom prst="can">
+            <a:avLst/>
+          </a:prstGeom>
+          <a:ln>
+            <a:headEnd type="none" w="med" len="med"/>
+            <a:tailEnd type="none" w="med" len="med"/>
+          </a:ln>
+        </p:spPr>
+        <p:style>
+          <a:lnRef idx="1">
+            <a:schemeClr val="accent6"/>
+          </a:lnRef>
+          <a:fillRef idx="2">
+            <a:schemeClr val="accent6"/>
+          </a:fillRef>
+          <a:effectRef idx="1">
+            <a:schemeClr val="accent6"/>
+          </a:effectRef>
+          <a:fontRef idx="minor">
+            <a:schemeClr val="dk1"/>
+          </a:fontRef>
+        </p:style>
+        <p:txBody>
+          <a:bodyPr rot="0" spcFirstLastPara="0" vertOverflow="overflow" horzOverflow="overflow" vert="horz" wrap="none" lIns="182880" tIns="146304" rIns="182880" bIns="146304" numCol="1" spcCol="0" rtlCol="0" fromWordArt="0" anchor="ctr" anchorCtr="0" forceAA="0" compatLnSpc="1">
+            <a:prstTxWarp prst="textNoShape">
+              <a:avLst/>
+            </a:prstTxWarp>
+            <a:noAutofit/>
+          </a:bodyPr>
+          <a:lstStyle/>
+          <a:p>
+            <a:pPr algn="ctr" defTabSz="932472" fontAlgn="base">
+              <a:lnSpc>
+                <a:spcPct val="90000"/>
+              </a:lnSpc>
+              <a:spcBef>
+                <a:spcPct val="0"/>
+              </a:spcBef>
+              <a:spcAft>
+                <a:spcPct val="0"/>
+              </a:spcAft>
+            </a:pPr>
+            <a:endParaRPr kumimoji="1" lang="ja-JP" altLang="en-US" dirty="0">
+              <a:solidFill>
+                <a:schemeClr val="tx2"/>
+              </a:solidFill>
+              <a:cs typeface="Segoe UI" pitchFamily="34" charset="0"/>
+            </a:endParaRPr>
+          </a:p>
+        </p:txBody>
+      </p:sp>
+      <p:sp>
+        <p:nvSpPr>
+          <p:cNvPr id="24" name="テキスト ボックス 23">
+            <a:extLst>
+              <a:ext uri="{FF2B5EF4-FFF2-40B4-BE49-F238E27FC236}">
+                <a16:creationId xmlns:a16="http://schemas.microsoft.com/office/drawing/2014/main" id="{2AB51D26-29CE-492D-84AE-8D83F5D8F98F}"/>
+              </a:ext>
+            </a:extLst>
+          </p:cNvPr>
+          <p:cNvSpPr txBox="1"/>
+          <p:nvPr/>
+        </p:nvSpPr>
+        <p:spPr>
+          <a:xfrm>
+            <a:off x="6010058" y="5779217"/>
+            <a:ext cx="2551019" cy="547458"/>
+          </a:xfrm>
+          <a:prstGeom prst="rect">
+            <a:avLst/>
+          </a:prstGeom>
+          <a:noFill/>
+        </p:spPr>
+        <p:txBody>
+          <a:bodyPr wrap="none" lIns="182880" tIns="146304" rIns="182880" bIns="146304" rtlCol="0">
+            <a:spAutoFit/>
+          </a:bodyPr>
+          <a:lstStyle/>
+          <a:p>
+            <a:pPr>
+              <a:lnSpc>
+                <a:spcPct val="90000"/>
+              </a:lnSpc>
+              <a:spcAft>
+                <a:spcPts val="600"/>
+              </a:spcAft>
+            </a:pPr>
+            <a:r>
+              <a:rPr kumimoji="1" lang="en-US" altLang="ja-JP" dirty="0">
+                <a:gradFill>
+                  <a:gsLst>
+                    <a:gs pos="2917">
+                      <a:schemeClr val="tx1"/>
+                    </a:gs>
+                    <a:gs pos="30000">
+                      <a:schemeClr val="tx1"/>
+                    </a:gs>
+                  </a:gsLst>
+                  <a:lin ang="5400000" scaled="0"/>
+                </a:gradFill>
+              </a:rPr>
+              <a:t>ExpressRoute / VPN</a:t>
+            </a:r>
+          </a:p>
+        </p:txBody>
+      </p:sp>
+      <p:pic>
+        <p:nvPicPr>
+          <p:cNvPr id="25" name="図 24">
+            <a:extLst>
+              <a:ext uri="{FF2B5EF4-FFF2-40B4-BE49-F238E27FC236}">
+                <a16:creationId xmlns:a16="http://schemas.microsoft.com/office/drawing/2014/main" id="{8184D4EB-4925-4C9D-B541-1101AD8083B7}"/>
+              </a:ext>
+            </a:extLst>
+          </p:cNvPr>
+          <p:cNvPicPr>
+            <a:picLocks noChangeAspect="1"/>
+          </p:cNvPicPr>
+          <p:nvPr/>
+        </p:nvPicPr>
+        <p:blipFill>
+          <a:blip r:embed="rId9"/>
+          <a:stretch>
+            <a:fillRect/>
+          </a:stretch>
+        </p:blipFill>
+        <p:spPr>
+          <a:xfrm>
+            <a:off x="7811100" y="4181511"/>
+            <a:ext cx="944152" cy="944152"/>
+          </a:xfrm>
+          <a:prstGeom prst="rect">
+            <a:avLst/>
+          </a:prstGeom>
+        </p:spPr>
+      </p:pic>
+      <p:cxnSp>
+        <p:nvCxnSpPr>
+          <p:cNvPr id="26" name="直線矢印コネクタ 25">
+            <a:extLst>
+              <a:ext uri="{FF2B5EF4-FFF2-40B4-BE49-F238E27FC236}">
+                <a16:creationId xmlns:a16="http://schemas.microsoft.com/office/drawing/2014/main" id="{97506242-D121-4CE1-A28E-D9AB69A26B3A}"/>
+              </a:ext>
+            </a:extLst>
+          </p:cNvPr>
+          <p:cNvCxnSpPr>
+            <a:cxnSpLocks/>
+            <a:stCxn id="19" idx="3"/>
+            <a:endCxn id="25" idx="1"/>
+          </p:cNvCxnSpPr>
+          <p:nvPr/>
+        </p:nvCxnSpPr>
+        <p:spPr>
+          <a:xfrm>
+            <a:off x="5784801" y="4653587"/>
+            <a:ext cx="2026299" cy="0"/>
+          </a:xfrm>
+          <a:prstGeom prst="straightConnector1">
+            <a:avLst/>
+          </a:prstGeom>
+          <a:ln w="28575">
+            <a:solidFill>
+              <a:srgbClr val="68217A"/>
+            </a:solidFill>
+            <a:headEnd type="none" w="med" len="med"/>
+            <a:tailEnd type="arrow" w="med" len="med"/>
+          </a:ln>
+        </p:spPr>
+        <p:style>
+          <a:lnRef idx="1">
+            <a:schemeClr val="accent5"/>
+          </a:lnRef>
+          <a:fillRef idx="0">
+            <a:schemeClr val="accent5"/>
+          </a:fillRef>
+          <a:effectRef idx="0">
+            <a:schemeClr val="accent5"/>
+          </a:effectRef>
+          <a:fontRef idx="minor">
+            <a:schemeClr val="tx1"/>
+          </a:fontRef>
+        </p:style>
+      </p:cxnSp>
+      <p:sp>
+        <p:nvSpPr>
+          <p:cNvPr id="27" name="テキスト ボックス 26">
+            <a:extLst>
+              <a:ext uri="{FF2B5EF4-FFF2-40B4-BE49-F238E27FC236}">
+                <a16:creationId xmlns:a16="http://schemas.microsoft.com/office/drawing/2014/main" id="{17154154-5624-46C2-9E3C-DF6B62431BDD}"/>
+              </a:ext>
+            </a:extLst>
+          </p:cNvPr>
+          <p:cNvSpPr txBox="1"/>
+          <p:nvPr/>
+        </p:nvSpPr>
+        <p:spPr>
+          <a:xfrm>
+            <a:off x="7344679" y="4001271"/>
+            <a:ext cx="999313" cy="706604"/>
+          </a:xfrm>
+          <a:prstGeom prst="rect">
+            <a:avLst/>
+          </a:prstGeom>
+          <a:noFill/>
+        </p:spPr>
+        <p:txBody>
+          <a:bodyPr wrap="none" lIns="182880" tIns="146304" rIns="182880" bIns="146304" rtlCol="0">
+            <a:spAutoFit/>
+          </a:bodyPr>
+          <a:lstStyle/>
+          <a:p>
+            <a:pPr>
+              <a:lnSpc>
+                <a:spcPct val="90000"/>
+              </a:lnSpc>
+              <a:spcAft>
+                <a:spcPts val="600"/>
+              </a:spcAft>
+            </a:pPr>
+            <a:r>
+              <a:rPr kumimoji="1" lang="en-US" altLang="ja-JP" sz="1200" dirty="0">
+                <a:gradFill>
+                  <a:gsLst>
+                    <a:gs pos="2917">
+                      <a:schemeClr val="tx1"/>
+                    </a:gs>
+                    <a:gs pos="30000">
+                      <a:schemeClr val="tx1"/>
+                    </a:gs>
+                  </a:gsLst>
+                  <a:lin ang="5400000" scaled="0"/>
+                </a:gradFill>
+              </a:rPr>
+              <a:t>Public</a:t>
+            </a:r>
+            <a:r>
+              <a:rPr kumimoji="1" lang="ja-JP" altLang="en-US" sz="1200" dirty="0">
+                <a:gradFill>
+                  <a:gsLst>
+                    <a:gs pos="2917">
+                      <a:schemeClr val="tx1"/>
+                    </a:gs>
+                    <a:gs pos="30000">
+                      <a:schemeClr val="tx1"/>
+                    </a:gs>
+                  </a:gsLst>
+                  <a:lin ang="5400000" scaled="0"/>
+                </a:gradFill>
+              </a:rPr>
+              <a:t> </a:t>
+            </a:r>
+            <a:r>
+              <a:rPr kumimoji="1" lang="en-US" altLang="ja-JP" sz="1200" dirty="0">
+                <a:gradFill>
+                  <a:gsLst>
+                    <a:gs pos="2917">
+                      <a:schemeClr val="tx1"/>
+                    </a:gs>
+                    <a:gs pos="30000">
+                      <a:schemeClr val="tx1"/>
+                    </a:gs>
+                  </a:gsLst>
+                  <a:lin ang="5400000" scaled="0"/>
+                </a:gradFill>
+              </a:rPr>
+              <a:t>IP</a:t>
+            </a:r>
+          </a:p>
+          <a:p>
+            <a:pPr>
+              <a:lnSpc>
+                <a:spcPct val="90000"/>
+              </a:lnSpc>
+              <a:spcAft>
+                <a:spcPts val="600"/>
+              </a:spcAft>
+            </a:pPr>
+            <a:r>
+              <a:rPr kumimoji="1" lang="en-US" altLang="ja-JP" sz="1200" dirty="0">
+                <a:gradFill>
+                  <a:gsLst>
+                    <a:gs pos="2917">
+                      <a:schemeClr val="tx1"/>
+                    </a:gs>
+                    <a:gs pos="30000">
+                      <a:schemeClr val="tx1"/>
+                    </a:gs>
+                  </a:gsLst>
+                  <a:lin ang="5400000" scaled="0"/>
+                </a:gradFill>
+              </a:rPr>
+              <a:t>Address</a:t>
+            </a:r>
+          </a:p>
+        </p:txBody>
+      </p:sp>
+      <p:sp>
+        <p:nvSpPr>
+          <p:cNvPr id="28" name="Freeform 95">
+            <a:extLst>
+              <a:ext uri="{FF2B5EF4-FFF2-40B4-BE49-F238E27FC236}">
+                <a16:creationId xmlns:a16="http://schemas.microsoft.com/office/drawing/2014/main" id="{E5357386-0268-496B-9143-C50D375102BB}"/>
+              </a:ext>
+            </a:extLst>
+          </p:cNvPr>
+          <p:cNvSpPr>
+            <a:spLocks/>
+          </p:cNvSpPr>
+          <p:nvPr/>
+        </p:nvSpPr>
+        <p:spPr bwMode="auto">
+          <a:xfrm flipH="1">
+            <a:off x="6321512" y="4341362"/>
+            <a:ext cx="997949" cy="595862"/>
+          </a:xfrm>
+          <a:custGeom>
+            <a:avLst/>
+            <a:gdLst>
+              <a:gd name="T0" fmla="*/ 618 w 736"/>
+              <a:gd name="T1" fmla="*/ 213 h 484"/>
+              <a:gd name="T2" fmla="*/ 618 w 736"/>
+              <a:gd name="T3" fmla="*/ 203 h 484"/>
+              <a:gd name="T4" fmla="*/ 415 w 736"/>
+              <a:gd name="T5" fmla="*/ 0 h 484"/>
+              <a:gd name="T6" fmla="*/ 246 w 736"/>
+              <a:gd name="T7" fmla="*/ 91 h 484"/>
+              <a:gd name="T8" fmla="*/ 191 w 736"/>
+              <a:gd name="T9" fmla="*/ 76 h 484"/>
+              <a:gd name="T10" fmla="*/ 125 w 736"/>
+              <a:gd name="T11" fmla="*/ 96 h 484"/>
+              <a:gd name="T12" fmla="*/ 73 w 736"/>
+              <a:gd name="T13" fmla="*/ 191 h 484"/>
+              <a:gd name="T14" fmla="*/ 0 w 736"/>
+              <a:gd name="T15" fmla="*/ 325 h 484"/>
+              <a:gd name="T16" fmla="*/ 142 w 736"/>
+              <a:gd name="T17" fmla="*/ 484 h 484"/>
+              <a:gd name="T18" fmla="*/ 160 w 736"/>
+              <a:gd name="T19" fmla="*/ 484 h 484"/>
+              <a:gd name="T20" fmla="*/ 176 w 736"/>
+              <a:gd name="T21" fmla="*/ 484 h 484"/>
+              <a:gd name="T22" fmla="*/ 507 w 736"/>
+              <a:gd name="T23" fmla="*/ 484 h 484"/>
+              <a:gd name="T24" fmla="*/ 514 w 736"/>
+              <a:gd name="T25" fmla="*/ 484 h 484"/>
+              <a:gd name="T26" fmla="*/ 522 w 736"/>
+              <a:gd name="T27" fmla="*/ 484 h 484"/>
+              <a:gd name="T28" fmla="*/ 546 w 736"/>
+              <a:gd name="T29" fmla="*/ 484 h 484"/>
+              <a:gd name="T30" fmla="*/ 599 w 736"/>
+              <a:gd name="T31" fmla="*/ 484 h 484"/>
+              <a:gd name="T32" fmla="*/ 736 w 736"/>
+              <a:gd name="T33" fmla="*/ 348 h 484"/>
+              <a:gd name="T34" fmla="*/ 618 w 736"/>
+              <a:gd name="T35" fmla="*/ 213 h 484"/>
+            </a:gdLst>
+            <a:ahLst/>
+            <a:cxnLst>
+              <a:cxn ang="0">
+                <a:pos x="T0" y="T1"/>
+              </a:cxn>
+              <a:cxn ang="0">
+                <a:pos x="T2" y="T3"/>
+              </a:cxn>
+              <a:cxn ang="0">
+                <a:pos x="T4" y="T5"/>
+              </a:cxn>
+              <a:cxn ang="0">
+                <a:pos x="T6" y="T7"/>
+              </a:cxn>
+              <a:cxn ang="0">
+                <a:pos x="T8" y="T9"/>
+              </a:cxn>
+              <a:cxn ang="0">
+                <a:pos x="T10" y="T11"/>
+              </a:cxn>
+              <a:cxn ang="0">
+                <a:pos x="T12" y="T13"/>
+              </a:cxn>
+              <a:cxn ang="0">
+                <a:pos x="T14" y="T15"/>
+              </a:cxn>
+              <a:cxn ang="0">
+                <a:pos x="T16" y="T17"/>
+              </a:cxn>
+              <a:cxn ang="0">
+                <a:pos x="T18" y="T19"/>
+              </a:cxn>
+              <a:cxn ang="0">
+                <a:pos x="T20" y="T21"/>
+              </a:cxn>
+              <a:cxn ang="0">
+                <a:pos x="T22" y="T23"/>
+              </a:cxn>
+              <a:cxn ang="0">
+                <a:pos x="T24" y="T25"/>
+              </a:cxn>
+              <a:cxn ang="0">
+                <a:pos x="T26" y="T27"/>
+              </a:cxn>
+              <a:cxn ang="0">
+                <a:pos x="T28" y="T29"/>
+              </a:cxn>
+              <a:cxn ang="0">
+                <a:pos x="T30" y="T31"/>
+              </a:cxn>
+              <a:cxn ang="0">
+                <a:pos x="T32" y="T33"/>
+              </a:cxn>
+              <a:cxn ang="0">
+                <a:pos x="T34" y="T35"/>
+              </a:cxn>
+            </a:cxnLst>
+            <a:rect l="0" t="0" r="r" b="b"/>
+            <a:pathLst>
+              <a:path w="736" h="484">
+                <a:moveTo>
+                  <a:pt x="618" y="213"/>
+                </a:moveTo>
+                <a:cubicBezTo>
+                  <a:pt x="618" y="210"/>
+                  <a:pt x="618" y="206"/>
+                  <a:pt x="618" y="203"/>
+                </a:cubicBezTo>
+                <a:cubicBezTo>
+                  <a:pt x="618" y="91"/>
+                  <a:pt x="527" y="0"/>
+                  <a:pt x="415" y="0"/>
+                </a:cubicBezTo>
+                <a:cubicBezTo>
+                  <a:pt x="345" y="0"/>
+                  <a:pt x="283" y="37"/>
+                  <a:pt x="246" y="91"/>
+                </a:cubicBezTo>
+                <a:cubicBezTo>
+                  <a:pt x="230" y="82"/>
+                  <a:pt x="211" y="76"/>
+                  <a:pt x="191" y="76"/>
+                </a:cubicBezTo>
+                <a:cubicBezTo>
+                  <a:pt x="167" y="76"/>
+                  <a:pt x="144" y="83"/>
+                  <a:pt x="125" y="96"/>
+                </a:cubicBezTo>
+                <a:cubicBezTo>
+                  <a:pt x="94" y="116"/>
+                  <a:pt x="74" y="151"/>
+                  <a:pt x="73" y="191"/>
+                </a:cubicBezTo>
+                <a:cubicBezTo>
+                  <a:pt x="30" y="219"/>
+                  <a:pt x="0" y="269"/>
+                  <a:pt x="0" y="325"/>
+                </a:cubicBezTo>
+                <a:cubicBezTo>
+                  <a:pt x="0" y="407"/>
+                  <a:pt x="62" y="475"/>
+                  <a:pt x="142" y="484"/>
+                </a:cubicBezTo>
+                <a:cubicBezTo>
+                  <a:pt x="148" y="484"/>
+                  <a:pt x="154" y="484"/>
+                  <a:pt x="160" y="484"/>
+                </a:cubicBezTo>
+                <a:cubicBezTo>
+                  <a:pt x="165" y="484"/>
+                  <a:pt x="171" y="484"/>
+                  <a:pt x="176" y="484"/>
+                </a:cubicBezTo>
+                <a:cubicBezTo>
+                  <a:pt x="250" y="484"/>
+                  <a:pt x="425" y="484"/>
+                  <a:pt x="507" y="484"/>
+                </a:cubicBezTo>
+                <a:cubicBezTo>
+                  <a:pt x="510" y="484"/>
+                  <a:pt x="512" y="484"/>
+                  <a:pt x="514" y="484"/>
+                </a:cubicBezTo>
+                <a:cubicBezTo>
+                  <a:pt x="522" y="484"/>
+                  <a:pt x="522" y="484"/>
+                  <a:pt x="522" y="484"/>
+                </a:cubicBezTo>
+                <a:cubicBezTo>
+                  <a:pt x="526" y="484"/>
+                  <a:pt x="538" y="484"/>
+                  <a:pt x="546" y="484"/>
+                </a:cubicBezTo>
+                <a:cubicBezTo>
+                  <a:pt x="599" y="484"/>
+                  <a:pt x="599" y="484"/>
+                  <a:pt x="599" y="484"/>
+                </a:cubicBezTo>
+                <a:cubicBezTo>
+                  <a:pt x="675" y="483"/>
+                  <a:pt x="736" y="422"/>
+                  <a:pt x="736" y="348"/>
+                </a:cubicBezTo>
+                <a:cubicBezTo>
+                  <a:pt x="736" y="279"/>
+                  <a:pt x="684" y="222"/>
+                  <a:pt x="618" y="213"/>
+                </a:cubicBezTo>
+                <a:close/>
+              </a:path>
+            </a:pathLst>
+          </a:custGeom>
+          <a:solidFill>
+            <a:srgbClr val="FFFFFF">
+              <a:lumMod val="85000"/>
+            </a:srgbClr>
+          </a:solidFill>
+          <a:ln w="28575">
+            <a:noFill/>
+            <a:round/>
+            <a:headEnd/>
+            <a:tailEnd/>
+          </a:ln>
+          <a:extLst/>
+        </p:spPr>
+        <p:txBody>
+          <a:bodyPr vert="horz" wrap="none" lIns="91440" tIns="45720" rIns="91440" bIns="45720" numCol="1" anchor="ctr" anchorCtr="0" compatLnSpc="1">
+            <a:prstTxWarp prst="textNoShape">
+              <a:avLst/>
+            </a:prstTxWarp>
+          </a:bodyPr>
+          <a:lstStyle/>
+          <a:p>
+            <a:pPr marL="0" marR="0" lvl="0" indent="0" algn="ctr" defTabSz="914400" eaLnBrk="1" fontAlgn="auto" latinLnBrk="0" hangingPunct="1">
+              <a:lnSpc>
+                <a:spcPct val="100000"/>
+              </a:lnSpc>
+              <a:spcBef>
+                <a:spcPts val="0"/>
+              </a:spcBef>
+              <a:spcAft>
+                <a:spcPts val="0"/>
+              </a:spcAft>
+              <a:buClrTx/>
+              <a:buSzTx/>
+              <a:buFontTx/>
+              <a:buNone/>
+              <a:tabLst/>
+              <a:defRPr/>
+            </a:pPr>
+            <a:endParaRPr kumimoji="0" lang="en-US" sz="1400" b="0" i="0" u="none" strike="noStrike" kern="0" cap="none" spc="0" normalizeH="0" baseline="0" noProof="0" dirty="0">
+              <a:ln>
+                <a:noFill/>
+              </a:ln>
+              <a:solidFill>
+                <a:srgbClr val="505050"/>
+              </a:solidFill>
+              <a:effectLst/>
+              <a:uLnTx/>
+              <a:uFillTx/>
+              <a:latin typeface="Segoe UI"/>
+            </a:endParaRPr>
+          </a:p>
+        </p:txBody>
+      </p:sp>
+      <p:sp>
+        <p:nvSpPr>
+          <p:cNvPr id="29" name="テキスト ボックス 28">
+            <a:extLst>
+              <a:ext uri="{FF2B5EF4-FFF2-40B4-BE49-F238E27FC236}">
+                <a16:creationId xmlns:a16="http://schemas.microsoft.com/office/drawing/2014/main" id="{FEA6DAC4-62CB-437A-8918-CE0CCC68C99B}"/>
+              </a:ext>
+            </a:extLst>
+          </p:cNvPr>
+          <p:cNvSpPr txBox="1"/>
+          <p:nvPr/>
+        </p:nvSpPr>
+        <p:spPr>
+          <a:xfrm>
+            <a:off x="6425730" y="4438959"/>
+            <a:ext cx="931986" cy="463460"/>
+          </a:xfrm>
+          <a:prstGeom prst="rect">
+            <a:avLst/>
+          </a:prstGeom>
+          <a:noFill/>
+        </p:spPr>
+        <p:txBody>
+          <a:bodyPr wrap="none" lIns="182880" tIns="146304" rIns="182880" bIns="146304" rtlCol="0">
+            <a:spAutoFit/>
+          </a:bodyPr>
+          <a:lstStyle/>
+          <a:p>
+            <a:pPr>
+              <a:lnSpc>
+                <a:spcPct val="90000"/>
+              </a:lnSpc>
+              <a:spcAft>
+                <a:spcPts val="600"/>
+              </a:spcAft>
+            </a:pPr>
+            <a:r>
+              <a:rPr kumimoji="1" lang="en-US" altLang="ja-JP" sz="1200" dirty="0">
+                <a:gradFill>
+                  <a:gsLst>
+                    <a:gs pos="2917">
+                      <a:schemeClr val="tx1"/>
+                    </a:gs>
+                    <a:gs pos="30000">
+                      <a:schemeClr val="tx1"/>
+                    </a:gs>
+                  </a:gsLst>
+                  <a:lin ang="5400000" scaled="0"/>
+                </a:gradFill>
+              </a:rPr>
+              <a:t>Internet</a:t>
+            </a:r>
+          </a:p>
+        </p:txBody>
+      </p:sp>
+      <p:sp>
+        <p:nvSpPr>
+          <p:cNvPr id="30" name="テキスト ボックス 29">
+            <a:extLst>
+              <a:ext uri="{FF2B5EF4-FFF2-40B4-BE49-F238E27FC236}">
+                <a16:creationId xmlns:a16="http://schemas.microsoft.com/office/drawing/2014/main" id="{7CA3C77F-6379-4C0D-86FD-613447A3B45D}"/>
+              </a:ext>
+            </a:extLst>
+          </p:cNvPr>
+          <p:cNvSpPr txBox="1"/>
+          <p:nvPr/>
+        </p:nvSpPr>
+        <p:spPr>
+          <a:xfrm>
+            <a:off x="8349118" y="4884910"/>
+            <a:ext cx="1412887" cy="463460"/>
+          </a:xfrm>
+          <a:prstGeom prst="rect">
+            <a:avLst/>
+          </a:prstGeom>
+          <a:noFill/>
+        </p:spPr>
+        <p:txBody>
+          <a:bodyPr wrap="none" lIns="182880" tIns="146304" rIns="182880" bIns="146304" rtlCol="0">
+            <a:spAutoFit/>
+          </a:bodyPr>
+          <a:lstStyle/>
+          <a:p>
+            <a:pPr>
+              <a:lnSpc>
+                <a:spcPct val="90000"/>
+              </a:lnSpc>
+              <a:spcAft>
+                <a:spcPts val="600"/>
+              </a:spcAft>
+            </a:pPr>
+            <a:r>
+              <a:rPr kumimoji="1" lang="en-US" altLang="ja-JP" sz="1200" dirty="0">
+                <a:gradFill>
+                  <a:gsLst>
+                    <a:gs pos="2917">
+                      <a:schemeClr val="tx1"/>
+                    </a:gs>
+                    <a:gs pos="30000">
+                      <a:schemeClr val="tx1"/>
+                    </a:gs>
+                  </a:gsLst>
+                  <a:lin ang="5400000" scaled="0"/>
+                </a:gradFill>
+              </a:rPr>
+              <a:t>Virtual</a:t>
+            </a:r>
+            <a:r>
+              <a:rPr kumimoji="1" lang="ja-JP" altLang="en-US" sz="1200" dirty="0">
+                <a:gradFill>
+                  <a:gsLst>
+                    <a:gs pos="2917">
+                      <a:schemeClr val="tx1"/>
+                    </a:gs>
+                    <a:gs pos="30000">
+                      <a:schemeClr val="tx1"/>
+                    </a:gs>
+                  </a:gsLst>
+                  <a:lin ang="5400000" scaled="0"/>
+                </a:gradFill>
+              </a:rPr>
+              <a:t> </a:t>
+            </a:r>
+            <a:r>
+              <a:rPr kumimoji="1" lang="en-US" altLang="ja-JP" sz="1200" dirty="0" err="1">
+                <a:gradFill>
+                  <a:gsLst>
+                    <a:gs pos="2917">
+                      <a:schemeClr val="tx1"/>
+                    </a:gs>
+                    <a:gs pos="30000">
+                      <a:schemeClr val="tx1"/>
+                    </a:gs>
+                  </a:gsLst>
+                  <a:lin ang="5400000" scaled="0"/>
+                </a:gradFill>
+              </a:rPr>
+              <a:t>Mahine</a:t>
+            </a:r>
+            <a:endParaRPr kumimoji="1" lang="en-US" altLang="ja-JP" sz="1200" dirty="0">
+              <a:gradFill>
+                <a:gsLst>
+                  <a:gs pos="2917">
+                    <a:schemeClr val="tx1"/>
+                  </a:gs>
+                  <a:gs pos="30000">
+                    <a:schemeClr val="tx1"/>
+                  </a:gs>
+                </a:gsLst>
+                <a:lin ang="5400000" scaled="0"/>
+              </a:gradFill>
+            </a:endParaRPr>
+          </a:p>
+        </p:txBody>
+      </p:sp>
+      <p:cxnSp>
+        <p:nvCxnSpPr>
+          <p:cNvPr id="31" name="コネクタ: カギ線 30">
+            <a:extLst>
+              <a:ext uri="{FF2B5EF4-FFF2-40B4-BE49-F238E27FC236}">
+                <a16:creationId xmlns:a16="http://schemas.microsoft.com/office/drawing/2014/main" id="{6C341840-7280-4F8E-A905-48FF6E001DBB}"/>
+              </a:ext>
+            </a:extLst>
+          </p:cNvPr>
+          <p:cNvCxnSpPr>
+            <a:cxnSpLocks/>
+            <a:stCxn id="4" idx="3"/>
+            <a:endCxn id="7" idx="3"/>
+          </p:cNvCxnSpPr>
+          <p:nvPr/>
+        </p:nvCxnSpPr>
+        <p:spPr>
+          <a:xfrm flipV="1">
+            <a:off x="9337669" y="4687823"/>
+            <a:ext cx="3827" cy="1300031"/>
+          </a:xfrm>
+          <a:prstGeom prst="bentConnector3">
+            <a:avLst>
+              <a:gd name="adj1" fmla="val 18397309"/>
+            </a:avLst>
+          </a:prstGeom>
+          <a:ln w="28575">
+            <a:solidFill>
+              <a:srgbClr val="00B050"/>
+            </a:solidFill>
+            <a:headEnd type="none" w="med" len="med"/>
+            <a:tailEnd type="arrow" w="med" len="med"/>
+          </a:ln>
+        </p:spPr>
+        <p:style>
+          <a:lnRef idx="1">
+            <a:schemeClr val="accent5"/>
+          </a:lnRef>
+          <a:fillRef idx="0">
+            <a:schemeClr val="accent5"/>
+          </a:fillRef>
+          <a:effectRef idx="0">
+            <a:schemeClr val="accent5"/>
+          </a:effectRef>
+          <a:fontRef idx="minor">
+            <a:schemeClr val="tx1"/>
+          </a:fontRef>
+        </p:style>
+      </p:cxnSp>
+      <p:sp>
+        <p:nvSpPr>
+          <p:cNvPr id="32" name="テキスト ボックス 31">
+            <a:extLst>
+              <a:ext uri="{FF2B5EF4-FFF2-40B4-BE49-F238E27FC236}">
+                <a16:creationId xmlns:a16="http://schemas.microsoft.com/office/drawing/2014/main" id="{D104F890-1E90-436C-AFB9-2B48AD417399}"/>
+              </a:ext>
+            </a:extLst>
+          </p:cNvPr>
+          <p:cNvSpPr txBox="1"/>
+          <p:nvPr/>
+        </p:nvSpPr>
+        <p:spPr>
+          <a:xfrm>
+            <a:off x="9303167" y="4061674"/>
+            <a:ext cx="1058623" cy="706604"/>
+          </a:xfrm>
+          <a:prstGeom prst="rect">
+            <a:avLst/>
+          </a:prstGeom>
+          <a:noFill/>
+        </p:spPr>
+        <p:txBody>
+          <a:bodyPr wrap="none" lIns="182880" tIns="146304" rIns="182880" bIns="146304" rtlCol="0">
+            <a:spAutoFit/>
+          </a:bodyPr>
+          <a:lstStyle/>
+          <a:p>
+            <a:pPr>
+              <a:lnSpc>
+                <a:spcPct val="90000"/>
+              </a:lnSpc>
+              <a:spcAft>
+                <a:spcPts val="600"/>
+              </a:spcAft>
+            </a:pPr>
+            <a:r>
+              <a:rPr kumimoji="1" lang="en-US" altLang="ja-JP" sz="1200" dirty="0">
+                <a:gradFill>
+                  <a:gsLst>
+                    <a:gs pos="2917">
+                      <a:schemeClr val="tx1"/>
+                    </a:gs>
+                    <a:gs pos="30000">
+                      <a:schemeClr val="tx1"/>
+                    </a:gs>
+                  </a:gsLst>
+                  <a:lin ang="5400000" scaled="0"/>
+                </a:gradFill>
+              </a:rPr>
+              <a:t>Private</a:t>
+            </a:r>
+            <a:r>
+              <a:rPr kumimoji="1" lang="ja-JP" altLang="en-US" sz="1200" dirty="0">
+                <a:gradFill>
+                  <a:gsLst>
+                    <a:gs pos="2917">
+                      <a:schemeClr val="tx1"/>
+                    </a:gs>
+                    <a:gs pos="30000">
+                      <a:schemeClr val="tx1"/>
+                    </a:gs>
+                  </a:gsLst>
+                  <a:lin ang="5400000" scaled="0"/>
+                </a:gradFill>
+              </a:rPr>
+              <a:t> </a:t>
+            </a:r>
+            <a:r>
+              <a:rPr kumimoji="1" lang="en-US" altLang="ja-JP" sz="1200" dirty="0">
+                <a:gradFill>
+                  <a:gsLst>
+                    <a:gs pos="2917">
+                      <a:schemeClr val="tx1"/>
+                    </a:gs>
+                    <a:gs pos="30000">
+                      <a:schemeClr val="tx1"/>
+                    </a:gs>
+                  </a:gsLst>
+                  <a:lin ang="5400000" scaled="0"/>
+                </a:gradFill>
+              </a:rPr>
+              <a:t>IP</a:t>
+            </a:r>
+          </a:p>
+          <a:p>
+            <a:pPr>
+              <a:lnSpc>
+                <a:spcPct val="90000"/>
+              </a:lnSpc>
+              <a:spcAft>
+                <a:spcPts val="600"/>
+              </a:spcAft>
+            </a:pPr>
+            <a:r>
+              <a:rPr kumimoji="1" lang="en-US" altLang="ja-JP" sz="1200" dirty="0">
+                <a:gradFill>
+                  <a:gsLst>
+                    <a:gs pos="2917">
+                      <a:schemeClr val="tx1"/>
+                    </a:gs>
+                    <a:gs pos="30000">
+                      <a:schemeClr val="tx1"/>
+                    </a:gs>
+                  </a:gsLst>
+                  <a:lin ang="5400000" scaled="0"/>
+                </a:gradFill>
+              </a:rPr>
+              <a:t>Address</a:t>
+            </a:r>
+          </a:p>
+        </p:txBody>
+      </p:sp>
+      <p:sp>
+        <p:nvSpPr>
+          <p:cNvPr id="35" name="テキスト ボックス 34">
+            <a:extLst>
+              <a:ext uri="{FF2B5EF4-FFF2-40B4-BE49-F238E27FC236}">
+                <a16:creationId xmlns:a16="http://schemas.microsoft.com/office/drawing/2014/main" id="{8C0D995C-8332-4ECD-80B3-ECED284A5D9C}"/>
+              </a:ext>
+            </a:extLst>
+          </p:cNvPr>
+          <p:cNvSpPr txBox="1"/>
+          <p:nvPr/>
+        </p:nvSpPr>
+        <p:spPr>
+          <a:xfrm>
+            <a:off x="2348489" y="3505234"/>
+            <a:ext cx="3049646" cy="547458"/>
+          </a:xfrm>
+          <a:prstGeom prst="rect">
+            <a:avLst/>
+          </a:prstGeom>
+          <a:noFill/>
+        </p:spPr>
+        <p:txBody>
+          <a:bodyPr wrap="square" lIns="182880" tIns="146304" rIns="182880" bIns="146304" rtlCol="0">
+            <a:spAutoFit/>
+          </a:bodyPr>
+          <a:lstStyle/>
+          <a:p>
+            <a:pPr algn="l">
+              <a:lnSpc>
+                <a:spcPct val="90000"/>
+              </a:lnSpc>
+              <a:spcAft>
+                <a:spcPts val="600"/>
+              </a:spcAft>
+            </a:pPr>
+            <a:r>
+              <a:rPr kumimoji="1" lang="ja-JP" altLang="en-US" dirty="0">
+                <a:gradFill>
+                  <a:gsLst>
+                    <a:gs pos="2917">
+                      <a:schemeClr val="tx1"/>
+                    </a:gs>
+                    <a:gs pos="30000">
+                      <a:schemeClr val="tx1"/>
+                    </a:gs>
+                  </a:gsLst>
+                  <a:lin ang="5400000" scaled="0"/>
+                </a:gradFill>
+              </a:rPr>
+              <a:t>作業環境のネットワーク</a:t>
+            </a:r>
+          </a:p>
+        </p:txBody>
+      </p:sp>
+    </p:spTree>
+    <p:extLst>
+      <p:ext uri="{BB962C8B-B14F-4D97-AF65-F5344CB8AC3E}">
+        <p14:creationId xmlns:p14="http://schemas.microsoft.com/office/powerpoint/2010/main" val="1626707544"/>
+      </p:ext>
+    </p:extLst>
+  </p:cSld>
+  <p:clrMapOvr>
+    <a:masterClrMapping/>
+  </p:clrMapOvr>
+</p:sld>
+</file>
+
+<file path=ppt/slides/slide3.xml><?xml version="1.0" encoding="utf-8"?>
+<p:sld xmlns:a="http://schemas.openxmlformats.org/drawingml/2006/main" xmlns:r="http://schemas.openxmlformats.org/officeDocument/2006/relationships" xmlns:p="http://schemas.openxmlformats.org/presentationml/2006/main">
+  <p:cSld>
+    <p:spTree>
+      <p:nvGrpSpPr>
+        <p:cNvPr id="1" name=""/>
+        <p:cNvGrpSpPr/>
+        <p:nvPr/>
+      </p:nvGrpSpPr>
+      <p:grpSpPr>
+        <a:xfrm>
+          <a:off x="0" y="0"/>
+          <a:ext cx="0" cy="0"/>
+          <a:chOff x="0" y="0"/>
+          <a:chExt cx="0" cy="0"/>
+        </a:xfrm>
+      </p:grpSpPr>
+      <p:pic>
+        <p:nvPicPr>
+          <p:cNvPr id="2" name="図 1">
+            <a:extLst>
+              <a:ext uri="{FF2B5EF4-FFF2-40B4-BE49-F238E27FC236}">
+                <a16:creationId xmlns:a16="http://schemas.microsoft.com/office/drawing/2014/main" id="{F0AEEC8A-2209-47D0-9297-C9B4F6C5462B}"/>
+              </a:ext>
+            </a:extLst>
+          </p:cNvPr>
+          <p:cNvPicPr>
+            <a:picLocks noChangeAspect="1"/>
+          </p:cNvPicPr>
+          <p:nvPr/>
+        </p:nvPicPr>
+        <p:blipFill rotWithShape="1">
+          <a:blip r:embed="rId2"/>
+          <a:srcRect l="18119" t="21400" r="23337" b="25059"/>
+          <a:stretch/>
+        </p:blipFill>
+        <p:spPr>
+          <a:xfrm>
+            <a:off x="2455351" y="1525179"/>
+            <a:ext cx="5309172" cy="3095011"/>
+          </a:xfrm>
+          <a:prstGeom prst="rect">
+            <a:avLst/>
+          </a:prstGeom>
+          <a:ln>
+            <a:noFill/>
+          </a:ln>
+          <a:effectLst>
+            <a:outerShdw blurRad="292100" dist="139700" dir="2700000" algn="tl" rotWithShape="0">
+              <a:srgbClr val="333333">
+                <a:alpha val="65000"/>
+              </a:srgbClr>
+            </a:outerShdw>
+          </a:effectLst>
+        </p:spPr>
+      </p:pic>
+      <p:sp>
+        <p:nvSpPr>
+          <p:cNvPr id="3" name="四角形: 角を丸くする 2">
+            <a:extLst>
+              <a:ext uri="{FF2B5EF4-FFF2-40B4-BE49-F238E27FC236}">
+                <a16:creationId xmlns:a16="http://schemas.microsoft.com/office/drawing/2014/main" id="{BF3A451A-F36E-487F-BC28-4CB23F01FC9E}"/>
+              </a:ext>
+            </a:extLst>
+          </p:cNvPr>
+          <p:cNvSpPr/>
+          <p:nvPr/>
+        </p:nvSpPr>
+        <p:spPr bwMode="auto">
+          <a:xfrm>
+            <a:off x="4281058" y="2540281"/>
+            <a:ext cx="3424225" cy="366855"/>
+          </a:xfrm>
+          <a:prstGeom prst="roundRect">
+            <a:avLst>
+              <a:gd name="adj" fmla="val 6352"/>
+            </a:avLst>
+          </a:prstGeom>
+          <a:noFill/>
+          <a:ln w="38100">
+            <a:solidFill>
+              <a:srgbClr val="FF0000"/>
+            </a:solidFill>
+            <a:prstDash val="solid"/>
+            <a:headEnd type="none" w="med" len="med"/>
+            <a:tailEnd type="none" w="med" len="med"/>
+          </a:ln>
+        </p:spPr>
+        <p:style>
+          <a:lnRef idx="1">
+            <a:schemeClr val="accent2"/>
+          </a:lnRef>
+          <a:fillRef idx="2">
+            <a:schemeClr val="accent2"/>
+          </a:fillRef>
+          <a:effectRef idx="1">
+            <a:schemeClr val="accent2"/>
+          </a:effectRef>
+          <a:fontRef idx="minor">
+            <a:schemeClr val="dk1"/>
+          </a:fontRef>
+        </p:style>
+        <p:txBody>
+          <a:bodyPr rot="0" spcFirstLastPara="0" vertOverflow="overflow" horzOverflow="overflow" vert="horz" wrap="none" lIns="182880" tIns="146304" rIns="182880" bIns="146304" numCol="1" spcCol="0" rtlCol="0" fromWordArt="0" anchor="ctr" anchorCtr="0" forceAA="0" compatLnSpc="1">
+            <a:prstTxWarp prst="textNoShape">
+              <a:avLst/>
+            </a:prstTxWarp>
+            <a:noAutofit/>
+          </a:bodyPr>
+          <a:lstStyle/>
+          <a:p>
+            <a:pPr algn="ctr" defTabSz="932472" fontAlgn="base">
+              <a:lnSpc>
+                <a:spcPct val="90000"/>
+              </a:lnSpc>
+              <a:spcBef>
+                <a:spcPct val="0"/>
+              </a:spcBef>
+              <a:spcAft>
+                <a:spcPct val="0"/>
+              </a:spcAft>
+            </a:pPr>
+            <a:endParaRPr kumimoji="1" lang="ja-JP" altLang="en-US" dirty="0">
+              <a:solidFill>
+                <a:schemeClr val="tx2"/>
+              </a:solidFill>
+              <a:cs typeface="Segoe UI" pitchFamily="34" charset="0"/>
+            </a:endParaRPr>
+          </a:p>
+        </p:txBody>
+      </p:sp>
+      <p:sp>
+        <p:nvSpPr>
+          <p:cNvPr id="4" name="四角形: 角を丸くする 3">
+            <a:extLst>
+              <a:ext uri="{FF2B5EF4-FFF2-40B4-BE49-F238E27FC236}">
+                <a16:creationId xmlns:a16="http://schemas.microsoft.com/office/drawing/2014/main" id="{88010FF1-34F5-4880-86D5-6107EDEE1DD3}"/>
+              </a:ext>
+            </a:extLst>
+          </p:cNvPr>
+          <p:cNvSpPr/>
+          <p:nvPr/>
+        </p:nvSpPr>
+        <p:spPr bwMode="auto">
+          <a:xfrm>
+            <a:off x="2436879" y="4107962"/>
+            <a:ext cx="1597426" cy="366855"/>
+          </a:xfrm>
+          <a:prstGeom prst="roundRect">
+            <a:avLst>
+              <a:gd name="adj" fmla="val 6352"/>
+            </a:avLst>
+          </a:prstGeom>
+          <a:noFill/>
+          <a:ln w="38100">
+            <a:solidFill>
+              <a:srgbClr val="FF0000"/>
+            </a:solidFill>
+            <a:prstDash val="solid"/>
+            <a:headEnd type="none" w="med" len="med"/>
+            <a:tailEnd type="none" w="med" len="med"/>
+          </a:ln>
+        </p:spPr>
+        <p:style>
+          <a:lnRef idx="1">
+            <a:schemeClr val="accent2"/>
+          </a:lnRef>
+          <a:fillRef idx="2">
+            <a:schemeClr val="accent2"/>
+          </a:fillRef>
+          <a:effectRef idx="1">
+            <a:schemeClr val="accent2"/>
+          </a:effectRef>
+          <a:fontRef idx="minor">
+            <a:schemeClr val="dk1"/>
+          </a:fontRef>
+        </p:style>
+        <p:txBody>
+          <a:bodyPr rot="0" spcFirstLastPara="0" vertOverflow="overflow" horzOverflow="overflow" vert="horz" wrap="none" lIns="182880" tIns="146304" rIns="182880" bIns="146304" numCol="1" spcCol="0" rtlCol="0" fromWordArt="0" anchor="ctr" anchorCtr="0" forceAA="0" compatLnSpc="1">
+            <a:prstTxWarp prst="textNoShape">
+              <a:avLst/>
+            </a:prstTxWarp>
+            <a:noAutofit/>
+          </a:bodyPr>
+          <a:lstStyle/>
+          <a:p>
+            <a:pPr algn="ctr" defTabSz="932472" fontAlgn="base">
+              <a:lnSpc>
+                <a:spcPct val="90000"/>
+              </a:lnSpc>
+              <a:spcBef>
+                <a:spcPct val="0"/>
+              </a:spcBef>
+              <a:spcAft>
+                <a:spcPct val="0"/>
+              </a:spcAft>
+            </a:pPr>
+            <a:endParaRPr kumimoji="1" lang="ja-JP" altLang="en-US" dirty="0">
+              <a:solidFill>
+                <a:schemeClr val="tx2"/>
+              </a:solidFill>
+              <a:cs typeface="Segoe UI" pitchFamily="34" charset="0"/>
+            </a:endParaRPr>
+          </a:p>
+        </p:txBody>
+      </p:sp>
+    </p:spTree>
+    <p:extLst>
+      <p:ext uri="{BB962C8B-B14F-4D97-AF65-F5344CB8AC3E}">
+        <p14:creationId xmlns:p14="http://schemas.microsoft.com/office/powerpoint/2010/main" val="4237854603"/>
+      </p:ext>
+    </p:extLst>
+  </p:cSld>
+  <p:clrMapOvr>
+    <a:masterClrMapping/>
+  </p:clrMapOvr>
+</p:sld>
+</file>
+
+<file path=ppt/slides/slide4.xml><?xml version="1.0" encoding="utf-8"?>
+<p:sld xmlns:a="http://schemas.openxmlformats.org/drawingml/2006/main" xmlns:r="http://schemas.openxmlformats.org/officeDocument/2006/relationships" xmlns:p="http://schemas.openxmlformats.org/presentationml/2006/main">
+  <p:cSld>
+    <p:spTree>
+      <p:nvGrpSpPr>
+        <p:cNvPr id="1" name=""/>
+        <p:cNvGrpSpPr/>
+        <p:nvPr/>
+      </p:nvGrpSpPr>
+      <p:grpSpPr>
+        <a:xfrm>
+          <a:off x="0" y="0"/>
+          <a:ext cx="0" cy="0"/>
+          <a:chOff x="0" y="0"/>
+          <a:chExt cx="0" cy="0"/>
+        </a:xfrm>
+      </p:grpSpPr>
+      <p:pic>
+        <p:nvPicPr>
+          <p:cNvPr id="2" name="図 1">
+            <a:extLst>
+              <a:ext uri="{FF2B5EF4-FFF2-40B4-BE49-F238E27FC236}">
+                <a16:creationId xmlns:a16="http://schemas.microsoft.com/office/drawing/2014/main" id="{42D70D7E-5838-4C20-9173-701F2BE96759}"/>
+              </a:ext>
+            </a:extLst>
+          </p:cNvPr>
+          <p:cNvPicPr>
+            <a:picLocks noChangeAspect="1"/>
+          </p:cNvPicPr>
+          <p:nvPr/>
+        </p:nvPicPr>
+        <p:blipFill rotWithShape="1">
+          <a:blip r:embed="rId2"/>
+          <a:srcRect l="37758" t="18403" b="17422"/>
+          <a:stretch/>
+        </p:blipFill>
+        <p:spPr>
+          <a:xfrm>
+            <a:off x="2991496" y="1188939"/>
+            <a:ext cx="6209008" cy="4080673"/>
+          </a:xfrm>
+          <a:prstGeom prst="rect">
+            <a:avLst/>
+          </a:prstGeom>
+          <a:ln>
+            <a:noFill/>
+          </a:ln>
+          <a:effectLst>
+            <a:outerShdw blurRad="292100" dist="139700" dir="2700000" algn="tl" rotWithShape="0">
+              <a:srgbClr val="333333">
+                <a:alpha val="65000"/>
+              </a:srgbClr>
+            </a:outerShdw>
+          </a:effectLst>
+        </p:spPr>
+      </p:pic>
+    </p:spTree>
+    <p:extLst>
+      <p:ext uri="{BB962C8B-B14F-4D97-AF65-F5344CB8AC3E}">
+        <p14:creationId xmlns:p14="http://schemas.microsoft.com/office/powerpoint/2010/main" val="3807864320"/>
+      </p:ext>
+    </p:extLst>
+  </p:cSld>
+  <p:clrMapOvr>
+    <a:masterClrMapping/>
+  </p:clrMapOvr>
+</p:sld>
+</file>
+
+<file path=ppt/slides/slide5.xml><?xml version="1.0" encoding="utf-8"?>
+<p:sld xmlns:a="http://schemas.openxmlformats.org/drawingml/2006/main" xmlns:r="http://schemas.openxmlformats.org/officeDocument/2006/relationships" xmlns:p="http://schemas.openxmlformats.org/presentationml/2006/main">
+  <p:cSld>
+    <p:spTree>
+      <p:nvGrpSpPr>
+        <p:cNvPr id="1" name=""/>
+        <p:cNvGrpSpPr/>
+        <p:nvPr/>
+      </p:nvGrpSpPr>
+      <p:grpSpPr>
+        <a:xfrm>
+          <a:off x="0" y="0"/>
+          <a:ext cx="0" cy="0"/>
+          <a:chOff x="0" y="0"/>
+          <a:chExt cx="0" cy="0"/>
+        </a:xfrm>
+      </p:grpSpPr>
+      <p:pic>
+        <p:nvPicPr>
+          <p:cNvPr id="2" name="図 1" descr="電子機器, ディスプレイ が含まれている画像&#10;&#10;非常に高い精度で生成された説明">
+            <a:extLst>
+              <a:ext uri="{FF2B5EF4-FFF2-40B4-BE49-F238E27FC236}">
+                <a16:creationId xmlns:a16="http://schemas.microsoft.com/office/drawing/2014/main" id="{F6B015A0-678C-4757-A041-333ABD25B3AA}"/>
+              </a:ext>
+            </a:extLst>
+          </p:cNvPr>
+          <p:cNvPicPr>
+            <a:picLocks noChangeAspect="1"/>
+          </p:cNvPicPr>
+          <p:nvPr/>
+        </p:nvPicPr>
+        <p:blipFill>
+          <a:blip r:embed="rId2"/>
+          <a:stretch>
+            <a:fillRect/>
+          </a:stretch>
+        </p:blipFill>
+        <p:spPr>
+          <a:xfrm>
+            <a:off x="6815323" y="5470738"/>
+            <a:ext cx="1038567" cy="1038567"/>
+          </a:xfrm>
+          <a:prstGeom prst="rect">
+            <a:avLst/>
+          </a:prstGeom>
+        </p:spPr>
+      </p:pic>
+      <p:pic>
+        <p:nvPicPr>
+          <p:cNvPr id="3" name="図 2">
+            <a:extLst>
+              <a:ext uri="{FF2B5EF4-FFF2-40B4-BE49-F238E27FC236}">
+                <a16:creationId xmlns:a16="http://schemas.microsoft.com/office/drawing/2014/main" id="{7B480442-99FB-487C-809B-BE7BA569B267}"/>
+              </a:ext>
+            </a:extLst>
+          </p:cNvPr>
+          <p:cNvPicPr>
+            <a:picLocks noChangeAspect="1"/>
+          </p:cNvPicPr>
+          <p:nvPr/>
+        </p:nvPicPr>
+        <p:blipFill>
+          <a:blip r:embed="rId3"/>
+          <a:stretch>
+            <a:fillRect/>
+          </a:stretch>
+        </p:blipFill>
+        <p:spPr>
+          <a:xfrm>
+            <a:off x="4975985" y="3683130"/>
+            <a:ext cx="1038566" cy="1038566"/>
+          </a:xfrm>
+          <a:prstGeom prst="rect">
+            <a:avLst/>
+          </a:prstGeom>
+        </p:spPr>
+      </p:pic>
+      <p:pic>
+        <p:nvPicPr>
+          <p:cNvPr id="4" name="図 3">
+            <a:extLst>
+              <a:ext uri="{FF2B5EF4-FFF2-40B4-BE49-F238E27FC236}">
+                <a16:creationId xmlns:a16="http://schemas.microsoft.com/office/drawing/2014/main" id="{FBC5ADDC-166C-483E-BE82-8E033F76BFF3}"/>
+              </a:ext>
+            </a:extLst>
+          </p:cNvPr>
+          <p:cNvPicPr>
+            <a:picLocks noChangeAspect="1"/>
+          </p:cNvPicPr>
+          <p:nvPr/>
+        </p:nvPicPr>
+        <p:blipFill>
+          <a:blip r:embed="rId4"/>
+          <a:stretch>
+            <a:fillRect/>
+          </a:stretch>
+        </p:blipFill>
+        <p:spPr>
+          <a:xfrm>
+            <a:off x="2133866" y="3748722"/>
+            <a:ext cx="720000" cy="972974"/>
+          </a:xfrm>
+          <a:prstGeom prst="rect">
+            <a:avLst/>
+          </a:prstGeom>
+        </p:spPr>
+      </p:pic>
+      <p:cxnSp>
+        <p:nvCxnSpPr>
+          <p:cNvPr id="5" name="直線矢印コネクタ 4">
+            <a:extLst>
+              <a:ext uri="{FF2B5EF4-FFF2-40B4-BE49-F238E27FC236}">
+                <a16:creationId xmlns:a16="http://schemas.microsoft.com/office/drawing/2014/main" id="{B028B1C4-1D90-4996-95AE-94673237C2E6}"/>
+              </a:ext>
+            </a:extLst>
+          </p:cNvPr>
+          <p:cNvCxnSpPr>
+            <a:cxnSpLocks/>
+          </p:cNvCxnSpPr>
+          <p:nvPr/>
+        </p:nvCxnSpPr>
+        <p:spPr>
+          <a:xfrm flipV="1">
+            <a:off x="3014632" y="4218472"/>
+            <a:ext cx="1928981" cy="161"/>
+          </a:xfrm>
+          <a:prstGeom prst="straightConnector1">
+            <a:avLst/>
+          </a:prstGeom>
+          <a:ln w="9525" cap="flat" cmpd="sng" algn="ctr">
+            <a:solidFill>
+              <a:schemeClr val="accent5"/>
+            </a:solidFill>
+            <a:prstDash val="solid"/>
+            <a:round/>
+            <a:headEnd type="none" w="med" len="med"/>
+            <a:tailEnd type="arrow" w="med" len="med"/>
+          </a:ln>
+        </p:spPr>
+        <p:style>
+          <a:lnRef idx="0">
+            <a:scrgbClr r="0" g="0" b="0"/>
+          </a:lnRef>
+          <a:fillRef idx="0">
+            <a:scrgbClr r="0" g="0" b="0"/>
+          </a:fillRef>
+          <a:effectRef idx="0">
+            <a:scrgbClr r="0" g="0" b="0"/>
+          </a:effectRef>
+          <a:fontRef idx="minor">
+            <a:schemeClr val="tx1"/>
+          </a:fontRef>
+        </p:style>
+      </p:cxnSp>
+      <p:pic>
+        <p:nvPicPr>
+          <p:cNvPr id="6" name="図 5" descr="シルエット が含まれている画像&#10;&#10;高い精度で生成された説明">
+            <a:extLst>
+              <a:ext uri="{FF2B5EF4-FFF2-40B4-BE49-F238E27FC236}">
+                <a16:creationId xmlns:a16="http://schemas.microsoft.com/office/drawing/2014/main" id="{C89AD71C-1B77-40BE-9BE9-ED28CD155845}"/>
+              </a:ext>
+            </a:extLst>
+          </p:cNvPr>
+          <p:cNvPicPr>
+            <a:picLocks noChangeAspect="1"/>
+          </p:cNvPicPr>
+          <p:nvPr/>
+        </p:nvPicPr>
+        <p:blipFill>
+          <a:blip r:embed="rId5"/>
+          <a:stretch>
+            <a:fillRect/>
+          </a:stretch>
+        </p:blipFill>
+        <p:spPr>
+          <a:xfrm>
+            <a:off x="3566287" y="3826339"/>
+            <a:ext cx="780290" cy="780290"/>
+          </a:xfrm>
+          <a:prstGeom prst="rect">
+            <a:avLst/>
+          </a:prstGeom>
+        </p:spPr>
+      </p:pic>
+      <p:cxnSp>
+        <p:nvCxnSpPr>
+          <p:cNvPr id="7" name="コネクタ: カギ線 6">
+            <a:extLst>
+              <a:ext uri="{FF2B5EF4-FFF2-40B4-BE49-F238E27FC236}">
+                <a16:creationId xmlns:a16="http://schemas.microsoft.com/office/drawing/2014/main" id="{C7B4FEBA-57C0-4AAE-B470-D67687B39DA4}"/>
+              </a:ext>
+            </a:extLst>
+          </p:cNvPr>
+          <p:cNvCxnSpPr>
+            <a:stCxn id="3" idx="3"/>
+            <a:endCxn id="2" idx="0"/>
+          </p:cNvCxnSpPr>
+          <p:nvPr/>
+        </p:nvCxnSpPr>
+        <p:spPr>
+          <a:xfrm>
+            <a:off x="6014551" y="4202413"/>
+            <a:ext cx="1320056" cy="1268325"/>
+          </a:xfrm>
+          <a:prstGeom prst="bentConnector2">
+            <a:avLst/>
+          </a:prstGeom>
+          <a:ln w="28575" cap="flat" cmpd="sng" algn="ctr">
+            <a:solidFill>
+              <a:srgbClr val="FF0000"/>
+            </a:solidFill>
+            <a:prstDash val="solid"/>
+            <a:round/>
+            <a:headEnd type="none" w="med" len="med"/>
+            <a:tailEnd type="arrow" w="med" len="med"/>
+          </a:ln>
+        </p:spPr>
+        <p:style>
+          <a:lnRef idx="0">
+            <a:scrgbClr r="0" g="0" b="0"/>
+          </a:lnRef>
+          <a:fillRef idx="0">
+            <a:scrgbClr r="0" g="0" b="0"/>
+          </a:fillRef>
+          <a:effectRef idx="0">
+            <a:scrgbClr r="0" g="0" b="0"/>
+          </a:effectRef>
+          <a:fontRef idx="minor">
+            <a:schemeClr val="tx1"/>
+          </a:fontRef>
+        </p:style>
+      </p:cxnSp>
+      <p:sp>
+        <p:nvSpPr>
+          <p:cNvPr id="8" name="正方形/長方形 7">
+            <a:extLst>
+              <a:ext uri="{FF2B5EF4-FFF2-40B4-BE49-F238E27FC236}">
+                <a16:creationId xmlns:a16="http://schemas.microsoft.com/office/drawing/2014/main" id="{3C49438A-1CB2-4BC4-9BF9-95298AD0F4B5}"/>
+              </a:ext>
+            </a:extLst>
+          </p:cNvPr>
+          <p:cNvSpPr/>
+          <p:nvPr/>
+        </p:nvSpPr>
+        <p:spPr>
+          <a:xfrm>
+            <a:off x="6421925" y="3820669"/>
+            <a:ext cx="2433680" cy="369332"/>
+          </a:xfrm>
+          <a:prstGeom prst="rect">
+            <a:avLst/>
+          </a:prstGeom>
+        </p:spPr>
+        <p:txBody>
+          <a:bodyPr wrap="none">
+            <a:spAutoFit/>
+          </a:bodyPr>
+          <a:lstStyle/>
+          <a:p>
+            <a:r>
+              <a:rPr lang="en-US" altLang="ja-JP" dirty="0" err="1"/>
+              <a:t>RunPowerShellScript</a:t>
+            </a:r>
+            <a:endParaRPr lang="ja-JP" altLang="en-US" dirty="0"/>
+          </a:p>
+        </p:txBody>
+      </p:sp>
+      <p:pic>
+        <p:nvPicPr>
+          <p:cNvPr id="9" name="図 8">
+            <a:extLst>
+              <a:ext uri="{FF2B5EF4-FFF2-40B4-BE49-F238E27FC236}">
+                <a16:creationId xmlns:a16="http://schemas.microsoft.com/office/drawing/2014/main" id="{65174651-0CB8-42F6-BBB3-EA90FC22F2D9}"/>
+              </a:ext>
+            </a:extLst>
+          </p:cNvPr>
+          <p:cNvPicPr>
+            <a:picLocks noChangeAspect="1"/>
+          </p:cNvPicPr>
+          <p:nvPr/>
+        </p:nvPicPr>
+        <p:blipFill>
+          <a:blip r:embed="rId6"/>
+          <a:stretch>
+            <a:fillRect/>
+          </a:stretch>
+        </p:blipFill>
+        <p:spPr>
+          <a:xfrm>
+            <a:off x="4906502" y="5317947"/>
+            <a:ext cx="1256665" cy="1256665"/>
+          </a:xfrm>
+          <a:prstGeom prst="rect">
+            <a:avLst/>
+          </a:prstGeom>
+        </p:spPr>
+      </p:pic>
+      <p:pic>
+        <p:nvPicPr>
+          <p:cNvPr id="10" name="図 9">
+            <a:extLst>
+              <a:ext uri="{FF2B5EF4-FFF2-40B4-BE49-F238E27FC236}">
+                <a16:creationId xmlns:a16="http://schemas.microsoft.com/office/drawing/2014/main" id="{0C2217B9-72D0-4271-A44F-C845FF49FC75}"/>
+              </a:ext>
+            </a:extLst>
+          </p:cNvPr>
+          <p:cNvPicPr>
+            <a:picLocks noChangeAspect="1"/>
+          </p:cNvPicPr>
+          <p:nvPr/>
+        </p:nvPicPr>
+        <p:blipFill rotWithShape="1">
+          <a:blip r:embed="rId6"/>
+          <a:srcRect l="21041"/>
+          <a:stretch/>
+        </p:blipFill>
+        <p:spPr>
+          <a:xfrm>
+            <a:off x="5797827" y="5317959"/>
+            <a:ext cx="992244" cy="1256665"/>
+          </a:xfrm>
+          <a:prstGeom prst="rect">
+            <a:avLst/>
+          </a:prstGeom>
+        </p:spPr>
+      </p:pic>
+      <p:pic>
+        <p:nvPicPr>
+          <p:cNvPr id="11" name="図 10">
+            <a:extLst>
+              <a:ext uri="{FF2B5EF4-FFF2-40B4-BE49-F238E27FC236}">
+                <a16:creationId xmlns:a16="http://schemas.microsoft.com/office/drawing/2014/main" id="{486C436D-73D4-4270-9746-EC83A963269B}"/>
+              </a:ext>
+            </a:extLst>
+          </p:cNvPr>
+          <p:cNvPicPr>
+            <a:picLocks noChangeAspect="1"/>
+          </p:cNvPicPr>
+          <p:nvPr/>
+        </p:nvPicPr>
+        <p:blipFill>
+          <a:blip r:embed="rId7"/>
+          <a:stretch>
+            <a:fillRect/>
+          </a:stretch>
+        </p:blipFill>
+        <p:spPr>
+          <a:xfrm>
+            <a:off x="5721429" y="5653157"/>
+            <a:ext cx="586244" cy="586244"/>
+          </a:xfrm>
+          <a:prstGeom prst="rect">
+            <a:avLst/>
+          </a:prstGeom>
+        </p:spPr>
+      </p:pic>
+      <p:sp>
+        <p:nvSpPr>
+          <p:cNvPr id="12" name="正方形/長方形 11">
+            <a:extLst>
+              <a:ext uri="{FF2B5EF4-FFF2-40B4-BE49-F238E27FC236}">
+                <a16:creationId xmlns:a16="http://schemas.microsoft.com/office/drawing/2014/main" id="{AE25DAFD-65F3-48B9-B6F3-07E758A4AD73}"/>
+              </a:ext>
+            </a:extLst>
+          </p:cNvPr>
+          <p:cNvSpPr/>
+          <p:nvPr/>
+        </p:nvSpPr>
+        <p:spPr>
+          <a:xfrm>
+            <a:off x="5450428" y="6253720"/>
+            <a:ext cx="1087157" cy="369332"/>
+          </a:xfrm>
+          <a:prstGeom prst="rect">
+            <a:avLst/>
+          </a:prstGeom>
+        </p:spPr>
+        <p:txBody>
+          <a:bodyPr wrap="none">
+            <a:spAutoFit/>
+          </a:bodyPr>
+          <a:lstStyle/>
+          <a:p>
+            <a:r>
+              <a:rPr lang="en-US" altLang="ja-JP" dirty="0"/>
+              <a:t>Allow</a:t>
+            </a:r>
+            <a:r>
+              <a:rPr lang="ja-JP" altLang="en-US" dirty="0"/>
+              <a:t> </a:t>
+            </a:r>
+            <a:r>
+              <a:rPr lang="en-US" altLang="ja-JP" dirty="0"/>
+              <a:t>80</a:t>
+            </a:r>
+            <a:endParaRPr lang="ja-JP" altLang="en-US" dirty="0"/>
+          </a:p>
+        </p:txBody>
+      </p:sp>
+      <p:cxnSp>
+        <p:nvCxnSpPr>
+          <p:cNvPr id="13" name="コネクタ: カギ線 12">
+            <a:extLst>
+              <a:ext uri="{FF2B5EF4-FFF2-40B4-BE49-F238E27FC236}">
+                <a16:creationId xmlns:a16="http://schemas.microsoft.com/office/drawing/2014/main" id="{5FA55192-C0DD-4CD2-BBD2-7B704AC99165}"/>
+              </a:ext>
+            </a:extLst>
+          </p:cNvPr>
+          <p:cNvCxnSpPr>
+            <a:cxnSpLocks/>
+            <a:stCxn id="4" idx="2"/>
+            <a:endCxn id="9" idx="1"/>
+          </p:cNvCxnSpPr>
+          <p:nvPr/>
+        </p:nvCxnSpPr>
+        <p:spPr>
+          <a:xfrm rot="16200000" flipH="1">
+            <a:off x="3087892" y="4127670"/>
+            <a:ext cx="1224584" cy="2412636"/>
+          </a:xfrm>
+          <a:prstGeom prst="bentConnector2">
+            <a:avLst/>
+          </a:prstGeom>
+          <a:ln w="9525" cap="flat" cmpd="sng" algn="ctr">
+            <a:solidFill>
+              <a:schemeClr val="accent5"/>
+            </a:solidFill>
+            <a:prstDash val="solid"/>
+            <a:round/>
+            <a:headEnd type="none" w="med" len="med"/>
+            <a:tailEnd type="arrow" w="med" len="med"/>
+          </a:ln>
+        </p:spPr>
+        <p:style>
+          <a:lnRef idx="0">
+            <a:scrgbClr r="0" g="0" b="0"/>
+          </a:lnRef>
+          <a:fillRef idx="0">
+            <a:scrgbClr r="0" g="0" b="0"/>
+          </a:fillRef>
+          <a:effectRef idx="0">
+            <a:scrgbClr r="0" g="0" b="0"/>
+          </a:effectRef>
+          <a:fontRef idx="minor">
+            <a:schemeClr val="tx1"/>
+          </a:fontRef>
+        </p:style>
+      </p:cxnSp>
+      <p:sp>
+        <p:nvSpPr>
+          <p:cNvPr id="14" name="正方形/長方形 13">
+            <a:extLst>
+              <a:ext uri="{FF2B5EF4-FFF2-40B4-BE49-F238E27FC236}">
+                <a16:creationId xmlns:a16="http://schemas.microsoft.com/office/drawing/2014/main" id="{5734F080-44F4-4987-B9A3-3BD1EE0A4E5F}"/>
+              </a:ext>
+            </a:extLst>
+          </p:cNvPr>
+          <p:cNvSpPr/>
+          <p:nvPr/>
+        </p:nvSpPr>
+        <p:spPr>
+          <a:xfrm>
+            <a:off x="3351771" y="3616527"/>
+            <a:ext cx="1063112" cy="369332"/>
+          </a:xfrm>
+          <a:prstGeom prst="rect">
+            <a:avLst/>
+          </a:prstGeom>
+        </p:spPr>
+        <p:txBody>
+          <a:bodyPr wrap="none">
+            <a:spAutoFit/>
+          </a:bodyPr>
+          <a:lstStyle/>
+          <a:p>
+            <a:r>
+              <a:rPr lang="en-US" altLang="ja-JP" dirty="0"/>
+              <a:t>TLS:443</a:t>
+            </a:r>
+            <a:endParaRPr lang="ja-JP" altLang="en-US" dirty="0"/>
+          </a:p>
+        </p:txBody>
+      </p:sp>
+      <p:pic>
+        <p:nvPicPr>
+          <p:cNvPr id="15" name="図 14" descr="シルエット が含まれている画像&#10;&#10;高い精度で生成された説明">
+            <a:extLst>
+              <a:ext uri="{FF2B5EF4-FFF2-40B4-BE49-F238E27FC236}">
+                <a16:creationId xmlns:a16="http://schemas.microsoft.com/office/drawing/2014/main" id="{CF42C37A-8949-436B-88C0-50B325A24735}"/>
+              </a:ext>
+            </a:extLst>
+          </p:cNvPr>
+          <p:cNvPicPr>
+            <a:picLocks noChangeAspect="1"/>
+          </p:cNvPicPr>
+          <p:nvPr/>
+        </p:nvPicPr>
+        <p:blipFill>
+          <a:blip r:embed="rId5"/>
+          <a:stretch>
+            <a:fillRect/>
+          </a:stretch>
+        </p:blipFill>
+        <p:spPr>
+          <a:xfrm>
+            <a:off x="3566287" y="5556134"/>
+            <a:ext cx="780290" cy="780290"/>
+          </a:xfrm>
+          <a:prstGeom prst="rect">
+            <a:avLst/>
+          </a:prstGeom>
+        </p:spPr>
+      </p:pic>
+      <p:sp>
+        <p:nvSpPr>
+          <p:cNvPr id="16" name="正方形/長方形 15">
+            <a:extLst>
+              <a:ext uri="{FF2B5EF4-FFF2-40B4-BE49-F238E27FC236}">
+                <a16:creationId xmlns:a16="http://schemas.microsoft.com/office/drawing/2014/main" id="{8927B15A-6C69-4B3D-9A7A-6F0C181A038A}"/>
+              </a:ext>
+            </a:extLst>
+          </p:cNvPr>
+          <p:cNvSpPr/>
+          <p:nvPr/>
+        </p:nvSpPr>
+        <p:spPr>
+          <a:xfrm>
+            <a:off x="3447566" y="5286258"/>
+            <a:ext cx="1122423" cy="369332"/>
+          </a:xfrm>
+          <a:prstGeom prst="rect">
+            <a:avLst/>
+          </a:prstGeom>
+        </p:spPr>
+        <p:txBody>
+          <a:bodyPr wrap="none">
+            <a:spAutoFit/>
+          </a:bodyPr>
+          <a:lstStyle/>
+          <a:p>
+            <a:r>
+              <a:rPr lang="en-US" altLang="ja-JP" dirty="0"/>
+              <a:t>HTTP:80</a:t>
+            </a:r>
+          </a:p>
+        </p:txBody>
+      </p:sp>
+      <p:sp>
+        <p:nvSpPr>
+          <p:cNvPr id="17" name="正方形/長方形 16">
+            <a:extLst>
+              <a:ext uri="{FF2B5EF4-FFF2-40B4-BE49-F238E27FC236}">
+                <a16:creationId xmlns:a16="http://schemas.microsoft.com/office/drawing/2014/main" id="{33FD5676-1BCD-4D49-B2BB-EDE0EEB3604B}"/>
+              </a:ext>
+            </a:extLst>
+          </p:cNvPr>
+          <p:cNvSpPr/>
+          <p:nvPr/>
+        </p:nvSpPr>
+        <p:spPr>
+          <a:xfrm>
+            <a:off x="4751314" y="3275909"/>
+            <a:ext cx="1487908" cy="369332"/>
+          </a:xfrm>
+          <a:prstGeom prst="rect">
+            <a:avLst/>
+          </a:prstGeom>
+        </p:spPr>
+        <p:txBody>
+          <a:bodyPr wrap="none">
+            <a:spAutoFit/>
+          </a:bodyPr>
+          <a:lstStyle/>
+          <a:p>
+            <a:r>
+              <a:rPr lang="en-US" altLang="ja-JP" dirty="0"/>
+              <a:t>Azure Portal</a:t>
+            </a:r>
+            <a:endParaRPr lang="ja-JP" altLang="en-US" dirty="0"/>
+          </a:p>
+        </p:txBody>
+      </p:sp>
+    </p:spTree>
+    <p:extLst>
+      <p:ext uri="{BB962C8B-B14F-4D97-AF65-F5344CB8AC3E}">
+        <p14:creationId xmlns:p14="http://schemas.microsoft.com/office/powerpoint/2010/main" val="3459783796"/>
+      </p:ext>
+    </p:extLst>
+  </p:cSld>
+  <p:clrMapOvr>
+    <a:masterClrMapping/>
+  </p:clrMapOvr>
+</p:sld>
+</file>
+
+<file path=ppt/slides/slide6.xml><?xml version="1.0" encoding="utf-8"?>
+<p:sld xmlns:a="http://schemas.openxmlformats.org/drawingml/2006/main" xmlns:r="http://schemas.openxmlformats.org/officeDocument/2006/relationships" xmlns:p="http://schemas.openxmlformats.org/presentationml/2006/main">
+  <p:cSld>
+    <p:spTree>
+      <p:nvGrpSpPr>
+        <p:cNvPr id="1" name=""/>
+        <p:cNvGrpSpPr/>
+        <p:nvPr/>
+      </p:nvGrpSpPr>
+      <p:grpSpPr>
+        <a:xfrm>
+          <a:off x="0" y="0"/>
+          <a:ext cx="0" cy="0"/>
+          <a:chOff x="0" y="0"/>
+          <a:chExt cx="0" cy="0"/>
+        </a:xfrm>
+      </p:grpSpPr>
+      <p:pic>
+        <p:nvPicPr>
+          <p:cNvPr id="2" name="図 1">
+            <a:extLst>
+              <a:ext uri="{FF2B5EF4-FFF2-40B4-BE49-F238E27FC236}">
+                <a16:creationId xmlns:a16="http://schemas.microsoft.com/office/drawing/2014/main" id="{472CDD48-3EBA-4C7C-AC32-FF601E748F8C}"/>
+              </a:ext>
+            </a:extLst>
+          </p:cNvPr>
+          <p:cNvPicPr>
+            <a:picLocks noChangeAspect="1"/>
+          </p:cNvPicPr>
+          <p:nvPr/>
+        </p:nvPicPr>
+        <p:blipFill rotWithShape="1">
+          <a:blip r:embed="rId2"/>
+          <a:srcRect l="69666" t="7419" r="15496" b="87312"/>
+          <a:stretch/>
+        </p:blipFill>
+        <p:spPr>
+          <a:xfrm>
+            <a:off x="5190976" y="1423220"/>
+            <a:ext cx="3894032" cy="921774"/>
+          </a:xfrm>
+          <a:prstGeom prst="rect">
+            <a:avLst/>
+          </a:prstGeom>
+        </p:spPr>
+      </p:pic>
+      <p:sp>
+        <p:nvSpPr>
+          <p:cNvPr id="3" name="楕円 2">
+            <a:extLst>
+              <a:ext uri="{FF2B5EF4-FFF2-40B4-BE49-F238E27FC236}">
+                <a16:creationId xmlns:a16="http://schemas.microsoft.com/office/drawing/2014/main" id="{8E5527F4-9BD0-46CC-881D-B24401CC5AB4}"/>
+              </a:ext>
+            </a:extLst>
+          </p:cNvPr>
+          <p:cNvSpPr/>
+          <p:nvPr/>
+        </p:nvSpPr>
+        <p:spPr>
+          <a:xfrm>
+            <a:off x="5755999" y="1535672"/>
+            <a:ext cx="907026" cy="696870"/>
+          </a:xfrm>
+          <a:prstGeom prst="ellipse">
+            <a:avLst/>
+          </a:prstGeom>
+          <a:noFill/>
+          <a:ln w="38100">
+            <a:solidFill>
+              <a:srgbClr val="FF0000"/>
+            </a:solidFill>
+            <a:prstDash val="solid"/>
+            <a:headEnd type="none" w="med" len="med"/>
+            <a:tailEnd type="none" w="med" len="med"/>
+          </a:ln>
+        </p:spPr>
+        <p:style>
+          <a:lnRef idx="1">
+            <a:schemeClr val="accent2"/>
+          </a:lnRef>
+          <a:fillRef idx="2">
+            <a:schemeClr val="accent2"/>
+          </a:fillRef>
+          <a:effectRef idx="1">
+            <a:schemeClr val="accent2"/>
+          </a:effectRef>
+          <a:fontRef idx="minor">
+            <a:schemeClr val="dk1"/>
+          </a:fontRef>
+        </p:style>
+        <p:txBody>
+          <a:bodyPr rot="0" spcFirstLastPara="0" vertOverflow="overflow" horzOverflow="overflow" vert="horz" wrap="none" lIns="182880" tIns="146304" rIns="182880" bIns="146304" numCol="1" spcCol="0" rtlCol="0" fromWordArt="0" anchor="ctr" anchorCtr="0" forceAA="0" compatLnSpc="1">
+            <a:prstTxWarp prst="textNoShape">
+              <a:avLst/>
+            </a:prstTxWarp>
+            <a:noAutofit/>
+          </a:bodyPr>
+          <a:lstStyle/>
+          <a:p>
+            <a:pPr algn="ctr" defTabSz="932472" fontAlgn="base">
+              <a:lnSpc>
+                <a:spcPct val="90000"/>
+              </a:lnSpc>
+              <a:spcBef>
+                <a:spcPct val="0"/>
+              </a:spcBef>
+              <a:spcAft>
+                <a:spcPct val="0"/>
+              </a:spcAft>
+            </a:pPr>
+            <a:endParaRPr lang="ja-JP" altLang="en-US">
+              <a:solidFill>
+                <a:schemeClr val="tx2"/>
+              </a:solidFill>
+              <a:cs typeface="Segoe UI" pitchFamily="34" charset="0"/>
+            </a:endParaRPr>
+          </a:p>
+        </p:txBody>
+      </p:sp>
+    </p:spTree>
+    <p:extLst>
+      <p:ext uri="{BB962C8B-B14F-4D97-AF65-F5344CB8AC3E}">
+        <p14:creationId xmlns:p14="http://schemas.microsoft.com/office/powerpoint/2010/main" val="2615109495"/>
       </p:ext>
     </p:extLst>
   </p:cSld>
@@ -3915,4 +8817,299 @@
     </a:ext>
   </a:extLst>
 </a:theme>
+</file>
+
+<file path=ppt/theme/theme2.xml><?xml version="1.0" encoding="utf-8"?>
+<a:theme xmlns:a="http://schemas.openxmlformats.org/drawingml/2006/main" name="Office テーマ">
+  <a:themeElements>
+    <a:clrScheme name="Office">
+      <a:dk1>
+        <a:sysClr val="windowText" lastClr="000000"/>
+      </a:dk1>
+      <a:lt1>
+        <a:sysClr val="window" lastClr="FFFFFF"/>
+      </a:lt1>
+      <a:dk2>
+        <a:srgbClr val="44546A"/>
+      </a:dk2>
+      <a:lt2>
+        <a:srgbClr val="E7E6E6"/>
+      </a:lt2>
+      <a:accent1>
+        <a:srgbClr val="4472C4"/>
+      </a:accent1>
+      <a:accent2>
+        <a:srgbClr val="ED7D31"/>
+      </a:accent2>
+      <a:accent3>
+        <a:srgbClr val="A5A5A5"/>
+      </a:accent3>
+      <a:accent4>
+        <a:srgbClr val="FFC000"/>
+      </a:accent4>
+      <a:accent5>
+        <a:srgbClr val="5B9BD5"/>
+      </a:accent5>
+      <a:accent6>
+        <a:srgbClr val="70AD47"/>
+      </a:accent6>
+      <a:hlink>
+        <a:srgbClr val="0563C1"/>
+      </a:hlink>
+      <a:folHlink>
+        <a:srgbClr val="954F72"/>
+      </a:folHlink>
+    </a:clrScheme>
+    <a:fontScheme name="Office">
+      <a:majorFont>
+        <a:latin typeface="游ゴシック Light" panose="020F0302020204030204"/>
+        <a:ea typeface=""/>
+        <a:cs typeface=""/>
+        <a:font script="Jpan" typeface="游ゴシック Light"/>
+        <a:font script="Hang" typeface="맑은 고딕"/>
+        <a:font script="Hans" typeface="等线 Light"/>
+        <a:font script="Hant" typeface="新細明體"/>
+        <a:font script="Arab" typeface="Times New Roman"/>
+        <a:font script="Hebr" typeface="Times New Roman"/>
+        <a:font script="Thai" typeface="Angsana New"/>
+        <a:font script="Ethi" typeface="Nyala"/>
+        <a:font script="Beng" typeface="Vrinda"/>
+        <a:font script="Gujr" typeface="Shruti"/>
+        <a:font script="Khmr" typeface="MoolBoran"/>
+        <a:font script="Knda" typeface="Tunga"/>
+        <a:font script="Guru" typeface="Raavi"/>
+        <a:font script="Cans" typeface="Euphemia"/>
+        <a:font script="Cher" typeface="Plantagenet Cherokee"/>
+        <a:font script="Yiii" typeface="Microsoft Yi Baiti"/>
+        <a:font script="Tibt" typeface="Microsoft Himalaya"/>
+        <a:font script="Thaa" typeface="MV Boli"/>
+        <a:font script="Deva" typeface="Mangal"/>
+        <a:font script="Telu" typeface="Gautami"/>
+        <a:font script="Taml" typeface="Latha"/>
+        <a:font script="Syrc" typeface="Estrangelo Edessa"/>
+        <a:font script="Orya" typeface="Kalinga"/>
+        <a:font script="Mlym" typeface="Kartika"/>
+        <a:font script="Laoo" typeface="DokChampa"/>
+        <a:font script="Sinh" typeface="Iskoola Pota"/>
+        <a:font script="Mong" typeface="Mongolian Baiti"/>
+        <a:font script="Viet" typeface="Times New Roman"/>
+        <a:font script="Uigh" typeface="Microsoft Uighur"/>
+        <a:font script="Geor" typeface="Sylfaen"/>
+        <a:font script="Armn" typeface="Arial"/>
+        <a:font script="Bugi" typeface="Leelawadee UI"/>
+        <a:font script="Bopo" typeface="Microsoft JhengHei"/>
+        <a:font script="Java" typeface="Javanese Text"/>
+        <a:font script="Lisu" typeface="Segoe UI"/>
+        <a:font script="Mymr" typeface="Myanmar Text"/>
+        <a:font script="Nkoo" typeface="Ebrima"/>
+        <a:font script="Olck" typeface="Nirmala UI"/>
+        <a:font script="Osma" typeface="Ebrima"/>
+        <a:font script="Phag" typeface="Phagspa"/>
+        <a:font script="Syrn" typeface="Estrangelo Edessa"/>
+        <a:font script="Syrj" typeface="Estrangelo Edessa"/>
+        <a:font script="Syre" typeface="Estrangelo Edessa"/>
+        <a:font script="Sora" typeface="Nirmala UI"/>
+        <a:font script="Tale" typeface="Microsoft Tai Le"/>
+        <a:font script="Talu" typeface="Microsoft New Tai Lue"/>
+        <a:font script="Tfng" typeface="Ebrima"/>
+      </a:majorFont>
+      <a:minorFont>
+        <a:latin typeface="游ゴシック" panose="020F0502020204030204"/>
+        <a:ea typeface=""/>
+        <a:cs typeface=""/>
+        <a:font script="Jpan" typeface="游ゴシック"/>
+        <a:font script="Hang" typeface="맑은 고딕"/>
+        <a:font script="Hans" typeface="等线"/>
+        <a:font script="Hant" typeface="新細明體"/>
+        <a:font script="Arab" typeface="Arial"/>
+        <a:font script="Hebr" typeface="Arial"/>
+        <a:font script="Thai" typeface="Cordia New"/>
+        <a:font script="Ethi" typeface="Nyala"/>
+        <a:font script="Beng" typeface="Vrinda"/>
+        <a:font script="Gujr" typeface="Shruti"/>
+        <a:font script="Khmr" typeface="DaunPenh"/>
+        <a:font script="Knda" typeface="Tunga"/>
+        <a:font script="Guru" typeface="Raavi"/>
+        <a:font script="Cans" typeface="Euphemia"/>
+        <a:font script="Cher" typeface="Plantagenet Cherokee"/>
+        <a:font script="Yiii" typeface="Microsoft Yi Baiti"/>
+        <a:font script="Tibt" typeface="Microsoft Himalaya"/>
+        <a:font script="Thaa" typeface="MV Boli"/>
+        <a:font script="Deva" typeface="Mangal"/>
+        <a:font script="Telu" typeface="Gautami"/>
+        <a:font script="Taml" typeface="Latha"/>
+        <a:font script="Syrc" typeface="Estrangelo Edessa"/>
+        <a:font script="Orya" typeface="Kalinga"/>
+        <a:font script="Mlym" typeface="Kartika"/>
+        <a:font script="Laoo" typeface="DokChampa"/>
+        <a:font script="Sinh" typeface="Iskoola Pota"/>
+        <a:font script="Mong" typeface="Mongolian Baiti"/>
+        <a:font script="Viet" typeface="Arial"/>
+        <a:font script="Uigh" typeface="Microsoft Uighur"/>
+        <a:font script="Geor" typeface="Sylfaen"/>
+        <a:font script="Armn" typeface="Arial"/>
+        <a:font script="Bugi" typeface="Leelawadee UI"/>
+        <a:font script="Bopo" typeface="Microsoft JhengHei"/>
+        <a:font script="Java" typeface="Javanese Text"/>
+        <a:font script="Lisu" typeface="Segoe UI"/>
+        <a:font script="Mymr" typeface="Myanmar Text"/>
+        <a:font script="Nkoo" typeface="Ebrima"/>
+        <a:font script="Olck" typeface="Nirmala UI"/>
+        <a:font script="Osma" typeface="Ebrima"/>
+        <a:font script="Phag" typeface="Phagspa"/>
+        <a:font script="Syrn" typeface="Estrangelo Edessa"/>
+        <a:font script="Syrj" typeface="Estrangelo Edessa"/>
+        <a:font script="Syre" typeface="Estrangelo Edessa"/>
+        <a:font script="Sora" typeface="Nirmala UI"/>
+        <a:font script="Tale" typeface="Microsoft Tai Le"/>
+        <a:font script="Talu" typeface="Microsoft New Tai Lue"/>
+        <a:font script="Tfng" typeface="Ebrima"/>
+      </a:minorFont>
+    </a:fontScheme>
+    <a:fmtScheme name="Office">
+      <a:fillStyleLst>
+        <a:solidFill>
+          <a:schemeClr val="phClr"/>
+        </a:solidFill>
+        <a:gradFill rotWithShape="1">
+          <a:gsLst>
+            <a:gs pos="0">
+              <a:schemeClr val="phClr">
+                <a:lumMod val="110000"/>
+                <a:satMod val="105000"/>
+                <a:tint val="67000"/>
+              </a:schemeClr>
+            </a:gs>
+            <a:gs pos="50000">
+              <a:schemeClr val="phClr">
+                <a:lumMod val="105000"/>
+                <a:satMod val="103000"/>
+                <a:tint val="73000"/>
+              </a:schemeClr>
+            </a:gs>
+            <a:gs pos="100000">
+              <a:schemeClr val="phClr">
+                <a:lumMod val="105000"/>
+                <a:satMod val="109000"/>
+                <a:tint val="81000"/>
+              </a:schemeClr>
+            </a:gs>
+          </a:gsLst>
+          <a:lin ang="5400000" scaled="0"/>
+        </a:gradFill>
+        <a:gradFill rotWithShape="1">
+          <a:gsLst>
+            <a:gs pos="0">
+              <a:schemeClr val="phClr">
+                <a:satMod val="103000"/>
+                <a:lumMod val="102000"/>
+                <a:tint val="94000"/>
+              </a:schemeClr>
+            </a:gs>
+            <a:gs pos="50000">
+              <a:schemeClr val="phClr">
+                <a:satMod val="110000"/>
+                <a:lumMod val="100000"/>
+                <a:shade val="100000"/>
+              </a:schemeClr>
+            </a:gs>
+            <a:gs pos="100000">
+              <a:schemeClr val="phClr">
+                <a:lumMod val="99000"/>
+                <a:satMod val="120000"/>
+                <a:shade val="78000"/>
+              </a:schemeClr>
+            </a:gs>
+          </a:gsLst>
+          <a:lin ang="5400000" scaled="0"/>
+        </a:gradFill>
+      </a:fillStyleLst>
+      <a:lnStyleLst>
+        <a:ln w="6350" cap="flat" cmpd="sng" algn="ctr">
+          <a:solidFill>
+            <a:schemeClr val="phClr"/>
+          </a:solidFill>
+          <a:prstDash val="solid"/>
+          <a:miter lim="800000"/>
+        </a:ln>
+        <a:ln w="12700" cap="flat" cmpd="sng" algn="ctr">
+          <a:solidFill>
+            <a:schemeClr val="phClr"/>
+          </a:solidFill>
+          <a:prstDash val="solid"/>
+          <a:miter lim="800000"/>
+        </a:ln>
+        <a:ln w="19050" cap="flat" cmpd="sng" algn="ctr">
+          <a:solidFill>
+            <a:schemeClr val="phClr"/>
+          </a:solidFill>
+          <a:prstDash val="solid"/>
+          <a:miter lim="800000"/>
+        </a:ln>
+      </a:lnStyleLst>
+      <a:effectStyleLst>
+        <a:effectStyle>
+          <a:effectLst/>
+        </a:effectStyle>
+        <a:effectStyle>
+          <a:effectLst/>
+        </a:effectStyle>
+        <a:effectStyle>
+          <a:effectLst>
+            <a:outerShdw blurRad="57150" dist="19050" dir="5400000" algn="ctr" rotWithShape="0">
+              <a:srgbClr val="000000">
+                <a:alpha val="63000"/>
+              </a:srgbClr>
+            </a:outerShdw>
+          </a:effectLst>
+        </a:effectStyle>
+      </a:effectStyleLst>
+      <a:bgFillStyleLst>
+        <a:solidFill>
+          <a:schemeClr val="phClr"/>
+        </a:solidFill>
+        <a:solidFill>
+          <a:schemeClr val="phClr">
+            <a:tint val="95000"/>
+            <a:satMod val="170000"/>
+          </a:schemeClr>
+        </a:solidFill>
+        <a:gradFill rotWithShape="1">
+          <a:gsLst>
+            <a:gs pos="0">
+              <a:schemeClr val="phClr">
+                <a:tint val="93000"/>
+                <a:satMod val="150000"/>
+                <a:shade val="98000"/>
+                <a:lumMod val="102000"/>
+              </a:schemeClr>
+            </a:gs>
+            <a:gs pos="50000">
+              <a:schemeClr val="phClr">
+                <a:tint val="98000"/>
+                <a:satMod val="130000"/>
+                <a:shade val="90000"/>
+                <a:lumMod val="103000"/>
+              </a:schemeClr>
+            </a:gs>
+            <a:gs pos="100000">
+              <a:schemeClr val="phClr">
+                <a:shade val="63000"/>
+                <a:satMod val="120000"/>
+              </a:schemeClr>
+            </a:gs>
+          </a:gsLst>
+          <a:lin ang="5400000" scaled="0"/>
+        </a:gradFill>
+      </a:bgFillStyleLst>
+    </a:fmtScheme>
+  </a:themeElements>
+  <a:objectDefaults/>
+  <a:extraClrSchemeLst/>
+  <a:extLst>
+    <a:ext uri="{05A4C25C-085E-4340-85A3-A5531E510DB2}">
+      <thm15:themeFamily xmlns:thm15="http://schemas.microsoft.com/office/thememl/2012/main" name="Office Theme" id="{62F939B6-93AF-4DB8-9C6B-D6C7DFDC589F}" vid="{4A3C46E8-61CC-4603-A589-7422A47A8E4A}"/>
+    </a:ext>
+  </a:extLst>
+</a:theme>
 </file>